--- a/基于深度有序回归的钢板表面缺陷分级研究进展.pptx
+++ b/基于深度有序回归的钢板表面缺陷分级研究进展.pptx
@@ -4,21 +4,20 @@
   <p:sldMasterIdLst>
     <p:sldMasterId id="2147483648" r:id="rId1"/>
   </p:sldMasterIdLst>
+  <p:notesMasterIdLst>
+    <p:notesMasterId r:id="rId10"/>
+  </p:notesMasterIdLst>
   <p:sldIdLst>
     <p:sldId id="256" r:id="rId2"/>
     <p:sldId id="257" r:id="rId3"/>
-    <p:sldId id="258" r:id="rId4"/>
-    <p:sldId id="259" r:id="rId5"/>
-    <p:sldId id="260" r:id="rId6"/>
-    <p:sldId id="261" r:id="rId7"/>
-    <p:sldId id="262" r:id="rId8"/>
-    <p:sldId id="263" r:id="rId9"/>
-    <p:sldId id="264" r:id="rId10"/>
+    <p:sldId id="259" r:id="rId4"/>
+    <p:sldId id="260" r:id="rId5"/>
+    <p:sldId id="261" r:id="rId6"/>
+    <p:sldId id="262" r:id="rId7"/>
+    <p:sldId id="263" r:id="rId8"/>
+    <p:sldId id="264" r:id="rId9"/>
   </p:sldIdLst>
-  <p:notesMasterIdLst>
-    <p:notesMasterId r:id="rId11"/>
-  </p:notesMasterIdLst>
-  <p:sldSz cx="9144000" cy="5143500"/>
+  <p:sldSz cx="9144000" cy="5143500" type="screen16x9"/>
   <p:notesSz cx="5143500" cy="9144000"/>
   <p:defaultTextStyle>
     <a:lvl1pPr marL="0" algn="l" defTabSz="914400" rtl="0" eaLnBrk="1" latinLnBrk="0" hangingPunct="1">
@@ -112,6 +111,11 @@
       </a:defRPr>
     </a:lvl9pPr>
   </p:defaultTextStyle>
+  <p:extLst>
+    <p:ext uri="{EFAFB233-063F-42B5-8137-9DF3F51BA10A}">
+      <p15:sldGuideLst xmlns:p15="http://schemas.microsoft.com/office/powerpoint/2012/main"/>
+    </p:ext>
+  </p:extLst>
 </p:presentation>
 </file>
 
@@ -137,234 +141,10 @@
           <a:chExt cx="0" cy="0"/>
         </a:xfrm>
       </p:grpSpPr>
-      <p:sp>
-        <p:nvSpPr>
-          <p:cNvPr id="2" name="Header Placeholder 1"/>
-          <p:cNvSpPr>
-            <a:spLocks noGrp="1"/>
-          </p:cNvSpPr>
-          <p:nvPr>
-            <p:ph type="hdr" sz="quarter"/>
-          </p:nvPr>
-        </p:nvSpPr>
-        <p:spPr>
-          <a:xfrm>
-            <a:off x="0" y="0"/>
-            <a:ext cx="2971800" cy="458788"/>
-          </a:xfrm>
-          <a:prstGeom prst="rect">
-            <a:avLst/>
-          </a:prstGeom>
-        </p:spPr>
-        <p:txBody>
-          <a:bodyPr vert="horz" lIns="91440" tIns="45720" rIns="91440" bIns="45720" rtlCol="0"/>
-          <a:lstStyle>
-            <a:lvl1pPr algn="l">
-              <a:defRPr sz="1200"/>
-            </a:lvl1pPr>
-          </a:lstStyle>
-          <a:p>
-            <a:endParaRPr lang="en-US"/>
-          </a:p>
-        </p:txBody>
-      </p:sp>
-      <p:sp>
-        <p:nvSpPr>
-          <p:cNvPr id="3" name="Date Placeholder 2"/>
-          <p:cNvSpPr>
-            <a:spLocks noGrp="1"/>
-          </p:cNvSpPr>
-          <p:nvPr>
-            <p:ph type="dt" idx="1"/>
-          </p:nvPr>
-        </p:nvSpPr>
-        <p:spPr>
-          <a:xfrm>
-            <a:off x="3884613" y="0"/>
-            <a:ext cx="2971800" cy="458788"/>
-          </a:xfrm>
-          <a:prstGeom prst="rect">
-            <a:avLst/>
-          </a:prstGeom>
-        </p:spPr>
-        <p:txBody>
-          <a:bodyPr vert="horz" lIns="91440" tIns="45720" rIns="91440" bIns="45720" rtlCol="0"/>
-          <a:lstStyle>
-            <a:lvl1pPr algn="r">
-              <a:defRPr sz="1200"/>
-            </a:lvl1pPr>
-          </a:lstStyle>
-          <a:p>
-            <a:fld id="{5282F153-3F37-0F45-9E97-73ACFA13230C}" type="datetimeFigureOut">
-              <a:rPr lang="en-US"/>
-              <a:t>7/23/19</a:t>
-            </a:fld>
-            <a:endParaRPr lang="en-US"/>
-          </a:p>
-        </p:txBody>
-      </p:sp>
-      <p:sp>
-        <p:nvSpPr>
-          <p:cNvPr id="4" name="Slide Image Placeholder 3"/>
-          <p:cNvSpPr>
-            <a:spLocks noGrp="1" noRot="1" noChangeAspect="1"/>
-          </p:cNvSpPr>
-          <p:nvPr>
-            <p:ph type="sldImg" idx="2"/>
-          </p:nvPr>
-        </p:nvSpPr>
-        <p:spPr>
-          <a:xfrm>
-            <a:off x="685800" y="1143000"/>
-            <a:ext cx="5486400" cy="3086100"/>
-          </a:xfrm>
-          <a:prstGeom prst="rect">
-            <a:avLst/>
-          </a:prstGeom>
-          <a:noFill/>
-          <a:ln w="12700">
-            <a:solidFill>
-              <a:prstClr val="black"/>
-            </a:solidFill>
-          </a:ln>
-        </p:spPr>
-        <p:txBody>
-          <a:bodyPr vert="horz" lIns="91440" tIns="45720" rIns="91440" bIns="45720" rtlCol="0" anchor="ctr"/>
-          <a:lstStyle/>
-          <a:p>
-            <a:endParaRPr lang="en-US"/>
-          </a:p>
-        </p:txBody>
-      </p:sp>
-      <p:sp>
-        <p:nvSpPr>
-          <p:cNvPr id="5" name="Notes Placeholder 4"/>
-          <p:cNvSpPr>
-            <a:spLocks noGrp="1"/>
-          </p:cNvSpPr>
-          <p:nvPr>
-            <p:ph type="body" sz="quarter" idx="3"/>
-          </p:nvPr>
-        </p:nvSpPr>
-        <p:spPr>
-          <a:xfrm>
-            <a:off x="685800" y="4400550"/>
-            <a:ext cx="5486400" cy="3600450"/>
-          </a:xfrm>
-          <a:prstGeom prst="rect">
-            <a:avLst/>
-          </a:prstGeom>
-        </p:spPr>
-        <p:txBody>
-          <a:bodyPr vert="horz" lIns="91440" tIns="45720" rIns="91440" bIns="45720" rtlCol="0"/>
-          <a:lstStyle/>
-          <a:p>
-            <a:pPr lvl="0"/>
-            <a:r>
-              <a:rPr lang="en-US"/>
-              <a:t>Click to edit Master text styles</a:t>
-            </a:r>
-          </a:p>
-          <a:p>
-            <a:pPr lvl="1"/>
-            <a:r>
-              <a:rPr lang="en-US"/>
-              <a:t>Second level</a:t>
-            </a:r>
-          </a:p>
-          <a:p>
-            <a:pPr lvl="2"/>
-            <a:r>
-              <a:rPr lang="en-US"/>
-              <a:t>Third level</a:t>
-            </a:r>
-          </a:p>
-          <a:p>
-            <a:pPr lvl="3"/>
-            <a:r>
-              <a:rPr lang="en-US"/>
-              <a:t>Fourth level</a:t>
-            </a:r>
-          </a:p>
-          <a:p>
-            <a:pPr lvl="4"/>
-            <a:r>
-              <a:rPr lang="en-US"/>
-              <a:t>Fifth level</a:t>
-            </a:r>
-          </a:p>
-        </p:txBody>
-      </p:sp>
-      <p:sp>
-        <p:nvSpPr>
-          <p:cNvPr id="6" name="Footer Placeholder 5"/>
-          <p:cNvSpPr>
-            <a:spLocks noGrp="1"/>
-          </p:cNvSpPr>
-          <p:nvPr>
-            <p:ph type="ftr" sz="quarter" idx="4"/>
-          </p:nvPr>
-        </p:nvSpPr>
-        <p:spPr>
-          <a:xfrm>
-            <a:off x="0" y="8685213"/>
-            <a:ext cx="2971800" cy="458787"/>
-          </a:xfrm>
-          <a:prstGeom prst="rect">
-            <a:avLst/>
-          </a:prstGeom>
-        </p:spPr>
-        <p:txBody>
-          <a:bodyPr vert="horz" lIns="91440" tIns="45720" rIns="91440" bIns="45720" rtlCol="0" anchor="b"/>
-          <a:lstStyle>
-            <a:lvl1pPr algn="l">
-              <a:defRPr sz="1200"/>
-            </a:lvl1pPr>
-          </a:lstStyle>
-          <a:p>
-            <a:endParaRPr lang="en-US"/>
-          </a:p>
-        </p:txBody>
-      </p:sp>
-      <p:sp>
-        <p:nvSpPr>
-          <p:cNvPr id="7" name="Slide Number Placeholder 6"/>
-          <p:cNvSpPr>
-            <a:spLocks noGrp="1"/>
-          </p:cNvSpPr>
-          <p:nvPr>
-            <p:ph type="sldNum" sz="quarter" idx="5"/>
-          </p:nvPr>
-        </p:nvSpPr>
-        <p:spPr>
-          <a:xfrm>
-            <a:off x="3884613" y="8685213"/>
-            <a:ext cx="2971800" cy="458787"/>
-          </a:xfrm>
-          <a:prstGeom prst="rect">
-            <a:avLst/>
-          </a:prstGeom>
-        </p:spPr>
-        <p:txBody>
-          <a:bodyPr vert="horz" lIns="91440" tIns="45720" rIns="91440" bIns="45720" rtlCol="0" anchor="b"/>
-          <a:lstStyle>
-            <a:lvl1pPr algn="r">
-              <a:defRPr sz="1200"/>
-            </a:lvl1pPr>
-          </a:lstStyle>
-          <a:p>
-            <a:fld id="{CE5E9CC1-C706-0F49-92D6-E571CC5EEA8F}" type="slidenum">
-              <a:rPr lang="en-US"/>
-              <a:t>‹#›</a:t>
-            </a:fld>
-            <a:endParaRPr lang="en-US"/>
-          </a:p>
-        </p:txBody>
-      </p:sp>
     </p:spTree>
     <p:extLst>
       <p:ext uri="{BB962C8B-B14F-4D97-AF65-F5344CB8AC3E}">
-        <p14:creationId xmlns:p14="http://schemas.microsoft.com/office/powerpoint/2010/main" val="1024086991"/>
+        <p14:creationId xmlns:p14="http://schemas.microsoft.com/office/powerpoint/2010/main" val="1853959893"/>
       </p:ext>
     </p:extLst>
   </p:cSld>
@@ -508,10 +288,6 @@
           <a:bodyPr/>
           <a:lstStyle/>
           <a:p>
-            <a:r>
-              <a:rPr lang="en-US" dirty="0"/>
-              <a:t/>
-            </a:r>
             <a:endParaRPr lang="en-US" dirty="0"/>
           </a:p>
         </p:txBody>
@@ -596,10 +372,6 @@
           <a:bodyPr/>
           <a:lstStyle/>
           <a:p>
-            <a:r>
-              <a:rPr lang="en-US" dirty="0"/>
-              <a:t/>
-            </a:r>
             <a:endParaRPr lang="en-US" dirty="0"/>
           </a:p>
         </p:txBody>
@@ -684,10 +456,6 @@
           <a:bodyPr/>
           <a:lstStyle/>
           <a:p>
-            <a:r>
-              <a:rPr lang="en-US" dirty="0"/>
-              <a:t/>
-            </a:r>
             <a:endParaRPr lang="en-US" dirty="0"/>
           </a:p>
         </p:txBody>
@@ -772,10 +540,6 @@
           <a:bodyPr/>
           <a:lstStyle/>
           <a:p>
-            <a:r>
-              <a:rPr lang="en-US" dirty="0"/>
-              <a:t/>
-            </a:r>
             <a:endParaRPr lang="en-US" dirty="0"/>
           </a:p>
         </p:txBody>
@@ -860,10 +624,6 @@
           <a:bodyPr/>
           <a:lstStyle/>
           <a:p>
-            <a:r>
-              <a:rPr lang="en-US" dirty="0"/>
-              <a:t/>
-            </a:r>
             <a:endParaRPr lang="en-US" dirty="0"/>
           </a:p>
         </p:txBody>
@@ -948,10 +708,6 @@
           <a:bodyPr/>
           <a:lstStyle/>
           <a:p>
-            <a:r>
-              <a:rPr lang="en-US" dirty="0"/>
-              <a:t/>
-            </a:r>
             <a:endParaRPr lang="en-US" dirty="0"/>
           </a:p>
         </p:txBody>
@@ -1036,10 +792,6 @@
           <a:bodyPr/>
           <a:lstStyle/>
           <a:p>
-            <a:r>
-              <a:rPr lang="en-US" dirty="0"/>
-              <a:t/>
-            </a:r>
             <a:endParaRPr lang="en-US" dirty="0"/>
           </a:p>
         </p:txBody>
@@ -1124,10 +876,6 @@
           <a:bodyPr/>
           <a:lstStyle/>
           <a:p>
-            <a:r>
-              <a:rPr lang="en-US" dirty="0"/>
-              <a:t/>
-            </a:r>
             <a:endParaRPr lang="en-US" dirty="0"/>
           </a:p>
         </p:txBody>
@@ -1150,94 +898,6 @@
             <a:fld id="{F7021451-1387-4CA6-816F-3879F97B5CBC}" type="slidenum">
               <a:rPr lang="en-US"/>
               <a:t>8</a:t>
-            </a:fld>
-            <a:endParaRPr lang="en-US"/>
-          </a:p>
-        </p:txBody>
-      </p:sp>
-    </p:spTree>
-    <p:extLst>
-      <p:ext uri="{BB962C8B-B14F-4D97-AF65-F5344CB8AC3E}">
-        <p14:creationId xmlns:p14="http://schemas.microsoft.com/office/powerpoint/2010/main" val="1024086991"/>
-      </p:ext>
-    </p:extLst>
-  </p:cSld>
-  <p:clrMapOvr>
-    <a:masterClrMapping/>
-  </p:clrMapOvr>
-</p:notes>
-</file>
-
-<file path=ppt/notesSlides/notesSlide9.xml><?xml version="1.0" encoding="utf-8"?>
-<p:notes xmlns:a="http://schemas.openxmlformats.org/drawingml/2006/main" xmlns:r="http://schemas.openxmlformats.org/officeDocument/2006/relationships" xmlns:p="http://schemas.openxmlformats.org/presentationml/2006/main">
-  <p:cSld>
-    <p:spTree>
-      <p:nvGrpSpPr>
-        <p:cNvPr id="1" name=""/>
-        <p:cNvGrpSpPr/>
-        <p:nvPr/>
-      </p:nvGrpSpPr>
-      <p:grpSpPr>
-        <a:xfrm>
-          <a:off x="0" y="0"/>
-          <a:ext cx="0" cy="0"/>
-          <a:chOff x="0" y="0"/>
-          <a:chExt cx="0" cy="0"/>
-        </a:xfrm>
-      </p:grpSpPr>
-      <p:sp>
-        <p:nvSpPr>
-          <p:cNvPr id="2" name="Slide Image Placeholder 1"/>
-          <p:cNvSpPr>
-            <a:spLocks noGrp="1" noRot="1" noChangeAspect="1"/>
-          </p:cNvSpPr>
-          <p:nvPr>
-            <p:ph type="sldImg"/>
-          </p:nvPr>
-        </p:nvSpPr>
-        <p:spPr/>
-      </p:sp>
-      <p:sp>
-        <p:nvSpPr>
-          <p:cNvPr id="3" name="Notes Placeholder 2"/>
-          <p:cNvSpPr>
-            <a:spLocks noGrp="1"/>
-          </p:cNvSpPr>
-          <p:nvPr>
-            <p:ph type="body" idx="1"/>
-          </p:nvPr>
-        </p:nvSpPr>
-        <p:spPr/>
-        <p:txBody>
-          <a:bodyPr/>
-          <a:lstStyle/>
-          <a:p>
-            <a:r>
-              <a:rPr lang="en-US" dirty="0"/>
-              <a:t/>
-            </a:r>
-            <a:endParaRPr lang="en-US" dirty="0"/>
-          </a:p>
-        </p:txBody>
-      </p:sp>
-      <p:sp>
-        <p:nvSpPr>
-          <p:cNvPr id="4" name="Slide Number Placeholder 3"/>
-          <p:cNvSpPr>
-            <a:spLocks noGrp="1"/>
-          </p:cNvSpPr>
-          <p:nvPr>
-            <p:ph type="sldNum" sz="quarter" idx="10"/>
-          </p:nvPr>
-        </p:nvSpPr>
-        <p:spPr/>
-        <p:txBody>
-          <a:bodyPr/>
-          <a:lstStyle/>
-          <a:p>
-            <a:fld id="{F7021451-1387-4CA6-816F-3879F97B5CBC}" type="slidenum">
-              <a:rPr lang="en-US"/>
-              <a:t>9</a:t>
             </a:fld>
             <a:endParaRPr lang="en-US"/>
           </a:p>
@@ -1289,6 +949,11 @@
 <file path=ppt/slideMasters/slideMaster1.xml><?xml version="1.0" encoding="utf-8"?>
 <p:sldMaster xmlns:a="http://schemas.openxmlformats.org/drawingml/2006/main" xmlns:r="http://schemas.openxmlformats.org/officeDocument/2006/relationships" xmlns:p="http://schemas.openxmlformats.org/presentationml/2006/main">
   <p:cSld>
+    <p:bg>
+      <p:bgRef idx="1001">
+        <a:schemeClr val="bg1"/>
+      </p:bgRef>
+    </p:bg>
     <p:spTree>
       <p:nvGrpSpPr>
         <p:cNvPr id="1" name=""/>
@@ -1582,14 +1247,14 @@
       </p:grpSpPr>
       <p:pic>
         <p:nvPicPr>
-          <p:cNvPr id="2" name="Image 0" descr="preencoded.png">    </p:cNvPr>
+          <p:cNvPr id="2" name="Image 0" descr="preencoded.png"/>
           <p:cNvPicPr>
             <a:picLocks noChangeAspect="1"/>
           </p:cNvPicPr>
           <p:nvPr/>
         </p:nvPicPr>
         <p:blipFill>
-          <a:blip r:embed="rId1"/>
+          <a:blip r:embed="rId3"/>
           <a:stretch>
             <a:fillRect/>
           </a:stretch>
@@ -1613,7 +1278,7 @@
         <p:spPr>
           <a:xfrm>
             <a:off x="571500" y="1535041"/>
-            <a:ext cx="4000500" cy="1508727"/>
+            <a:ext cx="4000500" cy="496226"/>
           </a:xfrm>
           <a:prstGeom prst="rect">
             <a:avLst/>
@@ -1627,77 +1292,19 @@
           </a:bodyPr>
           <a:lstStyle/>
           <a:p>
-            <a:pPr algn="l" indent="0" marL="0">
+            <a:pPr marL="0" indent="0" algn="l">
               <a:lnSpc>
                 <a:spcPts val="4000"/>
               </a:lnSpc>
               <a:buNone/>
             </a:pPr>
             <a:r>
-              <a:rPr lang="en-US" sz="3294" b="1" spc="-2" kern="0" dirty="0">
+              <a:rPr lang="zh-CN" altLang="en-US" sz="3294" b="1" kern="0" spc="-2" dirty="0">
                 <a:solidFill>
                   <a:srgbClr val="E5E5E5"/>
                 </a:solidFill>
               </a:rPr>
-              <a:t>基于深度有序回归的</a:t>
-            </a:r>
-            <a:pPr algn="l" indent="0" marL="0">
-              <a:lnSpc>
-                <a:spcPts val="4000"/>
-              </a:lnSpc>
-              <a:buNone/>
-            </a:pPr>
-            <a:r>
-              <a:rPr lang="en-US" sz="3294" b="1" spc="-2" kern="0" dirty="0">
-                <a:solidFill>
-                  <a:srgbClr val="E5E5E5"/>
-                </a:solidFill>
-              </a:rPr>
-              <a:t>
-</a:t>
-            </a:r>
-            <a:pPr algn="l" indent="0" marL="0">
-              <a:lnSpc>
-                <a:spcPts val="4000"/>
-              </a:lnSpc>
-              <a:buNone/>
-            </a:pPr>
-            <a:r>
-              <a:rPr lang="en-US" sz="3294" b="1" spc="-2" kern="0" dirty="0">
-                <a:solidFill>
-                  <a:srgbClr val="E5E5E5"/>
-                </a:solidFill>
-              </a:rPr>
-              <a:t>钢板表面缺陷</a:t>
-            </a:r>
-            <a:pPr algn="l" indent="0" marL="0">
-              <a:lnSpc>
-                <a:spcPts val="4000"/>
-              </a:lnSpc>
-              <a:buNone/>
-            </a:pPr>
-            <a:r>
-              <a:rPr lang="en-US" sz="3294" b="1" spc="-2" kern="0" dirty="0">
-                <a:solidFill>
-                  <a:srgbClr val="E5E5E5"/>
-                </a:solidFill>
-              </a:rPr>
-              <a:t>
-</a:t>
-            </a:r>
-            <a:pPr algn="l" indent="0" marL="0">
-              <a:lnSpc>
-                <a:spcPts val="4000"/>
-              </a:lnSpc>
-              <a:buNone/>
-            </a:pPr>
-            <a:r>
-              <a:rPr lang="en-US" sz="3294" b="1" spc="-2" kern="0" dirty="0">
-                <a:solidFill>
-                  <a:srgbClr val="E5E5E5"/>
-                </a:solidFill>
-              </a:rPr>
-              <a:t>分级研究进展</a:t>
+              <a:t>周进度汇报</a:t>
             </a:r>
             <a:endParaRPr lang="en-US" sz="3294" dirty="0"/>
           </a:p>
@@ -1726,14 +1333,14 @@
           </a:bodyPr>
           <a:lstStyle/>
           <a:p>
-            <a:pPr algn="l" indent="0" marL="0">
+            <a:pPr marL="0" indent="0" algn="l">
               <a:lnSpc>
                 <a:spcPts val="1200"/>
               </a:lnSpc>
               <a:buNone/>
             </a:pPr>
             <a:r>
-              <a:rPr lang="en-US" sz="885" b="1" spc="2" kern="0" dirty="0">
+              <a:rPr lang="en-US" sz="885" b="1" kern="0" spc="2" dirty="0">
                 <a:solidFill>
                   <a:srgbClr val="FF4500">
                     <a:alpha val="80000"/>
@@ -1742,12 +1349,6 @@
               </a:rPr>
               <a:t>Presenter</a:t>
             </a:r>
-            <a:pPr algn="l" indent="0" marL="0">
-              <a:lnSpc>
-                <a:spcPts val="1200"/>
-              </a:lnSpc>
-              <a:buNone/>
-            </a:pPr>
             <a:r>
               <a:rPr lang="en-US" sz="1269" dirty="0">
                 <a:solidFill>
@@ -1785,14 +1386,14 @@
           </a:bodyPr>
           <a:lstStyle/>
           <a:p>
-            <a:pPr algn="l" indent="0" marL="0">
+            <a:pPr marL="0" indent="0" algn="l">
               <a:lnSpc>
                 <a:spcPts val="1200"/>
               </a:lnSpc>
               <a:buNone/>
             </a:pPr>
             <a:r>
-              <a:rPr lang="en-US" sz="885" b="1" spc="2" kern="0" dirty="0">
+              <a:rPr lang="en-US" sz="885" b="1" kern="0" spc="2" dirty="0">
                 <a:solidFill>
                   <a:srgbClr val="FF4500">
                     <a:alpha val="80000"/>
@@ -1801,12 +1402,6 @@
               </a:rPr>
               <a:t>Date</a:t>
             </a:r>
-            <a:pPr algn="l" indent="0" marL="0">
-              <a:lnSpc>
-                <a:spcPts val="1200"/>
-              </a:lnSpc>
-              <a:buNone/>
-            </a:pPr>
             <a:r>
               <a:rPr lang="en-US" sz="1269" dirty="0">
                 <a:solidFill>
@@ -1864,14 +1459,14 @@
           </a:bodyPr>
           <a:lstStyle/>
           <a:p>
-            <a:pPr algn="l" indent="0" marL="0">
+            <a:pPr marL="0" indent="0" algn="l">
               <a:lnSpc>
                 <a:spcPts val="900"/>
               </a:lnSpc>
               <a:buNone/>
             </a:pPr>
             <a:r>
-              <a:rPr lang="en-US" sz="683" b="1" spc="2" kern="0" dirty="0">
+              <a:rPr lang="en-US" sz="683" b="1" kern="0" spc="2" dirty="0">
                 <a:solidFill>
                   <a:srgbClr val="FF4500"/>
                 </a:solidFill>
@@ -1905,7 +1500,7 @@
           </a:bodyPr>
           <a:lstStyle/>
           <a:p>
-            <a:pPr algn="l" indent="0" marL="0">
+            <a:pPr marL="0" indent="0" algn="l">
               <a:lnSpc>
                 <a:spcPts val="22500"/>
               </a:lnSpc>
@@ -1952,220 +1547,7 @@
       </p:grpSpPr>
       <p:pic>
         <p:nvPicPr>
-          <p:cNvPr id="2" name="Image 0" descr="preencoded.png">    </p:cNvPr>
-          <p:cNvPicPr>
-            <a:picLocks noChangeAspect="1"/>
-          </p:cNvPicPr>
-          <p:nvPr/>
-        </p:nvPicPr>
-        <p:blipFill>
-          <a:blip r:embed="rId1"/>
-          <a:stretch>
-            <a:fillRect/>
-          </a:stretch>
-        </p:blipFill>
-        <p:spPr>
-          <a:xfrm>
-            <a:off x="0" y="0"/>
-            <a:ext cx="9144000" cy="5143500"/>
-          </a:xfrm>
-          <a:prstGeom prst="rect">
-            <a:avLst/>
-          </a:prstGeom>
-        </p:spPr>
-      </p:pic>
-      <p:sp>
-        <p:nvSpPr>
-          <p:cNvPr id="3" name="Shape 0"/>
-          <p:cNvSpPr/>
-          <p:nvPr/>
-        </p:nvSpPr>
-        <p:spPr>
-          <a:xfrm>
-            <a:off x="0" y="0"/>
-            <a:ext cx="9144000" cy="1554407"/>
-          </a:xfrm>
-          <a:prstGeom prst="rect">
-            <a:avLst/>
-          </a:prstGeom>
-          <a:solidFill>
-            <a:srgbClr val="000000">
-              <a:alpha val="0"/>
-            </a:srgbClr>
-          </a:solidFill>
-          <a:ln/>
-        </p:spPr>
-      </p:sp>
-      <p:sp>
-        <p:nvSpPr>
-          <p:cNvPr id="4" name="Shape 1"/>
-          <p:cNvSpPr/>
-          <p:nvPr/>
-        </p:nvSpPr>
-        <p:spPr>
-          <a:xfrm>
-            <a:off x="0" y="0"/>
-            <a:ext cx="9144000" cy="57150"/>
-          </a:xfrm>
-          <a:prstGeom prst="rect">
-            <a:avLst/>
-          </a:prstGeom>
-          <a:solidFill>
-            <a:srgbClr val="FF4500"/>
-          </a:solidFill>
-          <a:ln/>
-        </p:spPr>
-      </p:sp>
-      <p:sp>
-        <p:nvSpPr>
-          <p:cNvPr id="5" name="Text 2"/>
-          <p:cNvSpPr/>
-          <p:nvPr/>
-        </p:nvSpPr>
-        <p:spPr>
-          <a:xfrm>
-            <a:off x="571500" y="713231"/>
-            <a:ext cx="8572500" cy="498277"/>
-          </a:xfrm>
-          <a:prstGeom prst="rect">
-            <a:avLst/>
-          </a:prstGeom>
-          <a:noFill/>
-          <a:ln/>
-        </p:spPr>
-        <p:txBody>
-          <a:bodyPr wrap="none" lIns="0" tIns="0" rIns="0" bIns="0" rtlCol="0" anchor="t">
-            <a:spAutoFit/>
-          </a:bodyPr>
-          <a:lstStyle/>
-          <a:p>
-            <a:pPr algn="l" indent="0" marL="0">
-              <a:lnSpc>
-                <a:spcPts val="3200"/>
-              </a:lnSpc>
-              <a:buNone/>
-            </a:pPr>
-            <a:r>
-              <a:rPr lang="en-US" sz="2436" b="1" spc="-1" kern="0" dirty="0">
-                <a:solidFill>
-                  <a:srgbClr val="1A1A1A"/>
-                </a:solidFill>
-              </a:rPr>
-              <a:t>本周工作摘要：多维并进的研究进展</a:t>
-            </a:r>
-            <a:endParaRPr lang="en-US" sz="2436" dirty="0"/>
-          </a:p>
-        </p:txBody>
-      </p:sp>
-      <p:pic>
-        <p:nvPicPr>
-          <p:cNvPr id="6" name="Image 1" descr="preencoded.png">    </p:cNvPr>
-          <p:cNvPicPr>
-            <a:picLocks noChangeAspect="1"/>
-          </p:cNvPicPr>
-          <p:nvPr/>
-        </p:nvPicPr>
-        <p:blipFill>
-          <a:blip r:embed="rId2"/>
-          <a:stretch>
-            <a:fillRect/>
-          </a:stretch>
-        </p:blipFill>
-        <p:spPr>
-          <a:xfrm>
-            <a:off x="571500" y="1693711"/>
-            <a:ext cx="214313" cy="171450"/>
-          </a:xfrm>
-          <a:prstGeom prst="rect">
-            <a:avLst/>
-          </a:prstGeom>
-        </p:spPr>
-      </p:pic>
-      <p:sp>
-        <p:nvSpPr>
-          <p:cNvPr id="7" name="Text 3"/>
-          <p:cNvSpPr/>
-          <p:nvPr/>
-        </p:nvSpPr>
-        <p:spPr>
-          <a:xfrm>
-            <a:off x="892969" y="1654420"/>
-            <a:ext cx="714375" cy="250031"/>
-          </a:xfrm>
-          <a:prstGeom prst="rect">
-            <a:avLst/>
-          </a:prstGeom>
-          <a:noFill/>
-          <a:ln/>
-        </p:spPr>
-        <p:txBody>
-          <a:bodyPr wrap="none" lIns="0" tIns="0" rIns="0" bIns="0" rtlCol="0" anchor="t">
-            <a:spAutoFit/>
-          </a:bodyPr>
-          <a:lstStyle/>
-          <a:p>
-            <a:pPr algn="l" indent="0" marL="0">
-              <a:lnSpc>
-                <a:spcPts val="1600"/>
-              </a:lnSpc>
-              <a:buNone/>
-            </a:pPr>
-            <a:r>
-              <a:rPr lang="en-US" sz="1193" b="1" spc="1" kern="0" dirty="0">
-                <a:solidFill>
-                  <a:srgbClr val="1A1A1A"/>
-                </a:solidFill>
-              </a:rPr>
-              <a:t>文献调研</a:t>
-            </a:r>
-            <a:endParaRPr lang="en-US" sz="1193" dirty="0"/>
-          </a:p>
-        </p:txBody>
-      </p:sp>
-      <p:sp>
-        <p:nvSpPr>
-          <p:cNvPr id="8" name="Text 4"/>
-          <p:cNvSpPr/>
-          <p:nvPr/>
-        </p:nvSpPr>
-        <p:spPr>
-          <a:xfrm>
-            <a:off x="571500" y="2011607"/>
-            <a:ext cx="3857625" cy="617153"/>
-          </a:xfrm>
-          <a:prstGeom prst="rect">
-            <a:avLst/>
-          </a:prstGeom>
-          <a:noFill/>
-          <a:ln/>
-        </p:spPr>
-        <p:txBody>
-          <a:bodyPr wrap="square" lIns="0" tIns="0" rIns="0" bIns="0" rtlCol="0" anchor="t">
-            <a:spAutoFit/>
-          </a:bodyPr>
-          <a:lstStyle/>
-          <a:p>
-            <a:pPr algn="l" indent="0" marL="0">
-              <a:lnSpc>
-                <a:spcPts val="1600"/>
-              </a:lnSpc>
-              <a:buNone/>
-            </a:pPr>
-            <a:r>
-              <a:rPr lang="en-US" sz="942" dirty="0">
-                <a:solidFill>
-                  <a:srgbClr val="333333"/>
-                </a:solidFill>
-              </a:rPr>
-              <a:t>深入研读《dlordinal: A Python package for deep ordinal classification》，掌握深度有序分类前沿方法，为后续实验奠定理论基础。</a:t>
-            </a:r>
-            <a:endParaRPr lang="en-US" sz="942" dirty="0"/>
-          </a:p>
-        </p:txBody>
-      </p:sp>
-      <p:pic>
-        <p:nvPicPr>
-          <p:cNvPr id="9" name="Image 2" descr="preencoded.png">    </p:cNvPr>
+          <p:cNvPr id="2" name="Image 0" descr="preencoded.png"/>
           <p:cNvPicPr>
             <a:picLocks noChangeAspect="1"/>
           </p:cNvPicPr>
@@ -2179,8 +1561,8 @@
         </p:blipFill>
         <p:spPr>
           <a:xfrm>
-            <a:off x="4714875" y="1693711"/>
-            <a:ext cx="214313" cy="171450"/>
+            <a:off x="0" y="0"/>
+            <a:ext cx="9144000" cy="5143500"/>
           </a:xfrm>
           <a:prstGeom prst="rect">
             <a:avLst/>
@@ -2189,14 +1571,56 @@
       </p:pic>
       <p:sp>
         <p:nvSpPr>
-          <p:cNvPr id="10" name="Text 5"/>
-          <p:cNvSpPr/>
-          <p:nvPr/>
-        </p:nvSpPr>
-        <p:spPr>
-          <a:xfrm>
-            <a:off x="5036344" y="1654420"/>
-            <a:ext cx="714375" cy="250031"/>
+          <p:cNvPr id="3" name="Shape 0"/>
+          <p:cNvSpPr/>
+          <p:nvPr/>
+        </p:nvSpPr>
+        <p:spPr>
+          <a:xfrm>
+            <a:off x="0" y="0"/>
+            <a:ext cx="9144000" cy="1554407"/>
+          </a:xfrm>
+          <a:prstGeom prst="rect">
+            <a:avLst/>
+          </a:prstGeom>
+          <a:solidFill>
+            <a:srgbClr val="000000">
+              <a:alpha val="0"/>
+            </a:srgbClr>
+          </a:solidFill>
+          <a:ln/>
+        </p:spPr>
+      </p:sp>
+      <p:sp>
+        <p:nvSpPr>
+          <p:cNvPr id="4" name="Shape 1"/>
+          <p:cNvSpPr/>
+          <p:nvPr/>
+        </p:nvSpPr>
+        <p:spPr>
+          <a:xfrm>
+            <a:off x="0" y="0"/>
+            <a:ext cx="9144000" cy="57150"/>
+          </a:xfrm>
+          <a:prstGeom prst="rect">
+            <a:avLst/>
+          </a:prstGeom>
+          <a:solidFill>
+            <a:srgbClr val="FF4500"/>
+          </a:solidFill>
+          <a:ln/>
+        </p:spPr>
+      </p:sp>
+      <p:sp>
+        <p:nvSpPr>
+          <p:cNvPr id="5" name="Text 2"/>
+          <p:cNvSpPr/>
+          <p:nvPr/>
+        </p:nvSpPr>
+        <p:spPr>
+          <a:xfrm>
+            <a:off x="571500" y="713231"/>
+            <a:ext cx="8572500" cy="498277"/>
           </a:xfrm>
           <a:prstGeom prst="rect">
             <a:avLst/>
@@ -2210,68 +1634,27 @@
           </a:bodyPr>
           <a:lstStyle/>
           <a:p>
-            <a:pPr algn="l" indent="0" marL="0">
-              <a:lnSpc>
-                <a:spcPts val="1600"/>
-              </a:lnSpc>
-              <a:buNone/>
-            </a:pPr>
-            <a:r>
-              <a:rPr lang="en-US" sz="1193" b="1" spc="1" kern="0" dirty="0">
+            <a:pPr marL="0" indent="0" algn="l">
+              <a:lnSpc>
+                <a:spcPts val="3200"/>
+              </a:lnSpc>
+              <a:buNone/>
+            </a:pPr>
+            <a:r>
+              <a:rPr lang="en-US" sz="2436" b="1" kern="0" spc="-1" dirty="0">
                 <a:solidFill>
                   <a:srgbClr val="1A1A1A"/>
                 </a:solidFill>
               </a:rPr>
-              <a:t>算法实现</a:t>
-            </a:r>
-            <a:endParaRPr lang="en-US" sz="1193" dirty="0"/>
-          </a:p>
-        </p:txBody>
-      </p:sp>
-      <p:sp>
-        <p:nvSpPr>
-          <p:cNvPr id="11" name="Text 6"/>
-          <p:cNvSpPr/>
-          <p:nvPr/>
-        </p:nvSpPr>
-        <p:spPr>
-          <a:xfrm>
-            <a:off x="4714875" y="2011607"/>
-            <a:ext cx="3857625" cy="411435"/>
-          </a:xfrm>
-          <a:prstGeom prst="rect">
-            <a:avLst/>
-          </a:prstGeom>
-          <a:noFill/>
-          <a:ln/>
-        </p:spPr>
-        <p:txBody>
-          <a:bodyPr wrap="square" lIns="0" tIns="0" rIns="0" bIns="0" rtlCol="0" anchor="t">
-            <a:spAutoFit/>
-          </a:bodyPr>
-          <a:lstStyle/>
-          <a:p>
-            <a:pPr algn="l" indent="0" marL="0">
-              <a:lnSpc>
-                <a:spcPts val="1600"/>
-              </a:lnSpc>
-              <a:buNone/>
-            </a:pPr>
-            <a:r>
-              <a:rPr lang="en-US" sz="942" dirty="0">
-                <a:solidFill>
-                  <a:srgbClr val="333333"/>
-                </a:solidFill>
-              </a:rPr>
-              <a:t>基于 dlordinal 库重构 ResNet18 训练流程，成功引入软标签策略（Soft Labelling），优化了模型对等级顺序的感知能力。</a:t>
-            </a:r>
-            <a:endParaRPr lang="en-US" sz="942" dirty="0"/>
+              <a:t>本周工作摘要：多维并进的研究进展</a:t>
+            </a:r>
+            <a:endParaRPr lang="en-US" sz="2436" dirty="0"/>
           </a:p>
         </p:txBody>
       </p:sp>
       <p:pic>
         <p:nvPicPr>
-          <p:cNvPr id="12" name="Image 3" descr="preencoded.png">    </p:cNvPr>
+          <p:cNvPr id="6" name="Image 1" descr="preencoded.png"/>
           <p:cNvPicPr>
             <a:picLocks noChangeAspect="1"/>
           </p:cNvPicPr>
@@ -2285,7 +1668,7 @@
         </p:blipFill>
         <p:spPr>
           <a:xfrm>
-            <a:off x="571500" y="3659693"/>
+            <a:off x="571500" y="1693711"/>
             <a:ext cx="214313" cy="171450"/>
           </a:xfrm>
           <a:prstGeom prst="rect">
@@ -2295,13 +1678,13 @@
       </p:pic>
       <p:sp>
         <p:nvSpPr>
-          <p:cNvPr id="13" name="Text 7"/>
-          <p:cNvSpPr/>
-          <p:nvPr/>
-        </p:nvSpPr>
-        <p:spPr>
-          <a:xfrm>
-            <a:off x="892969" y="3620402"/>
+          <p:cNvPr id="7" name="Text 3"/>
+          <p:cNvSpPr/>
+          <p:nvPr/>
+        </p:nvSpPr>
+        <p:spPr>
+          <a:xfrm>
+            <a:off x="892969" y="1654420"/>
             <a:ext cx="714375" cy="250031"/>
           </a:xfrm>
           <a:prstGeom prst="rect">
@@ -2316,19 +1699,19 @@
           </a:bodyPr>
           <a:lstStyle/>
           <a:p>
-            <a:pPr algn="l" indent="0" marL="0">
+            <a:pPr marL="0" indent="0" algn="l">
               <a:lnSpc>
                 <a:spcPts val="1600"/>
               </a:lnSpc>
               <a:buNone/>
             </a:pPr>
             <a:r>
-              <a:rPr lang="en-US" sz="1193" b="1" spc="1" kern="0" dirty="0">
+              <a:rPr lang="en-US" sz="1193" b="1" kern="0" spc="1" dirty="0">
                 <a:solidFill>
                   <a:srgbClr val="1A1A1A"/>
                 </a:solidFill>
               </a:rPr>
-              <a:t>实验验证</a:t>
+              <a:t>文献调研</a:t>
             </a:r>
             <a:endParaRPr lang="en-US" sz="1193" dirty="0"/>
           </a:p>
@@ -2336,14 +1719,14 @@
       </p:sp>
       <p:sp>
         <p:nvSpPr>
-          <p:cNvPr id="14" name="Text 8"/>
-          <p:cNvSpPr/>
-          <p:nvPr/>
-        </p:nvSpPr>
-        <p:spPr>
-          <a:xfrm>
-            <a:off x="571500" y="3977590"/>
-            <a:ext cx="3857625" cy="411435"/>
+          <p:cNvPr id="8" name="Text 4"/>
+          <p:cNvSpPr/>
+          <p:nvPr/>
+        </p:nvSpPr>
+        <p:spPr>
+          <a:xfrm>
+            <a:off x="571500" y="2011607"/>
+            <a:ext cx="3857625" cy="390235"/>
           </a:xfrm>
           <a:prstGeom prst="rect">
             <a:avLst/>
@@ -2357,19 +1740,43 @@
           </a:bodyPr>
           <a:lstStyle/>
           <a:p>
-            <a:pPr algn="l" indent="0" marL="0">
+            <a:pPr marL="0" indent="0" algn="l">
               <a:lnSpc>
                 <a:spcPts val="1600"/>
               </a:lnSpc>
               <a:buNone/>
             </a:pPr>
             <a:r>
+              <a:rPr lang="en-US" sz="942" dirty="0" err="1">
+                <a:solidFill>
+                  <a:srgbClr val="333333"/>
+                </a:solidFill>
+              </a:rPr>
+              <a:t>研读《dlordinal</a:t>
+            </a:r>
+            <a:r>
               <a:rPr lang="en-US" sz="942" dirty="0">
                 <a:solidFill>
                   <a:srgbClr val="333333"/>
                 </a:solidFill>
               </a:rPr>
-              <a:t>完成钢板数据集清洗与切片，有序分类任务初步收敛，平均绝对误差（MAE）小于 0.01，验证了算法在工业场景的有效性。</a:t>
+              <a:t>: A Python package for deep ordinal classification》，</a:t>
+            </a:r>
+            <a:r>
+              <a:rPr lang="en-US" sz="942" dirty="0" err="1">
+                <a:solidFill>
+                  <a:srgbClr val="333333"/>
+                </a:solidFill>
+              </a:rPr>
+              <a:t>掌握深度有序分类方法</a:t>
+            </a:r>
+            <a:r>
+              <a:rPr lang="en-US" sz="942" dirty="0">
+                <a:solidFill>
+                  <a:srgbClr val="333333"/>
+                </a:solidFill>
+              </a:rPr>
+              <a:t>。</a:t>
             </a:r>
             <a:endParaRPr lang="en-US" sz="942" dirty="0"/>
           </a:p>
@@ -2377,7 +1784,7 @@
       </p:sp>
       <p:pic>
         <p:nvPicPr>
-          <p:cNvPr id="15" name="Image 4" descr="preencoded.png">    </p:cNvPr>
+          <p:cNvPr id="9" name="Image 2" descr="preencoded.png"/>
           <p:cNvPicPr>
             <a:picLocks noChangeAspect="1"/>
           </p:cNvPicPr>
@@ -2391,6 +1798,338 @@
         </p:blipFill>
         <p:spPr>
           <a:xfrm>
+            <a:off x="4714875" y="1693711"/>
+            <a:ext cx="214313" cy="171450"/>
+          </a:xfrm>
+          <a:prstGeom prst="rect">
+            <a:avLst/>
+          </a:prstGeom>
+        </p:spPr>
+      </p:pic>
+      <p:sp>
+        <p:nvSpPr>
+          <p:cNvPr id="10" name="Text 5"/>
+          <p:cNvSpPr/>
+          <p:nvPr/>
+        </p:nvSpPr>
+        <p:spPr>
+          <a:xfrm>
+            <a:off x="5036344" y="1654420"/>
+            <a:ext cx="714375" cy="250031"/>
+          </a:xfrm>
+          <a:prstGeom prst="rect">
+            <a:avLst/>
+          </a:prstGeom>
+          <a:noFill/>
+          <a:ln/>
+        </p:spPr>
+        <p:txBody>
+          <a:bodyPr wrap="none" lIns="0" tIns="0" rIns="0" bIns="0" rtlCol="0" anchor="t">
+            <a:spAutoFit/>
+          </a:bodyPr>
+          <a:lstStyle/>
+          <a:p>
+            <a:pPr marL="0" indent="0" algn="l">
+              <a:lnSpc>
+                <a:spcPts val="1600"/>
+              </a:lnSpc>
+              <a:buNone/>
+            </a:pPr>
+            <a:r>
+              <a:rPr lang="en-US" sz="1193" b="1" kern="0" spc="1" dirty="0">
+                <a:solidFill>
+                  <a:srgbClr val="1A1A1A"/>
+                </a:solidFill>
+              </a:rPr>
+              <a:t>算法实现</a:t>
+            </a:r>
+            <a:endParaRPr lang="en-US" sz="1193" dirty="0"/>
+          </a:p>
+        </p:txBody>
+      </p:sp>
+      <p:sp>
+        <p:nvSpPr>
+          <p:cNvPr id="11" name="Text 6"/>
+          <p:cNvSpPr/>
+          <p:nvPr/>
+        </p:nvSpPr>
+        <p:spPr>
+          <a:xfrm>
+            <a:off x="4714875" y="2011607"/>
+            <a:ext cx="3857625" cy="390235"/>
+          </a:xfrm>
+          <a:prstGeom prst="rect">
+            <a:avLst/>
+          </a:prstGeom>
+          <a:noFill/>
+          <a:ln/>
+        </p:spPr>
+        <p:txBody>
+          <a:bodyPr wrap="square" lIns="0" tIns="0" rIns="0" bIns="0" rtlCol="0" anchor="t">
+            <a:spAutoFit/>
+          </a:bodyPr>
+          <a:lstStyle/>
+          <a:p>
+            <a:pPr marL="0" indent="0" algn="l">
+              <a:lnSpc>
+                <a:spcPts val="1600"/>
+              </a:lnSpc>
+              <a:buNone/>
+            </a:pPr>
+            <a:r>
+              <a:rPr lang="en-US" sz="942" dirty="0">
+                <a:solidFill>
+                  <a:srgbClr val="333333"/>
+                </a:solidFill>
+              </a:rPr>
+              <a:t>基于 dlordinal 库重构 ResNet18 </a:t>
+            </a:r>
+            <a:r>
+              <a:rPr lang="en-US" sz="942" dirty="0" err="1">
+                <a:solidFill>
+                  <a:srgbClr val="333333"/>
+                </a:solidFill>
+              </a:rPr>
+              <a:t>训练流程，引入</a:t>
+            </a:r>
+            <a:r>
+              <a:rPr lang="zh-CN" altLang="en-US" sz="942" dirty="0">
+                <a:solidFill>
+                  <a:srgbClr val="333333"/>
+                </a:solidFill>
+              </a:rPr>
+              <a:t>针对有序回归的</a:t>
+            </a:r>
+            <a:r>
+              <a:rPr lang="en-US" altLang="zh-CN" sz="942" dirty="0">
+                <a:solidFill>
+                  <a:srgbClr val="333333"/>
+                </a:solidFill>
+              </a:rPr>
+              <a:t>loss</a:t>
+            </a:r>
+            <a:r>
+              <a:rPr lang="zh-CN" altLang="en-US" sz="942" dirty="0">
+                <a:solidFill>
+                  <a:srgbClr val="333333"/>
+                </a:solidFill>
+              </a:rPr>
+              <a:t>函数和度量标准</a:t>
+            </a:r>
+            <a:r>
+              <a:rPr lang="en-US" altLang="zh-CN" sz="942" dirty="0" err="1">
+                <a:solidFill>
+                  <a:srgbClr val="333333"/>
+                </a:solidFill>
+              </a:rPr>
+              <a:t>mae</a:t>
+            </a:r>
+            <a:r>
+              <a:rPr lang="en-US" sz="942" dirty="0" err="1">
+                <a:solidFill>
+                  <a:srgbClr val="333333"/>
+                </a:solidFill>
+              </a:rPr>
+              <a:t>，优化了模型对等级顺序的感知能力</a:t>
+            </a:r>
+            <a:r>
+              <a:rPr lang="en-US" sz="942" dirty="0">
+                <a:solidFill>
+                  <a:srgbClr val="333333"/>
+                </a:solidFill>
+              </a:rPr>
+              <a:t>。</a:t>
+            </a:r>
+            <a:endParaRPr lang="en-US" sz="942" dirty="0"/>
+          </a:p>
+        </p:txBody>
+      </p:sp>
+      <p:pic>
+        <p:nvPicPr>
+          <p:cNvPr id="12" name="Image 3" descr="preencoded.png"/>
+          <p:cNvPicPr>
+            <a:picLocks noChangeAspect="1"/>
+          </p:cNvPicPr>
+          <p:nvPr/>
+        </p:nvPicPr>
+        <p:blipFill>
+          <a:blip r:embed="rId6"/>
+          <a:stretch>
+            <a:fillRect/>
+          </a:stretch>
+        </p:blipFill>
+        <p:spPr>
+          <a:xfrm>
+            <a:off x="571500" y="3659693"/>
+            <a:ext cx="214313" cy="171450"/>
+          </a:xfrm>
+          <a:prstGeom prst="rect">
+            <a:avLst/>
+          </a:prstGeom>
+        </p:spPr>
+      </p:pic>
+      <p:sp>
+        <p:nvSpPr>
+          <p:cNvPr id="13" name="Text 7"/>
+          <p:cNvSpPr/>
+          <p:nvPr/>
+        </p:nvSpPr>
+        <p:spPr>
+          <a:xfrm>
+            <a:off x="892969" y="3620402"/>
+            <a:ext cx="714375" cy="250031"/>
+          </a:xfrm>
+          <a:prstGeom prst="rect">
+            <a:avLst/>
+          </a:prstGeom>
+          <a:noFill/>
+          <a:ln/>
+        </p:spPr>
+        <p:txBody>
+          <a:bodyPr wrap="none" lIns="0" tIns="0" rIns="0" bIns="0" rtlCol="0" anchor="t">
+            <a:spAutoFit/>
+          </a:bodyPr>
+          <a:lstStyle/>
+          <a:p>
+            <a:pPr marL="0" indent="0" algn="l">
+              <a:lnSpc>
+                <a:spcPts val="1600"/>
+              </a:lnSpc>
+              <a:buNone/>
+            </a:pPr>
+            <a:r>
+              <a:rPr lang="en-US" sz="1193" b="1" kern="0" spc="1" dirty="0">
+                <a:solidFill>
+                  <a:srgbClr val="1A1A1A"/>
+                </a:solidFill>
+              </a:rPr>
+              <a:t>实验验证</a:t>
+            </a:r>
+            <a:endParaRPr lang="en-US" sz="1193" dirty="0"/>
+          </a:p>
+        </p:txBody>
+      </p:sp>
+      <p:sp>
+        <p:nvSpPr>
+          <p:cNvPr id="14" name="Text 8"/>
+          <p:cNvSpPr/>
+          <p:nvPr/>
+        </p:nvSpPr>
+        <p:spPr>
+          <a:xfrm>
+            <a:off x="571500" y="3977590"/>
+            <a:ext cx="3857625" cy="390235"/>
+          </a:xfrm>
+          <a:prstGeom prst="rect">
+            <a:avLst/>
+          </a:prstGeom>
+          <a:noFill/>
+          <a:ln/>
+        </p:spPr>
+        <p:txBody>
+          <a:bodyPr wrap="square" lIns="0" tIns="0" rIns="0" bIns="0" rtlCol="0" anchor="t">
+            <a:spAutoFit/>
+          </a:bodyPr>
+          <a:lstStyle/>
+          <a:p>
+            <a:pPr marL="0" indent="0" algn="l">
+              <a:lnSpc>
+                <a:spcPts val="1600"/>
+              </a:lnSpc>
+              <a:buNone/>
+            </a:pPr>
+            <a:r>
+              <a:rPr lang="en-US" sz="942" dirty="0" err="1">
+                <a:solidFill>
+                  <a:srgbClr val="333333"/>
+                </a:solidFill>
+              </a:rPr>
+              <a:t>完成钢板数据集</a:t>
+            </a:r>
+            <a:r>
+              <a:rPr lang="zh-CN" altLang="en-US" sz="942" dirty="0">
+                <a:solidFill>
+                  <a:srgbClr val="333333"/>
+                </a:solidFill>
+              </a:rPr>
+              <a:t>预处理</a:t>
+            </a:r>
+            <a:r>
+              <a:rPr lang="en-US" sz="942" dirty="0">
+                <a:solidFill>
+                  <a:srgbClr val="333333"/>
+                </a:solidFill>
+              </a:rPr>
+              <a:t>，</a:t>
+            </a:r>
+            <a:r>
+              <a:rPr lang="en-US" sz="942" dirty="0" err="1">
+                <a:solidFill>
+                  <a:srgbClr val="333333"/>
+                </a:solidFill>
+              </a:rPr>
+              <a:t>有序分类任务初步收敛</a:t>
+            </a:r>
+            <a:r>
+              <a:rPr lang="en-US" sz="942" dirty="0">
+                <a:solidFill>
+                  <a:srgbClr val="333333"/>
+                </a:solidFill>
+              </a:rPr>
+              <a:t>,</a:t>
+            </a:r>
+            <a:r>
+              <a:rPr lang="zh-CN" altLang="en-US" sz="942" dirty="0">
+                <a:solidFill>
+                  <a:srgbClr val="333333"/>
+                </a:solidFill>
+              </a:rPr>
+              <a:t>使用调试后的代码进行了初步测试</a:t>
+            </a:r>
+            <a:r>
+              <a:rPr lang="en-US" altLang="zh-CN" sz="942" dirty="0">
+                <a:solidFill>
+                  <a:srgbClr val="333333"/>
+                </a:solidFill>
+              </a:rPr>
+              <a:t>,</a:t>
+            </a:r>
+            <a:r>
+              <a:rPr lang="zh-CN" altLang="en-US" sz="942" dirty="0">
+                <a:solidFill>
+                  <a:srgbClr val="333333"/>
+                </a:solidFill>
+              </a:rPr>
+              <a:t>效果理想</a:t>
+            </a:r>
+            <a:r>
+              <a:rPr lang="en-US" sz="942" dirty="0">
+                <a:solidFill>
+                  <a:srgbClr val="333333"/>
+                </a:solidFill>
+              </a:rPr>
+              <a:t>。</a:t>
+            </a:r>
+            <a:endParaRPr lang="en-US" sz="942" dirty="0"/>
+          </a:p>
+        </p:txBody>
+      </p:sp>
+      <p:pic>
+        <p:nvPicPr>
+          <p:cNvPr id="15" name="Image 4" descr="preencoded.png"/>
+          <p:cNvPicPr>
+            <a:picLocks noChangeAspect="1"/>
+          </p:cNvPicPr>
+          <p:nvPr/>
+        </p:nvPicPr>
+        <p:blipFill>
+          <a:blip r:embed="rId7"/>
+          <a:stretch>
+            <a:fillRect/>
+          </a:stretch>
+        </p:blipFill>
+        <p:spPr>
+          <a:xfrm>
             <a:off x="4714875" y="3659693"/>
             <a:ext cx="214313" cy="171450"/>
           </a:xfrm>
@@ -2422,14 +2161,14 @@
           </a:bodyPr>
           <a:lstStyle/>
           <a:p>
-            <a:pPr algn="l" indent="0" marL="0">
+            <a:pPr marL="0" indent="0" algn="l">
               <a:lnSpc>
                 <a:spcPts val="1600"/>
               </a:lnSpc>
               <a:buNone/>
             </a:pPr>
             <a:r>
-              <a:rPr lang="en-US" sz="1193" b="1" spc="1" kern="0" dirty="0">
+              <a:rPr lang="en-US" sz="1193" b="1" kern="0" spc="1" dirty="0">
                 <a:solidFill>
                   <a:srgbClr val="1A1A1A"/>
                 </a:solidFill>
@@ -2449,7 +2188,7 @@
         <p:spPr>
           <a:xfrm>
             <a:off x="4714875" y="3977590"/>
-            <a:ext cx="3857625" cy="411435"/>
+            <a:ext cx="3857625" cy="390235"/>
           </a:xfrm>
           <a:prstGeom prst="rect">
             <a:avLst/>
@@ -2463,7 +2202,7 @@
           </a:bodyPr>
           <a:lstStyle/>
           <a:p>
-            <a:pPr algn="l" indent="0" marL="0">
+            <a:pPr marL="0" indent="0" algn="l">
               <a:lnSpc>
                 <a:spcPts val="1600"/>
               </a:lnSpc>
@@ -2475,7 +2214,23 @@
                   <a:srgbClr val="333333"/>
                 </a:solidFill>
               </a:rPr>
-              <a:t>初步调研 Vision Transformer (ViT) 架构及其在视觉任务中的应用潜力，思考其在长条形图像处理中的全局建模优势。</a:t>
+              <a:t>初步调研 Vision Transformer (ViT) </a:t>
+            </a:r>
+            <a:r>
+              <a:rPr lang="en-US" sz="942" dirty="0" err="1">
+                <a:solidFill>
+                  <a:srgbClr val="333333"/>
+                </a:solidFill>
+              </a:rPr>
+              <a:t>架构及其在视觉任务中的应用潜力，思考其在图像处理中的优势</a:t>
+            </a:r>
+            <a:r>
+              <a:rPr lang="en-US" sz="942" dirty="0">
+                <a:solidFill>
+                  <a:srgbClr val="333333"/>
+                </a:solidFill>
+              </a:rPr>
+              <a:t>。</a:t>
             </a:r>
             <a:endParaRPr lang="en-US" sz="942" dirty="0"/>
           </a:p>
@@ -2504,7 +2259,7 @@
           </a:bodyPr>
           <a:lstStyle/>
           <a:p>
-            <a:pPr algn="l" indent="0" marL="0">
+            <a:pPr marL="0" indent="0" algn="l">
               <a:lnSpc>
                 <a:spcPts val="1200"/>
               </a:lnSpc>
@@ -2531,668 +2286,6 @@
 </file>
 
 <file path=ppt/slides/slide3.xml><?xml version="1.0" encoding="utf-8"?>
-<p:sld xmlns:a="http://schemas.openxmlformats.org/drawingml/2006/main" xmlns:r="http://schemas.openxmlformats.org/officeDocument/2006/relationships" xmlns:p="http://schemas.openxmlformats.org/presentationml/2006/main">
-  <p:cSld name="Slide 3">
-    <p:spTree>
-      <p:nvGrpSpPr>
-        <p:cNvPr id="1" name=""/>
-        <p:cNvGrpSpPr/>
-        <p:nvPr/>
-      </p:nvGrpSpPr>
-      <p:grpSpPr>
-        <a:xfrm>
-          <a:off x="0" y="0"/>
-          <a:ext cx="0" cy="0"/>
-          <a:chOff x="0" y="0"/>
-          <a:chExt cx="0" cy="0"/>
-        </a:xfrm>
-      </p:grpSpPr>
-      <p:pic>
-        <p:nvPicPr>
-          <p:cNvPr id="2" name="Image 0" descr="preencoded.png">    </p:cNvPr>
-          <p:cNvPicPr>
-            <a:picLocks noChangeAspect="1"/>
-          </p:cNvPicPr>
-          <p:nvPr/>
-        </p:nvPicPr>
-        <p:blipFill>
-          <a:blip r:embed="rId1"/>
-          <a:stretch>
-            <a:fillRect/>
-          </a:stretch>
-        </p:blipFill>
-        <p:spPr>
-          <a:xfrm>
-            <a:off x="0" y="0"/>
-            <a:ext cx="9144000" cy="5143500"/>
-          </a:xfrm>
-          <a:prstGeom prst="rect">
-            <a:avLst/>
-          </a:prstGeom>
-        </p:spPr>
-      </p:pic>
-      <p:sp>
-        <p:nvSpPr>
-          <p:cNvPr id="3" name="Shape 0"/>
-          <p:cNvSpPr/>
-          <p:nvPr/>
-        </p:nvSpPr>
-        <p:spPr>
-          <a:xfrm>
-            <a:off x="0" y="0"/>
-            <a:ext cx="9144000" cy="1554407"/>
-          </a:xfrm>
-          <a:prstGeom prst="rect">
-            <a:avLst/>
-          </a:prstGeom>
-          <a:solidFill>
-            <a:srgbClr val="000000">
-              <a:alpha val="0"/>
-            </a:srgbClr>
-          </a:solidFill>
-          <a:ln/>
-        </p:spPr>
-      </p:sp>
-      <p:sp>
-        <p:nvSpPr>
-          <p:cNvPr id="4" name="Shape 1"/>
-          <p:cNvSpPr/>
-          <p:nvPr/>
-        </p:nvSpPr>
-        <p:spPr>
-          <a:xfrm>
-            <a:off x="0" y="0"/>
-            <a:ext cx="9144000" cy="57150"/>
-          </a:xfrm>
-          <a:prstGeom prst="rect">
-            <a:avLst/>
-          </a:prstGeom>
-          <a:solidFill>
-            <a:srgbClr val="FF4500"/>
-          </a:solidFill>
-          <a:ln/>
-        </p:spPr>
-      </p:sp>
-      <p:sp>
-        <p:nvSpPr>
-          <p:cNvPr id="5" name="Text 2"/>
-          <p:cNvSpPr/>
-          <p:nvPr/>
-        </p:nvSpPr>
-        <p:spPr>
-          <a:xfrm>
-            <a:off x="571500" y="713231"/>
-            <a:ext cx="8572500" cy="498277"/>
-          </a:xfrm>
-          <a:prstGeom prst="rect">
-            <a:avLst/>
-          </a:prstGeom>
-          <a:noFill/>
-          <a:ln/>
-        </p:spPr>
-        <p:txBody>
-          <a:bodyPr wrap="none" lIns="0" tIns="0" rIns="0" bIns="0" rtlCol="0" anchor="t">
-            <a:spAutoFit/>
-          </a:bodyPr>
-          <a:lstStyle/>
-          <a:p>
-            <a:pPr algn="l" indent="0" marL="0">
-              <a:lnSpc>
-                <a:spcPts val="3200"/>
-              </a:lnSpc>
-              <a:buNone/>
-            </a:pPr>
-            <a:r>
-              <a:rPr lang="en-US" sz="2436" b="1" spc="-1" kern="0" dirty="0">
-                <a:solidFill>
-                  <a:srgbClr val="1A1A1A"/>
-                </a:solidFill>
-              </a:rPr>
-              <a:t>核心痛点：传统分类忽略了缺陷等级的顺序性</a:t>
-            </a:r>
-            <a:endParaRPr lang="en-US" sz="2436" dirty="0"/>
-          </a:p>
-        </p:txBody>
-      </p:sp>
-      <p:pic>
-        <p:nvPicPr>
-          <p:cNvPr id="6" name="Image 1" descr="preencoded.png">    </p:cNvPr>
-          <p:cNvPicPr>
-            <a:picLocks noChangeAspect="1"/>
-          </p:cNvPicPr>
-          <p:nvPr/>
-        </p:nvPicPr>
-        <p:blipFill>
-          <a:blip r:embed="rId2"/>
-          <a:stretch>
-            <a:fillRect/>
-          </a:stretch>
-        </p:blipFill>
-        <p:spPr>
-          <a:xfrm>
-            <a:off x="571500" y="1711570"/>
-            <a:ext cx="142875" cy="178594"/>
-          </a:xfrm>
-          <a:prstGeom prst="rect">
-            <a:avLst/>
-          </a:prstGeom>
-        </p:spPr>
-      </p:pic>
-      <p:sp>
-        <p:nvSpPr>
-          <p:cNvPr id="7" name="Text 3"/>
-          <p:cNvSpPr/>
-          <p:nvPr/>
-        </p:nvSpPr>
-        <p:spPr>
-          <a:xfrm>
-            <a:off x="857250" y="1711570"/>
-            <a:ext cx="4057650" cy="226814"/>
-          </a:xfrm>
-          <a:prstGeom prst="rect">
-            <a:avLst/>
-          </a:prstGeom>
-          <a:noFill/>
-          <a:ln/>
-        </p:spPr>
-        <p:txBody>
-          <a:bodyPr wrap="none" lIns="0" tIns="0" rIns="0" bIns="0" rtlCol="0" anchor="t">
-            <a:spAutoFit/>
-          </a:bodyPr>
-          <a:lstStyle/>
-          <a:p>
-            <a:pPr algn="l" indent="0" marL="0">
-              <a:lnSpc>
-                <a:spcPts val="1500"/>
-              </a:lnSpc>
-              <a:buNone/>
-            </a:pPr>
-            <a:r>
-              <a:rPr lang="en-US" sz="1090" b="1" dirty="0">
-                <a:solidFill>
-                  <a:srgbClr val="1A1A1A"/>
-                </a:solidFill>
-              </a:rPr>
-              <a:t>传统分类局限</a:t>
-            </a:r>
-            <a:endParaRPr lang="en-US" sz="1090" dirty="0"/>
-          </a:p>
-        </p:txBody>
-      </p:sp>
-      <p:sp>
-        <p:nvSpPr>
-          <p:cNvPr id="8" name="Text 4"/>
-          <p:cNvSpPr/>
-          <p:nvPr/>
-        </p:nvSpPr>
-        <p:spPr>
-          <a:xfrm>
-            <a:off x="857250" y="1995534"/>
-            <a:ext cx="4057650" cy="364331"/>
-          </a:xfrm>
-          <a:prstGeom prst="rect">
-            <a:avLst/>
-          </a:prstGeom>
-          <a:noFill/>
-          <a:ln/>
-        </p:spPr>
-        <p:txBody>
-          <a:bodyPr wrap="square" lIns="0" tIns="0" rIns="0" bIns="0" rtlCol="0" anchor="t">
-            <a:spAutoFit/>
-          </a:bodyPr>
-          <a:lstStyle/>
-          <a:p>
-            <a:pPr algn="l" indent="0" marL="0">
-              <a:lnSpc>
-                <a:spcPts val="1400"/>
-              </a:lnSpc>
-              <a:buNone/>
-            </a:pPr>
-            <a:r>
-              <a:rPr lang="en-US" sz="888" dirty="0">
-                <a:solidFill>
-                  <a:srgbClr val="333333"/>
-                </a:solidFill>
-              </a:rPr>
-              <a:t>忽略了类别间天然存在的顺序关系，将“严重”误判为“轻微”与误判为“中度”的代价被等同化。</a:t>
-            </a:r>
-            <a:endParaRPr lang="en-US" sz="888" dirty="0"/>
-          </a:p>
-        </p:txBody>
-      </p:sp>
-      <p:pic>
-        <p:nvPicPr>
-          <p:cNvPr id="9" name="Image 2" descr="preencoded.png">    </p:cNvPr>
-          <p:cNvPicPr>
-            <a:picLocks noChangeAspect="1"/>
-          </p:cNvPicPr>
-          <p:nvPr/>
-        </p:nvPicPr>
-        <p:blipFill>
-          <a:blip r:embed="rId3"/>
-          <a:stretch>
-            <a:fillRect/>
-          </a:stretch>
-        </p:blipFill>
-        <p:spPr>
-          <a:xfrm>
-            <a:off x="571500" y="2574178"/>
-            <a:ext cx="178594" cy="178594"/>
-          </a:xfrm>
-          <a:prstGeom prst="rect">
-            <a:avLst/>
-          </a:prstGeom>
-        </p:spPr>
-      </p:pic>
-      <p:sp>
-        <p:nvSpPr>
-          <p:cNvPr id="10" name="Text 5"/>
-          <p:cNvSpPr/>
-          <p:nvPr/>
-        </p:nvSpPr>
-        <p:spPr>
-          <a:xfrm>
-            <a:off x="892969" y="2574178"/>
-            <a:ext cx="4021931" cy="226814"/>
-          </a:xfrm>
-          <a:prstGeom prst="rect">
-            <a:avLst/>
-          </a:prstGeom>
-          <a:noFill/>
-          <a:ln/>
-        </p:spPr>
-        <p:txBody>
-          <a:bodyPr wrap="none" lIns="0" tIns="0" rIns="0" bIns="0" rtlCol="0" anchor="t">
-            <a:spAutoFit/>
-          </a:bodyPr>
-          <a:lstStyle/>
-          <a:p>
-            <a:pPr algn="l" indent="0" marL="0">
-              <a:lnSpc>
-                <a:spcPts val="1500"/>
-              </a:lnSpc>
-              <a:buNone/>
-            </a:pPr>
-            <a:r>
-              <a:rPr lang="en-US" sz="1090" b="1" dirty="0">
-                <a:solidFill>
-                  <a:srgbClr val="1A1A1A"/>
-                </a:solidFill>
-              </a:rPr>
-              <a:t>代价敏感性需求</a:t>
-            </a:r>
-            <a:endParaRPr lang="en-US" sz="1090" dirty="0"/>
-          </a:p>
-        </p:txBody>
-      </p:sp>
-      <p:sp>
-        <p:nvSpPr>
-          <p:cNvPr id="11" name="Text 6"/>
-          <p:cNvSpPr/>
-          <p:nvPr/>
-        </p:nvSpPr>
-        <p:spPr>
-          <a:xfrm>
-            <a:off x="892969" y="2858142"/>
-            <a:ext cx="4021931" cy="364331"/>
-          </a:xfrm>
-          <a:prstGeom prst="rect">
-            <a:avLst/>
-          </a:prstGeom>
-          <a:noFill/>
-          <a:ln/>
-        </p:spPr>
-        <p:txBody>
-          <a:bodyPr wrap="square" lIns="0" tIns="0" rIns="0" bIns="0" rtlCol="0" anchor="t">
-            <a:spAutoFit/>
-          </a:bodyPr>
-          <a:lstStyle/>
-          <a:p>
-            <a:pPr algn="l" indent="0" marL="0">
-              <a:lnSpc>
-                <a:spcPts val="1400"/>
-              </a:lnSpc>
-              <a:buNone/>
-            </a:pPr>
-            <a:r>
-              <a:rPr lang="en-US" sz="888" dirty="0">
-                <a:solidFill>
-                  <a:srgbClr val="333333"/>
-                </a:solidFill>
-              </a:rPr>
-              <a:t>工业场景中，跨级误判的代价远高于邻级误判，需要模型具备等级感知能力。</a:t>
-            </a:r>
-            <a:endParaRPr lang="en-US" sz="888" dirty="0"/>
-          </a:p>
-        </p:txBody>
-      </p:sp>
-      <p:pic>
-        <p:nvPicPr>
-          <p:cNvPr id="12" name="Image 3" descr="preencoded.png">    </p:cNvPr>
-          <p:cNvPicPr>
-            <a:picLocks noChangeAspect="1"/>
-          </p:cNvPicPr>
-          <p:nvPr/>
-        </p:nvPicPr>
-        <p:blipFill>
-          <a:blip r:embed="rId4"/>
-          <a:stretch>
-            <a:fillRect/>
-          </a:stretch>
-        </p:blipFill>
-        <p:spPr>
-          <a:xfrm>
-            <a:off x="571500" y="3436786"/>
-            <a:ext cx="142875" cy="178594"/>
-          </a:xfrm>
-          <a:prstGeom prst="rect">
-            <a:avLst/>
-          </a:prstGeom>
-        </p:spPr>
-      </p:pic>
-      <p:sp>
-        <p:nvSpPr>
-          <p:cNvPr id="13" name="Text 7"/>
-          <p:cNvSpPr/>
-          <p:nvPr/>
-        </p:nvSpPr>
-        <p:spPr>
-          <a:xfrm>
-            <a:off x="857250" y="3436786"/>
-            <a:ext cx="3759566" cy="226814"/>
-          </a:xfrm>
-          <a:prstGeom prst="rect">
-            <a:avLst/>
-          </a:prstGeom>
-          <a:noFill/>
-          <a:ln/>
-        </p:spPr>
-        <p:txBody>
-          <a:bodyPr wrap="none" lIns="0" tIns="0" rIns="0" bIns="0" rtlCol="0" anchor="t">
-            <a:spAutoFit/>
-          </a:bodyPr>
-          <a:lstStyle/>
-          <a:p>
-            <a:pPr algn="l" indent="0" marL="0">
-              <a:lnSpc>
-                <a:spcPts val="1500"/>
-              </a:lnSpc>
-              <a:buNone/>
-            </a:pPr>
-            <a:r>
-              <a:rPr lang="en-US" sz="1090" b="1" dirty="0">
-                <a:solidFill>
-                  <a:srgbClr val="1A1A1A"/>
-                </a:solidFill>
-              </a:rPr>
-              <a:t>工具链缺失</a:t>
-            </a:r>
-            <a:endParaRPr lang="en-US" sz="1090" dirty="0"/>
-          </a:p>
-        </p:txBody>
-      </p:sp>
-      <p:sp>
-        <p:nvSpPr>
-          <p:cNvPr id="14" name="Text 8"/>
-          <p:cNvSpPr/>
-          <p:nvPr/>
-        </p:nvSpPr>
-        <p:spPr>
-          <a:xfrm>
-            <a:off x="857250" y="3720750"/>
-            <a:ext cx="3759566" cy="182166"/>
-          </a:xfrm>
-          <a:prstGeom prst="rect">
-            <a:avLst/>
-          </a:prstGeom>
-          <a:noFill/>
-          <a:ln/>
-        </p:spPr>
-        <p:txBody>
-          <a:bodyPr wrap="none" lIns="0" tIns="0" rIns="0" bIns="0" rtlCol="0" anchor="t">
-            <a:spAutoFit/>
-          </a:bodyPr>
-          <a:lstStyle/>
-          <a:p>
-            <a:pPr algn="l" indent="0" marL="0">
-              <a:lnSpc>
-                <a:spcPts val="1400"/>
-              </a:lnSpc>
-              <a:buNone/>
-            </a:pPr>
-            <a:r>
-              <a:rPr lang="en-US" sz="888" dirty="0">
-                <a:solidFill>
-                  <a:srgbClr val="333333"/>
-                </a:solidFill>
-              </a:rPr>
-              <a:t>现有深度学习框架（如 PyTorch）缺乏统一且高效的有序回归工具库。</a:t>
-            </a:r>
-            <a:endParaRPr lang="en-US" sz="888" dirty="0"/>
-          </a:p>
-        </p:txBody>
-      </p:sp>
-      <p:pic>
-        <p:nvPicPr>
-          <p:cNvPr id="15" name="Image 4" descr="preencoded.png">    </p:cNvPr>
-          <p:cNvPicPr>
-            <a:picLocks noChangeAspect="1"/>
-          </p:cNvPicPr>
-          <p:nvPr/>
-        </p:nvPicPr>
-        <p:blipFill>
-          <a:blip r:embed="rId5"/>
-          <a:stretch>
-            <a:fillRect/>
-          </a:stretch>
-        </p:blipFill>
-        <p:spPr>
-          <a:xfrm>
-            <a:off x="571500" y="4117228"/>
-            <a:ext cx="107156" cy="178594"/>
-          </a:xfrm>
-          <a:prstGeom prst="rect">
-            <a:avLst/>
-          </a:prstGeom>
-        </p:spPr>
-      </p:pic>
-      <p:sp>
-        <p:nvSpPr>
-          <p:cNvPr id="16" name="Text 9"/>
-          <p:cNvSpPr/>
-          <p:nvPr/>
-        </p:nvSpPr>
-        <p:spPr>
-          <a:xfrm>
-            <a:off x="821531" y="4117228"/>
-            <a:ext cx="4093369" cy="226814"/>
-          </a:xfrm>
-          <a:prstGeom prst="rect">
-            <a:avLst/>
-          </a:prstGeom>
-          <a:noFill/>
-          <a:ln/>
-        </p:spPr>
-        <p:txBody>
-          <a:bodyPr wrap="none" lIns="0" tIns="0" rIns="0" bIns="0" rtlCol="0" anchor="t">
-            <a:spAutoFit/>
-          </a:bodyPr>
-          <a:lstStyle/>
-          <a:p>
-            <a:pPr algn="l" indent="0" marL="0">
-              <a:lnSpc>
-                <a:spcPts val="1500"/>
-              </a:lnSpc>
-              <a:buNone/>
-            </a:pPr>
-            <a:r>
-              <a:rPr lang="en-US" sz="1090" b="1" dirty="0">
-                <a:solidFill>
-                  <a:srgbClr val="1A1A1A"/>
-                </a:solidFill>
-              </a:rPr>
-              <a:t>核心思想</a:t>
-            </a:r>
-            <a:endParaRPr lang="en-US" sz="1090" dirty="0"/>
-          </a:p>
-        </p:txBody>
-      </p:sp>
-      <p:sp>
-        <p:nvSpPr>
-          <p:cNvPr id="17" name="Text 10"/>
-          <p:cNvSpPr/>
-          <p:nvPr/>
-        </p:nvSpPr>
-        <p:spPr>
-          <a:xfrm>
-            <a:off x="821531" y="4401192"/>
-            <a:ext cx="4093369" cy="364331"/>
-          </a:xfrm>
-          <a:prstGeom prst="rect">
-            <a:avLst/>
-          </a:prstGeom>
-          <a:noFill/>
-          <a:ln/>
-        </p:spPr>
-        <p:txBody>
-          <a:bodyPr wrap="square" lIns="0" tIns="0" rIns="0" bIns="0" rtlCol="0" anchor="t">
-            <a:spAutoFit/>
-          </a:bodyPr>
-          <a:lstStyle/>
-          <a:p>
-            <a:pPr algn="l" indent="0" marL="0">
-              <a:lnSpc>
-                <a:spcPts val="1400"/>
-              </a:lnSpc>
-              <a:buNone/>
-            </a:pPr>
-            <a:r>
-              <a:rPr lang="en-US" sz="888" dirty="0">
-                <a:solidFill>
-                  <a:srgbClr val="333333"/>
-                </a:solidFill>
-              </a:rPr>
-              <a:t>利用有序信息约束学习过程，目标从单纯提高准确率转向最小化预测等级与真实等级的距离。</a:t>
-            </a:r>
-            <a:endParaRPr lang="en-US" sz="888" dirty="0"/>
-          </a:p>
-        </p:txBody>
-      </p:sp>
-      <p:pic>
-        <p:nvPicPr>
-          <p:cNvPr id="18" name="Image 5" descr="preencoded.png">    </p:cNvPr>
-          <p:cNvPicPr>
-            <a:picLocks noChangeAspect="1"/>
-          </p:cNvPicPr>
-          <p:nvPr/>
-        </p:nvPicPr>
-        <p:blipFill>
-          <a:blip r:embed="rId6"/>
-          <a:stretch>
-            <a:fillRect/>
-          </a:stretch>
-        </p:blipFill>
-        <p:spPr>
-          <a:xfrm>
-            <a:off x="5343525" y="1497257"/>
-            <a:ext cx="3228975" cy="2514600"/>
-          </a:xfrm>
-          <a:prstGeom prst="rect">
-            <a:avLst/>
-          </a:prstGeom>
-        </p:spPr>
-      </p:pic>
-      <p:sp>
-        <p:nvSpPr>
-          <p:cNvPr id="19" name="Text 11"/>
-          <p:cNvSpPr/>
-          <p:nvPr/>
-        </p:nvSpPr>
-        <p:spPr>
-          <a:xfrm>
-            <a:off x="6422231" y="4119014"/>
-            <a:ext cx="1071563" cy="144661"/>
-          </a:xfrm>
-          <a:prstGeom prst="rect">
-            <a:avLst/>
-          </a:prstGeom>
-          <a:noFill/>
-          <a:ln/>
-        </p:spPr>
-        <p:txBody>
-          <a:bodyPr wrap="none" lIns="0" tIns="0" rIns="0" bIns="0" rtlCol="0" anchor="t">
-            <a:spAutoFit/>
-          </a:bodyPr>
-          <a:lstStyle/>
-          <a:p>
-            <a:pPr algn="l" indent="0" marL="0">
-              <a:lnSpc>
-                <a:spcPts val="900"/>
-              </a:lnSpc>
-              <a:buNone/>
-            </a:pPr>
-            <a:r>
-              <a:rPr lang="en-US" sz="727" spc="1" kern="0" dirty="0">
-                <a:solidFill>
-                  <a:srgbClr val="666666"/>
-                </a:solidFill>
-              </a:rPr>
-              <a:t>典型钢板表面缺陷示例</a:t>
-            </a:r>
-            <a:endParaRPr lang="en-US" sz="727" dirty="0"/>
-          </a:p>
-        </p:txBody>
-      </p:sp>
-      <p:sp>
-        <p:nvSpPr>
-          <p:cNvPr id="20" name="Text 12"/>
-          <p:cNvSpPr/>
-          <p:nvPr/>
-        </p:nvSpPr>
-        <p:spPr>
-          <a:xfrm>
-            <a:off x="8711133" y="4682728"/>
-            <a:ext cx="147117" cy="175022"/>
-          </a:xfrm>
-          <a:prstGeom prst="rect">
-            <a:avLst/>
-          </a:prstGeom>
-          <a:noFill/>
-          <a:ln/>
-        </p:spPr>
-        <p:txBody>
-          <a:bodyPr wrap="none" lIns="0" tIns="0" rIns="0" bIns="0" rtlCol="0" anchor="t">
-            <a:spAutoFit/>
-          </a:bodyPr>
-          <a:lstStyle/>
-          <a:p>
-            <a:pPr algn="l" indent="0" marL="0">
-              <a:lnSpc>
-                <a:spcPts val="1200"/>
-              </a:lnSpc>
-              <a:buNone/>
-            </a:pPr>
-            <a:r>
-              <a:rPr lang="en-US" sz="885" b="1" dirty="0">
-                <a:solidFill>
-                  <a:srgbClr val="FF4500"/>
-                </a:solidFill>
-              </a:rPr>
-              <a:t>03</a:t>
-            </a:r>
-            <a:endParaRPr lang="en-US" sz="885" dirty="0"/>
-          </a:p>
-        </p:txBody>
-      </p:sp>
-    </p:spTree>
-  </p:cSld>
-  <p:clrMapOvr>
-    <a:masterClrMapping/>
-  </p:clrMapOvr>
-</p:sld>
-</file>
-
-<file path=ppt/slides/slide4.xml><?xml version="1.0" encoding="utf-8"?>
 <p:sld xmlns:a="http://schemas.openxmlformats.org/drawingml/2006/main" xmlns:r="http://schemas.openxmlformats.org/officeDocument/2006/relationships" xmlns:p="http://schemas.openxmlformats.org/presentationml/2006/main">
   <p:cSld name="Slide 4">
     <p:spTree>
@@ -3211,14 +2304,14 @@
       </p:grpSpPr>
       <p:pic>
         <p:nvPicPr>
-          <p:cNvPr id="2" name="Image 0" descr="preencoded.png">    </p:cNvPr>
+          <p:cNvPr id="2" name="Image 0" descr="preencoded.png"/>
           <p:cNvPicPr>
             <a:picLocks noChangeAspect="1"/>
           </p:cNvPicPr>
           <p:nvPr/>
         </p:nvPicPr>
         <p:blipFill>
-          <a:blip r:embed="rId1"/>
+          <a:blip r:embed="rId3"/>
           <a:stretch>
             <a:fillRect/>
           </a:stretch>
@@ -3298,14 +2391,14 @@
           </a:bodyPr>
           <a:lstStyle/>
           <a:p>
-            <a:pPr algn="l" indent="0" marL="0">
+            <a:pPr marL="0" indent="0" algn="l">
               <a:lnSpc>
                 <a:spcPts val="3200"/>
               </a:lnSpc>
               <a:buNone/>
             </a:pPr>
             <a:r>
-              <a:rPr lang="en-US" sz="2436" b="1" spc="-1" kern="0" dirty="0">
+              <a:rPr lang="en-US" sz="2436" b="1" kern="0" spc="-1" dirty="0">
                 <a:solidFill>
                   <a:srgbClr val="E5E5E5"/>
                 </a:solidFill>
@@ -3343,14 +2436,14 @@
       </p:sp>
       <p:pic>
         <p:nvPicPr>
-          <p:cNvPr id="7" name="Image 1" descr="preencoded.png">    </p:cNvPr>
+          <p:cNvPr id="7" name="Image 1" descr="preencoded.png"/>
           <p:cNvPicPr>
             <a:picLocks noChangeAspect="1"/>
           </p:cNvPicPr>
           <p:nvPr/>
         </p:nvPicPr>
         <p:blipFill>
-          <a:blip r:embed="rId2"/>
+          <a:blip r:embed="rId4"/>
           <a:stretch>
             <a:fillRect/>
           </a:stretch>
@@ -3388,7 +2481,7 @@
           </a:bodyPr>
           <a:lstStyle/>
           <a:p>
-            <a:pPr algn="l" indent="0" marL="0">
+            <a:pPr marL="0" indent="0" algn="l">
               <a:lnSpc>
                 <a:spcPts val="1500"/>
               </a:lnSpc>
@@ -3429,7 +2522,7 @@
           </a:bodyPr>
           <a:lstStyle/>
           <a:p>
-            <a:pPr algn="l" indent="0" marL="0">
+            <a:pPr marL="0" indent="0" algn="l">
               <a:lnSpc>
                 <a:spcPts val="1500"/>
               </a:lnSpc>
@@ -3470,7 +2563,7 @@
           </a:bodyPr>
           <a:lstStyle/>
           <a:p>
-            <a:pPr algn="l" indent="0" marL="0">
+            <a:pPr marL="0" indent="0" algn="l">
               <a:lnSpc>
                 <a:spcPts val="1500"/>
               </a:lnSpc>
@@ -3497,7 +2590,7 @@
         <p:spPr>
           <a:xfrm>
             <a:off x="5136356" y="2839557"/>
-            <a:ext cx="3436144" cy="388609"/>
+            <a:ext cx="3436144" cy="173702"/>
           </a:xfrm>
           <a:prstGeom prst="rect">
             <a:avLst/>
@@ -3511,19 +2604,27 @@
           </a:bodyPr>
           <a:lstStyle/>
           <a:p>
-            <a:pPr algn="l" indent="0" marL="0">
+            <a:pPr marL="0" indent="0" algn="l">
               <a:lnSpc>
                 <a:spcPts val="1500"/>
               </a:lnSpc>
               <a:buNone/>
             </a:pPr>
             <a:r>
+              <a:rPr lang="en-US" sz="888" dirty="0" err="1">
+                <a:solidFill>
+                  <a:srgbClr val="CCCCCC"/>
+                </a:solidFill>
+              </a:rPr>
+              <a:t>使用单峰分布生成软标签替代</a:t>
+            </a:r>
+            <a:r>
               <a:rPr lang="en-US" sz="888" dirty="0">
                 <a:solidFill>
                   <a:srgbClr val="CCCCCC"/>
                 </a:solidFill>
               </a:rPr>
-              <a:t>使用单峰分布（如三角形、Beta 分布）生成软标签替代 One-hot 编码，有效缓解过拟合。</a:t>
+              <a:t> One-hot 编码，有效缓解过拟合。</a:t>
             </a:r>
             <a:endParaRPr lang="en-US" sz="888" dirty="0"/>
           </a:p>
@@ -3552,7 +2653,7 @@
           </a:bodyPr>
           <a:lstStyle/>
           <a:p>
-            <a:pPr algn="l" indent="0" marL="0">
+            <a:pPr marL="0" indent="0" algn="l">
               <a:lnSpc>
                 <a:spcPts val="1500"/>
               </a:lnSpc>
@@ -3579,7 +2680,7 @@
         <p:spPr>
           <a:xfrm>
             <a:off x="5136356" y="3705011"/>
-            <a:ext cx="3436144" cy="388609"/>
+            <a:ext cx="3436144" cy="173702"/>
           </a:xfrm>
           <a:prstGeom prst="rect">
             <a:avLst/>
@@ -3593,19 +2694,51 @@
           </a:bodyPr>
           <a:lstStyle/>
           <a:p>
-            <a:pPr algn="l" indent="0" marL="0">
+            <a:pPr marL="0" indent="0" algn="l">
               <a:lnSpc>
                 <a:spcPts val="1500"/>
               </a:lnSpc>
               <a:buNone/>
             </a:pPr>
             <a:r>
+              <a:rPr lang="en-US" sz="888" dirty="0" err="1">
+                <a:solidFill>
+                  <a:srgbClr val="CCCCCC"/>
+                </a:solidFill>
+              </a:rPr>
+              <a:t>采用</a:t>
+            </a:r>
+            <a:r>
               <a:rPr lang="en-US" sz="888" dirty="0">
                 <a:solidFill>
                   <a:srgbClr val="CCCCCC"/>
                 </a:solidFill>
               </a:rPr>
-              <a:t>采用 MAE（平均绝对误差）和 MMAE 作为核心指标，精准量化等级预测的物理距离。</a:t>
+              <a:t> </a:t>
+            </a:r>
+            <a:r>
+              <a:rPr lang="en-US" altLang="zh-CN" sz="888" dirty="0" err="1">
+                <a:solidFill>
+                  <a:srgbClr val="CCCCCC"/>
+                </a:solidFill>
+              </a:rPr>
+              <a:t>A</a:t>
+            </a:r>
+            <a:r>
+              <a:rPr lang="en-US" sz="888" dirty="0" err="1">
+                <a:solidFill>
+                  <a:srgbClr val="CCCCCC"/>
+                </a:solidFill>
+              </a:rPr>
+              <a:t>MAE和</a:t>
+            </a:r>
+            <a:r>
+              <a:rPr lang="en-US" sz="888" dirty="0">
+                <a:solidFill>
+                  <a:srgbClr val="CCCCCC"/>
+                </a:solidFill>
+              </a:rPr>
+              <a:t> MMAE 作为核心指标，精准量化等级预测的物理距离。</a:t>
             </a:r>
             <a:endParaRPr lang="en-US" sz="888" dirty="0"/>
           </a:p>
@@ -3634,7 +2767,7 @@
           </a:bodyPr>
           <a:lstStyle/>
           <a:p>
-            <a:pPr algn="l" indent="0" marL="0">
+            <a:pPr marL="0" indent="0" algn="l">
               <a:lnSpc>
                 <a:spcPts val="1500"/>
               </a:lnSpc>
@@ -3675,7 +2808,7 @@
           </a:bodyPr>
           <a:lstStyle/>
           <a:p>
-            <a:pPr algn="l" indent="0" marL="0">
+            <a:pPr marL="0" indent="0" algn="l">
               <a:lnSpc>
                 <a:spcPts val="1500"/>
               </a:lnSpc>
@@ -3716,7 +2849,7 @@
           </a:bodyPr>
           <a:lstStyle/>
           <a:p>
-            <a:pPr algn="l" indent="0" marL="0">
+            <a:pPr marL="0" indent="0" algn="l">
               <a:lnSpc>
                 <a:spcPts val="1200"/>
               </a:lnSpc>
@@ -3742,7 +2875,7 @@
 </p:sld>
 </file>
 
-<file path=ppt/slides/slide5.xml><?xml version="1.0" encoding="utf-8"?>
+<file path=ppt/slides/slide4.xml><?xml version="1.0" encoding="utf-8"?>
 <p:sld xmlns:a="http://schemas.openxmlformats.org/drawingml/2006/main" xmlns:r="http://schemas.openxmlformats.org/officeDocument/2006/relationships" xmlns:p="http://schemas.openxmlformats.org/presentationml/2006/main">
   <p:cSld name="Slide 5">
     <p:spTree>
@@ -3761,14 +2894,14 @@
       </p:grpSpPr>
       <p:pic>
         <p:nvPicPr>
-          <p:cNvPr id="2" name="Image 0" descr="preencoded.png">    </p:cNvPr>
+          <p:cNvPr id="2" name="Image 0" descr="preencoded.png"/>
           <p:cNvPicPr>
             <a:picLocks noChangeAspect="1"/>
           </p:cNvPicPr>
           <p:nvPr/>
         </p:nvPicPr>
         <p:blipFill>
-          <a:blip r:embed="rId1"/>
+          <a:blip r:embed="rId3"/>
           <a:stretch>
             <a:fillRect/>
           </a:stretch>
@@ -3834,7 +2967,7 @@
         <p:spPr>
           <a:xfrm>
             <a:off x="571500" y="713231"/>
-            <a:ext cx="8572500" cy="498277"/>
+            <a:ext cx="5311775" cy="389209"/>
           </a:xfrm>
           <a:prstGeom prst="rect">
             <a:avLst/>
@@ -3848,19 +2981,38 @@
           </a:bodyPr>
           <a:lstStyle/>
           <a:p>
-            <a:pPr algn="l" indent="0" marL="0">
+            <a:pPr marL="0" indent="0" algn="l">
               <a:lnSpc>
                 <a:spcPts val="3200"/>
               </a:lnSpc>
               <a:buNone/>
             </a:pPr>
             <a:r>
-              <a:rPr lang="en-US" sz="2436" b="1" spc="-1" kern="0" dirty="0">
+              <a:rPr lang="en-US" sz="2436" b="1" kern="0" spc="-1" dirty="0" err="1">
                 <a:solidFill>
                   <a:srgbClr val="E5E5E5"/>
                 </a:solidFill>
               </a:rPr>
-              <a:t>数据预处理：针对极长宽比图像的优化策略</a:t>
+              <a:t>数据预处理：针对</a:t>
+            </a:r>
+            <a:r>
+              <a:rPr lang="zh-CN" altLang="en-US" sz="2436" b="1" kern="0" spc="-1" dirty="0">
+                <a:solidFill>
+                  <a:srgbClr val="E5E5E5"/>
+                </a:solidFill>
+                <a:latin typeface="Calibri" panose="020F0502020204030204" pitchFamily="34" charset="0"/>
+                <a:ea typeface="Batang" panose="02030600000101010101" pitchFamily="18" charset="-127"/>
+                <a:cs typeface="Calibri" panose="020F0502020204030204" pitchFamily="34" charset="0"/>
+              </a:rPr>
+              <a:t>锌板图像</a:t>
+            </a:r>
+            <a:r>
+              <a:rPr lang="en-US" sz="2436" b="1" kern="0" spc="-1" dirty="0" err="1">
+                <a:solidFill>
+                  <a:srgbClr val="E5E5E5"/>
+                </a:solidFill>
+              </a:rPr>
+              <a:t>的优化策略</a:t>
             </a:r>
             <a:endParaRPr lang="en-US" sz="2436" dirty="0"/>
           </a:p>
@@ -3875,7 +3027,7 @@
         <p:spPr>
           <a:xfrm>
             <a:off x="571500" y="1561551"/>
-            <a:ext cx="2143125" cy="135731"/>
+            <a:ext cx="65" cy="111184"/>
           </a:xfrm>
           <a:prstGeom prst="rect">
             <a:avLst/>
@@ -3889,20 +3041,12 @@
           </a:bodyPr>
           <a:lstStyle/>
           <a:p>
-            <a:pPr algn="l" indent="0" marL="0">
+            <a:pPr marL="0" indent="0" algn="l">
               <a:lnSpc>
                 <a:spcPts val="900"/>
               </a:lnSpc>
               <a:buNone/>
             </a:pPr>
-            <a:r>
-              <a:rPr lang="en-US" sz="727" spc="2" kern="0" dirty="0">
-                <a:solidFill>
-                  <a:srgbClr val="FF4500"/>
-                </a:solidFill>
-              </a:rPr>
-              <a:t>Challenge Analysis</a:t>
-            </a:r>
             <a:endParaRPr lang="en-US" sz="727" dirty="0"/>
           </a:p>
         </p:txBody>
@@ -3916,7 +3060,7 @@
         <p:spPr>
           <a:xfrm>
             <a:off x="2714625" y="1561551"/>
-            <a:ext cx="5857875" cy="289322"/>
+            <a:ext cx="2154436" cy="229422"/>
           </a:xfrm>
           <a:prstGeom prst="rect">
             <a:avLst/>
@@ -3930,19 +3074,35 @@
           </a:bodyPr>
           <a:lstStyle/>
           <a:p>
-            <a:pPr algn="l" indent="0" marL="0">
+            <a:pPr marL="0" indent="0" algn="l">
               <a:lnSpc>
                 <a:spcPts val="1900"/>
               </a:lnSpc>
               <a:buNone/>
             </a:pPr>
             <a:r>
+              <a:rPr lang="en-US" sz="1397" b="1" dirty="0" err="1">
+                <a:solidFill>
+                  <a:srgbClr val="E5E5E5"/>
+                </a:solidFill>
+              </a:rPr>
+              <a:t>数据难点</a:t>
+            </a:r>
+            <a:r>
               <a:rPr lang="en-US" sz="1397" b="1" dirty="0">
                 <a:solidFill>
                   <a:srgbClr val="E5E5E5"/>
                 </a:solidFill>
               </a:rPr>
-              <a:t>数据难点：极端几何特征</a:t>
+              <a:t>：</a:t>
+            </a:r>
+            <a:r>
+              <a:rPr lang="zh-CN" altLang="en-US" sz="1397" b="1" dirty="0">
+                <a:solidFill>
+                  <a:srgbClr val="E5E5E5"/>
+                </a:solidFill>
+              </a:rPr>
+              <a:t>图像格式不匹配</a:t>
             </a:r>
             <a:endParaRPr lang="en-US" sz="1397" dirty="0"/>
           </a:p>
@@ -3971,7 +3131,7 @@
           </a:bodyPr>
           <a:lstStyle/>
           <a:p>
-            <a:pPr algn="l" indent="0" marL="0">
+            <a:pPr marL="0" indent="0" algn="l">
               <a:lnSpc>
                 <a:spcPts val="1600"/>
               </a:lnSpc>
@@ -3998,7 +3158,7 @@
         <p:spPr>
           <a:xfrm>
             <a:off x="571500" y="2455190"/>
-            <a:ext cx="2143125" cy="135731"/>
+            <a:ext cx="65" cy="111184"/>
           </a:xfrm>
           <a:prstGeom prst="rect">
             <a:avLst/>
@@ -4012,20 +3172,12 @@
           </a:bodyPr>
           <a:lstStyle/>
           <a:p>
-            <a:pPr algn="l" indent="0" marL="0">
+            <a:pPr marL="0" indent="0" algn="l">
               <a:lnSpc>
                 <a:spcPts val="900"/>
               </a:lnSpc>
               <a:buNone/>
             </a:pPr>
-            <a:r>
-              <a:rPr lang="en-US" sz="727" spc="2" kern="0" dirty="0">
-                <a:solidFill>
-                  <a:srgbClr val="FF4500"/>
-                </a:solidFill>
-              </a:rPr>
-              <a:t>Padding Strategy</a:t>
-            </a:r>
             <a:endParaRPr lang="en-US" sz="727" dirty="0"/>
           </a:p>
         </p:txBody>
@@ -4039,7 +3191,7 @@
         <p:spPr>
           <a:xfrm>
             <a:off x="2714625" y="2455190"/>
-            <a:ext cx="5857875" cy="289322"/>
+            <a:ext cx="601127" cy="229999"/>
           </a:xfrm>
           <a:prstGeom prst="rect">
             <a:avLst/>
@@ -4053,19 +3205,19 @@
           </a:bodyPr>
           <a:lstStyle/>
           <a:p>
-            <a:pPr algn="l" indent="0" marL="0">
+            <a:pPr marL="0" indent="0" algn="l">
               <a:lnSpc>
                 <a:spcPts val="1900"/>
               </a:lnSpc>
               <a:buNone/>
             </a:pPr>
             <a:r>
-              <a:rPr lang="en-US" sz="1397" b="1" dirty="0">
+              <a:rPr lang="en-US" altLang="zh-CN" sz="1397" b="1" dirty="0">
                 <a:solidFill>
                   <a:srgbClr val="E5E5E5"/>
                 </a:solidFill>
               </a:rPr>
-              <a:t>双侧补零与纹理保持</a:t>
+              <a:t>padding</a:t>
             </a:r>
             <a:endParaRPr lang="en-US" sz="1397" dirty="0"/>
           </a:p>
@@ -4080,7 +3232,7 @@
         <p:spPr>
           <a:xfrm>
             <a:off x="2714625" y="2787374"/>
-            <a:ext cx="5857875" cy="205718"/>
+            <a:ext cx="2077492" cy="185051"/>
           </a:xfrm>
           <a:prstGeom prst="rect">
             <a:avLst/>
@@ -4094,7 +3246,7 @@
           </a:bodyPr>
           <a:lstStyle/>
           <a:p>
-            <a:pPr algn="l" indent="0" marL="0">
+            <a:pPr marL="0" indent="0" algn="l">
               <a:lnSpc>
                 <a:spcPts val="1600"/>
               </a:lnSpc>
@@ -4106,7 +3258,39 @@
                   <a:srgbClr val="CCCCCC"/>
                 </a:solidFill>
               </a:rPr>
-              <a:t>对宽度不足 224 的图像进行双侧补零（Zero-padding），保持纹理比例，避免插值形变。</a:t>
+              <a:t>对宽度不足 224 </a:t>
+            </a:r>
+            <a:r>
+              <a:rPr lang="en-US" sz="942" dirty="0" err="1">
+                <a:solidFill>
+                  <a:srgbClr val="CCCCCC"/>
+                </a:solidFill>
+              </a:rPr>
+              <a:t>的图像进</a:t>
+            </a:r>
+            <a:r>
+              <a:rPr lang="en-US" altLang="zh-CN" sz="942" dirty="0" err="1">
+                <a:solidFill>
+                  <a:srgbClr val="CCCCCC"/>
+                </a:solidFill>
+              </a:rPr>
+              <a:t>zero</a:t>
+            </a:r>
+            <a:r>
+              <a:rPr lang="en-US" altLang="zh-CN" sz="942" dirty="0">
+                <a:solidFill>
+                  <a:srgbClr val="CCCCCC"/>
+                </a:solidFill>
+              </a:rPr>
+              <a:t> padding</a:t>
+            </a:r>
+            <a:r>
+              <a:rPr lang="en-US" sz="942" dirty="0">
+                <a:solidFill>
+                  <a:srgbClr val="CCCCCC"/>
+                </a:solidFill>
+              </a:rPr>
+              <a:t>。</a:t>
             </a:r>
             <a:endParaRPr lang="en-US" sz="942" dirty="0"/>
           </a:p>
@@ -4155,7 +3339,7 @@
           </a:bodyPr>
           <a:lstStyle/>
           <a:p>
-            <a:pPr algn="l" indent="0" marL="0">
+            <a:pPr marL="0" indent="0" algn="l">
               <a:lnSpc>
                 <a:spcPts val="1100"/>
               </a:lnSpc>
@@ -4182,7 +3366,7 @@
         <p:spPr>
           <a:xfrm>
             <a:off x="571500" y="3448506"/>
-            <a:ext cx="2143125" cy="135731"/>
+            <a:ext cx="65" cy="111184"/>
           </a:xfrm>
           <a:prstGeom prst="rect">
             <a:avLst/>
@@ -4196,20 +3380,12 @@
           </a:bodyPr>
           <a:lstStyle/>
           <a:p>
-            <a:pPr algn="l" indent="0" marL="0">
+            <a:pPr marL="0" indent="0" algn="l">
               <a:lnSpc>
                 <a:spcPts val="900"/>
               </a:lnSpc>
               <a:buNone/>
             </a:pPr>
-            <a:r>
-              <a:rPr lang="en-US" sz="727" spc="2" kern="0" dirty="0">
-                <a:solidFill>
-                  <a:srgbClr val="FF4500"/>
-                </a:solidFill>
-              </a:rPr>
-              <a:t>Sliding Window</a:t>
-            </a:r>
             <a:endParaRPr lang="en-US" sz="727" dirty="0"/>
           </a:p>
         </p:txBody>
@@ -4223,7 +3399,7 @@
         <p:spPr>
           <a:xfrm>
             <a:off x="2714625" y="3448506"/>
-            <a:ext cx="5857875" cy="289322"/>
+            <a:ext cx="2760820" cy="229422"/>
           </a:xfrm>
           <a:prstGeom prst="rect">
             <a:avLst/>
@@ -4237,19 +3413,35 @@
           </a:bodyPr>
           <a:lstStyle/>
           <a:p>
-            <a:pPr algn="l" indent="0" marL="0">
+            <a:pPr marL="0" indent="0" algn="l">
               <a:lnSpc>
                 <a:spcPts val="1900"/>
               </a:lnSpc>
               <a:buNone/>
             </a:pPr>
             <a:r>
+              <a:rPr lang="zh-CN" altLang="en-US" sz="1397" b="1" dirty="0">
+                <a:solidFill>
+                  <a:srgbClr val="E5E5E5"/>
+                </a:solidFill>
+              </a:rPr>
+              <a:t>对图像在高度上进行</a:t>
+            </a:r>
+            <a:r>
+              <a:rPr lang="en-US" sz="1397" b="1" dirty="0" err="1">
+                <a:solidFill>
+                  <a:srgbClr val="E5E5E5"/>
+                </a:solidFill>
+              </a:rPr>
+              <a:t>切片</a:t>
+            </a:r>
+            <a:r>
               <a:rPr lang="en-US" sz="1397" b="1" dirty="0">
                 <a:solidFill>
                   <a:srgbClr val="E5E5E5"/>
                 </a:solidFill>
               </a:rPr>
-              <a:t>滑动窗口切片 (Patching)</a:t>
+              <a:t> (Patching)</a:t>
             </a:r>
             <a:endParaRPr lang="en-US" sz="1397" dirty="0"/>
           </a:p>
@@ -4264,7 +3456,7 @@
         <p:spPr>
           <a:xfrm>
             <a:off x="2714625" y="3780690"/>
-            <a:ext cx="5857875" cy="205718"/>
+            <a:ext cx="2983189" cy="185372"/>
           </a:xfrm>
           <a:prstGeom prst="rect">
             <a:avLst/>
@@ -4278,19 +3470,67 @@
           </a:bodyPr>
           <a:lstStyle/>
           <a:p>
-            <a:pPr algn="l" indent="0" marL="0">
+            <a:pPr marL="0" indent="0" algn="l">
               <a:lnSpc>
                 <a:spcPts val="1600"/>
               </a:lnSpc>
               <a:buNone/>
             </a:pPr>
             <a:r>
+              <a:rPr lang="en-US" sz="942" dirty="0" err="1">
+                <a:solidFill>
+                  <a:srgbClr val="CCCCCC"/>
+                </a:solidFill>
+              </a:rPr>
+              <a:t>在高度方向进行滑动切片</a:t>
+            </a:r>
+            <a:r>
               <a:rPr lang="en-US" sz="942" dirty="0">
                 <a:solidFill>
                   <a:srgbClr val="CCCCCC"/>
                 </a:solidFill>
               </a:rPr>
-              <a:t>在高度方向进行滑动切片，步长（Stride）设为 112，生成标准 Patch 序列，确保缺陷特征的连续性。</a:t>
+              <a:t>，，</a:t>
+            </a:r>
+            <a:r>
+              <a:rPr lang="en-US" sz="942" dirty="0" err="1">
+                <a:solidFill>
+                  <a:srgbClr val="CCCCCC"/>
+                </a:solidFill>
+              </a:rPr>
+              <a:t>生成标准</a:t>
+            </a:r>
+            <a:r>
+              <a:rPr lang="en-US" sz="942" dirty="0">
+                <a:solidFill>
+                  <a:srgbClr val="CCCCCC"/>
+                </a:solidFill>
+              </a:rPr>
+              <a:t> </a:t>
+            </a:r>
+            <a:r>
+              <a:rPr lang="en-US" altLang="zh-CN" sz="942" dirty="0" err="1">
+                <a:solidFill>
+                  <a:srgbClr val="CCCCCC"/>
+                </a:solidFill>
+              </a:rPr>
+              <a:t>resnet</a:t>
+            </a:r>
+            <a:r>
+              <a:rPr lang="zh-CN" altLang="en-US" sz="942" dirty="0">
+                <a:solidFill>
+                  <a:srgbClr val="CCCCCC"/>
+                </a:solidFill>
+              </a:rPr>
+              <a:t>输入格式</a:t>
+            </a:r>
+            <a:r>
+              <a:rPr lang="en-US" sz="942" dirty="0">
+                <a:solidFill>
+                  <a:srgbClr val="CCCCCC"/>
+                </a:solidFill>
+              </a:rPr>
+              <a:t>。</a:t>
             </a:r>
             <a:endParaRPr lang="en-US" sz="942" dirty="0"/>
           </a:p>
@@ -4305,7 +3545,7 @@
         <p:spPr>
           <a:xfrm>
             <a:off x="571500" y="4136427"/>
-            <a:ext cx="2143125" cy="135731"/>
+            <a:ext cx="65" cy="111184"/>
           </a:xfrm>
           <a:prstGeom prst="rect">
             <a:avLst/>
@@ -4319,20 +3559,12 @@
           </a:bodyPr>
           <a:lstStyle/>
           <a:p>
-            <a:pPr algn="l" indent="0" marL="0">
+            <a:pPr marL="0" indent="0" algn="l">
               <a:lnSpc>
                 <a:spcPts val="900"/>
               </a:lnSpc>
               <a:buNone/>
             </a:pPr>
-            <a:r>
-              <a:rPr lang="en-US" sz="727" spc="2" kern="0" dirty="0">
-                <a:solidFill>
-                  <a:srgbClr val="FF4500"/>
-                </a:solidFill>
-              </a:rPr>
-              <a:t>Data Partition</a:t>
-            </a:r>
             <a:endParaRPr lang="en-US" sz="727" dirty="0"/>
           </a:p>
         </p:txBody>
@@ -4360,7 +3592,7 @@
           </a:bodyPr>
           <a:lstStyle/>
           <a:p>
-            <a:pPr algn="l" indent="0" marL="0">
+            <a:pPr marL="0" indent="0" algn="l">
               <a:lnSpc>
                 <a:spcPts val="1900"/>
               </a:lnSpc>
@@ -4401,7 +3633,7 @@
           </a:bodyPr>
           <a:lstStyle/>
           <a:p>
-            <a:pPr algn="l" indent="0" marL="0">
+            <a:pPr marL="0" indent="0" algn="l">
               <a:lnSpc>
                 <a:spcPts val="1600"/>
               </a:lnSpc>
@@ -4442,7 +3674,7 @@
           </a:bodyPr>
           <a:lstStyle/>
           <a:p>
-            <a:pPr algn="l" indent="0" marL="0">
+            <a:pPr marL="0" indent="0" algn="l">
               <a:lnSpc>
                 <a:spcPts val="1200"/>
               </a:lnSpc>
@@ -4468,7 +3700,7 @@
 </p:sld>
 </file>
 
-<file path=ppt/slides/slide6.xml><?xml version="1.0" encoding="utf-8"?>
+<file path=ppt/slides/slide5.xml><?xml version="1.0" encoding="utf-8"?>
 <p:sld xmlns:a="http://schemas.openxmlformats.org/drawingml/2006/main" xmlns:r="http://schemas.openxmlformats.org/officeDocument/2006/relationships" xmlns:p="http://schemas.openxmlformats.org/presentationml/2006/main">
   <p:cSld name="Slide 6">
     <p:spTree>
@@ -4487,14 +3719,14 @@
       </p:grpSpPr>
       <p:pic>
         <p:nvPicPr>
-          <p:cNvPr id="2" name="Image 0" descr="preencoded.png">    </p:cNvPr>
+          <p:cNvPr id="2" name="Image 0" descr="preencoded.png"/>
           <p:cNvPicPr>
             <a:picLocks noChangeAspect="1"/>
           </p:cNvPicPr>
           <p:nvPr/>
         </p:nvPicPr>
         <p:blipFill>
-          <a:blip r:embed="rId1"/>
+          <a:blip r:embed="rId3"/>
           <a:stretch>
             <a:fillRect/>
           </a:stretch>
@@ -4560,7 +3792,7 @@
         <p:spPr>
           <a:xfrm>
             <a:off x="571500" y="713231"/>
-            <a:ext cx="8572500" cy="498277"/>
+            <a:ext cx="6099427" cy="389209"/>
           </a:xfrm>
           <a:prstGeom prst="rect">
             <a:avLst/>
@@ -4574,19 +3806,43 @@
           </a:bodyPr>
           <a:lstStyle/>
           <a:p>
-            <a:pPr algn="l" indent="0" marL="0">
+            <a:pPr marL="0" indent="0" algn="l">
               <a:lnSpc>
                 <a:spcPts val="3200"/>
               </a:lnSpc>
               <a:buNone/>
             </a:pPr>
             <a:r>
-              <a:rPr lang="en-US" sz="2436" b="1" spc="-1" kern="0" dirty="0">
+              <a:rPr lang="en-US" sz="2436" b="1" kern="0" spc="-1" dirty="0" err="1">
                 <a:solidFill>
                   <a:srgbClr val="1A1A1A"/>
                 </a:solidFill>
               </a:rPr>
-              <a:t>模型设计：ResNet-18 的有序化改造</a:t>
+              <a:t>模型设计</a:t>
+            </a:r>
+            <a:r>
+              <a:rPr lang="en-US" sz="2436" b="1" kern="0" spc="-1" dirty="0">
+                <a:solidFill>
+                  <a:srgbClr val="1A1A1A"/>
+                </a:solidFill>
+              </a:rPr>
+              <a:t>：</a:t>
+            </a:r>
+            <a:r>
+              <a:rPr lang="zh-CN" altLang="en-US" sz="2436" b="1" kern="0" spc="-1" dirty="0">
+                <a:solidFill>
+                  <a:srgbClr val="1A1A1A"/>
+                </a:solidFill>
+              </a:rPr>
+              <a:t>针对有序回归的改进版</a:t>
+            </a:r>
+            <a:r>
+              <a:rPr lang="en-US" sz="2436" b="1" kern="0" spc="-1" dirty="0">
+                <a:solidFill>
+                  <a:srgbClr val="1A1A1A"/>
+                </a:solidFill>
+              </a:rPr>
+              <a:t>ResNet-18 </a:t>
             </a:r>
             <a:endParaRPr lang="en-US" sz="2436" dirty="0"/>
           </a:p>
@@ -4615,7 +3871,7 @@
           </a:bodyPr>
           <a:lstStyle/>
           <a:p>
-            <a:pPr algn="l" indent="0" marL="0">
+            <a:pPr marL="0" indent="0" algn="l">
               <a:lnSpc>
                 <a:spcPts val="1400"/>
               </a:lnSpc>
@@ -4642,7 +3898,7 @@
         <p:spPr>
           <a:xfrm>
             <a:off x="571500" y="1975889"/>
-            <a:ext cx="4247294" cy="339998"/>
+            <a:ext cx="4247294" cy="321178"/>
           </a:xfrm>
           <a:prstGeom prst="rect">
             <a:avLst/>
@@ -4656,7 +3912,7 @@
           </a:bodyPr>
           <a:lstStyle/>
           <a:p>
-            <a:pPr algn="l" indent="0" marL="0">
+            <a:pPr marL="0" indent="0" algn="l">
               <a:lnSpc>
                 <a:spcPts val="1300"/>
               </a:lnSpc>
@@ -4668,49 +3924,31 @@
                   <a:srgbClr val="333333"/>
                 </a:solidFill>
               </a:rPr>
-              <a:t>采用在 ImageNet 上预训练的 </a:t>
-            </a:r>
-            <a:pPr algn="l" indent="0" marL="0">
-              <a:lnSpc>
-                <a:spcPts val="1300"/>
-              </a:lnSpc>
-              <a:buNone/>
-            </a:pPr>
+              <a:t>采用在 ImageNet 上预训练的</a:t>
+            </a:r>
+            <a:r>
+              <a:rPr lang="en-US" sz="888" dirty="0">
+                <a:solidFill>
+                  <a:srgbClr val="FF0000"/>
+                </a:solidFill>
+              </a:rPr>
+              <a:t> </a:t>
+            </a:r>
             <a:r>
               <a:rPr lang="en-US" sz="780" dirty="0">
                 <a:solidFill>
-                  <a:srgbClr val="E5E5E5"/>
+                  <a:srgbClr val="FF0000"/>
                 </a:solidFill>
               </a:rPr>
               <a:t>ResNet-18</a:t>
             </a:r>
-            <a:pPr algn="l" indent="0" marL="0">
-              <a:lnSpc>
-                <a:spcPts val="1300"/>
-              </a:lnSpc>
-              <a:buNone/>
-            </a:pPr>
             <a:r>
               <a:rPr lang="en-US" sz="888" dirty="0">
                 <a:solidFill>
                   <a:srgbClr val="333333"/>
                 </a:solidFill>
               </a:rPr>
-              <a:t>，利用其强大的特征提取能力作为缺</a:t>
-            </a:r>
-            <a:pPr algn="l" indent="0" marL="0">
-              <a:lnSpc>
-                <a:spcPts val="1300"/>
-              </a:lnSpc>
-              <a:buNone/>
-            </a:pPr>
-            <a:r>
-              <a:rPr lang="en-US" sz="888" dirty="0">
-                <a:solidFill>
-                  <a:srgbClr val="333333"/>
-                </a:solidFill>
-              </a:rPr>
-              <a:t>陷检测的基础。</a:t>
+              <a:t>，利用其强大的特征提取能力作为缺陷检测的基础。</a:t>
             </a:r>
             <a:endParaRPr lang="en-US" sz="888" dirty="0"/>
           </a:p>
@@ -4739,7 +3977,7 @@
           </a:bodyPr>
           <a:lstStyle/>
           <a:p>
-            <a:pPr algn="l" indent="0" marL="0">
+            <a:pPr marL="0" indent="0" algn="l">
               <a:lnSpc>
                 <a:spcPts val="1400"/>
               </a:lnSpc>
@@ -4780,7 +4018,7 @@
           </a:bodyPr>
           <a:lstStyle/>
           <a:p>
-            <a:pPr algn="l" indent="0" marL="0">
+            <a:pPr marL="0" indent="0" algn="l">
               <a:lnSpc>
                 <a:spcPts val="1300"/>
               </a:lnSpc>
@@ -4821,7 +4059,7 @@
           </a:bodyPr>
           <a:lstStyle/>
           <a:p>
-            <a:pPr algn="l" indent="0" marL="0">
+            <a:pPr marL="0" indent="0" algn="l">
               <a:lnSpc>
                 <a:spcPts val="1400"/>
               </a:lnSpc>
@@ -4848,7 +4086,7 @@
         <p:spPr>
           <a:xfrm>
             <a:off x="571500" y="3613147"/>
-            <a:ext cx="4247294" cy="339998"/>
+            <a:ext cx="4247294" cy="154466"/>
           </a:xfrm>
           <a:prstGeom prst="rect">
             <a:avLst/>
@@ -4862,7 +4100,7 @@
           </a:bodyPr>
           <a:lstStyle/>
           <a:p>
-            <a:pPr algn="l" indent="0" marL="0">
+            <a:pPr marL="0" indent="0" algn="l">
               <a:lnSpc>
                 <a:spcPts val="1300"/>
               </a:lnSpc>
@@ -4876,47 +4114,37 @@
               </a:rPr>
               <a:t>舍弃标准 CrossEntropy，采用 </a:t>
             </a:r>
-            <a:pPr algn="l" indent="0" marL="0">
-              <a:lnSpc>
-                <a:spcPts val="1300"/>
-              </a:lnSpc>
-              <a:buNone/>
-            </a:pPr>
+            <a:r>
+              <a:rPr lang="en-US" sz="780" dirty="0" err="1">
+                <a:solidFill>
+                  <a:srgbClr val="FF0000"/>
+                </a:solidFill>
+              </a:rPr>
+              <a:t>TriangularCrossEntropyLoss</a:t>
+            </a:r>
             <a:r>
               <a:rPr lang="en-US" sz="780" dirty="0">
                 <a:solidFill>
-                  <a:srgbClr val="E5E5E5"/>
-                </a:solidFill>
-              </a:rPr>
-              <a:t>TriangularCrossEntropyLoss (α=1.0)</a:t>
-            </a:r>
-            <a:pPr algn="l" indent="0" marL="0">
-              <a:lnSpc>
-                <a:spcPts val="1300"/>
-              </a:lnSpc>
-              <a:buNone/>
-            </a:pPr>
+                  <a:srgbClr val="FF0000"/>
+                </a:solidFill>
+              </a:rPr>
+              <a:t> </a:t>
+            </a:r>
             <a:r>
               <a:rPr lang="en-US" sz="888" dirty="0">
                 <a:solidFill>
+                  <a:srgbClr val="FF0000"/>
+                </a:solidFill>
+              </a:rPr>
+              <a:t>，</a:t>
+            </a:r>
+            <a:r>
+              <a:rPr lang="en-US" sz="888" dirty="0">
+                <a:solidFill>
                   <a:srgbClr val="333333"/>
                 </a:solidFill>
               </a:rPr>
-              <a:t>，强化对等</a:t>
-            </a:r>
-            <a:pPr algn="l" indent="0" marL="0">
-              <a:lnSpc>
-                <a:spcPts val="1300"/>
-              </a:lnSpc>
-              <a:buNone/>
-            </a:pPr>
-            <a:r>
-              <a:rPr lang="en-US" sz="888" dirty="0">
-                <a:solidFill>
-                  <a:srgbClr val="333333"/>
-                </a:solidFill>
-              </a:rPr>
-              <a:t>级偏差的惩罚。</a:t>
+              <a:t>强化对等级偏差的惩罚。</a:t>
             </a:r>
             <a:endParaRPr lang="en-US" sz="888" dirty="0"/>
           </a:p>
@@ -4945,7 +4173,7 @@
           </a:bodyPr>
           <a:lstStyle/>
           <a:p>
-            <a:pPr algn="l" indent="0" marL="0">
+            <a:pPr marL="0" indent="0" algn="l">
               <a:lnSpc>
                 <a:spcPts val="1400"/>
               </a:lnSpc>
@@ -4986,7 +4214,7 @@
           </a:bodyPr>
           <a:lstStyle/>
           <a:p>
-            <a:pPr algn="l" indent="0" marL="0">
+            <a:pPr marL="0" indent="0" algn="l">
               <a:lnSpc>
                 <a:spcPts val="1300"/>
               </a:lnSpc>
@@ -5004,30 +4232,6 @@
           </a:p>
         </p:txBody>
       </p:sp>
-      <p:pic>
-        <p:nvPicPr>
-          <p:cNvPr id="14" name="Image 1" descr="preencoded.png">    </p:cNvPr>
-          <p:cNvPicPr>
-            <a:picLocks noChangeAspect="1"/>
-          </p:cNvPicPr>
-          <p:nvPr/>
-        </p:nvPicPr>
-        <p:blipFill>
-          <a:blip r:embed="rId2"/>
-          <a:stretch>
-            <a:fillRect/>
-          </a:stretch>
-        </p:blipFill>
-        <p:spPr>
-          <a:xfrm>
-            <a:off x="5074016" y="1497257"/>
-            <a:ext cx="3457575" cy="3314700"/>
-          </a:xfrm>
-          <a:prstGeom prst="rect">
-            <a:avLst/>
-          </a:prstGeom>
-        </p:spPr>
-      </p:pic>
       <p:sp>
         <p:nvSpPr>
           <p:cNvPr id="15" name="Text 11"/>
@@ -5037,7 +4241,7 @@
         <p:spPr>
           <a:xfrm>
             <a:off x="5529681" y="4883395"/>
-            <a:ext cx="2546245" cy="135731"/>
+            <a:ext cx="65" cy="109710"/>
           </a:xfrm>
           <a:prstGeom prst="rect">
             <a:avLst/>
@@ -5051,20 +4255,12 @@
           </a:bodyPr>
           <a:lstStyle/>
           <a:p>
-            <a:pPr algn="l" indent="0" marL="0">
+            <a:pPr marL="0" indent="0" algn="l">
               <a:lnSpc>
                 <a:spcPts val="900"/>
               </a:lnSpc>
               <a:buNone/>
             </a:pPr>
-            <a:r>
-              <a:rPr lang="en-US" sz="683" b="1" dirty="0">
-                <a:solidFill>
-                  <a:srgbClr val="FF4500"/>
-                </a:solidFill>
-              </a:rPr>
-              <a:t>FIG 04: CNN BACKBONE MODIFICATION SCHEMATIC</a:t>
-            </a:r>
             <a:endParaRPr lang="en-US" sz="683" dirty="0"/>
           </a:p>
         </p:txBody>
@@ -5092,7 +4288,7 @@
           </a:bodyPr>
           <a:lstStyle/>
           <a:p>
-            <a:pPr algn="l" indent="0" marL="0">
+            <a:pPr marL="0" indent="0" algn="l">
               <a:lnSpc>
                 <a:spcPts val="1200"/>
               </a:lnSpc>
@@ -5118,7 +4314,7 @@
 </p:sld>
 </file>
 
-<file path=ppt/slides/slide7.xml><?xml version="1.0" encoding="utf-8"?>
+<file path=ppt/slides/slide6.xml><?xml version="1.0" encoding="utf-8"?>
 <p:sld xmlns:a="http://schemas.openxmlformats.org/drawingml/2006/main" xmlns:r="http://schemas.openxmlformats.org/officeDocument/2006/relationships" xmlns:p="http://schemas.openxmlformats.org/presentationml/2006/main">
   <p:cSld name="Slide 7">
     <p:spTree>
@@ -5137,14 +4333,14 @@
       </p:grpSpPr>
       <p:pic>
         <p:nvPicPr>
-          <p:cNvPr id="2" name="Image 0" descr="preencoded.png">    </p:cNvPr>
+          <p:cNvPr id="2" name="Image 0" descr="preencoded.png"/>
           <p:cNvPicPr>
             <a:picLocks noChangeAspect="1"/>
           </p:cNvPicPr>
           <p:nvPr/>
         </p:nvPicPr>
         <p:blipFill>
-          <a:blip r:embed="rId1"/>
+          <a:blip r:embed="rId3"/>
           <a:stretch>
             <a:fillRect/>
           </a:stretch>
@@ -5224,14 +4420,14 @@
           </a:bodyPr>
           <a:lstStyle/>
           <a:p>
-            <a:pPr algn="l" indent="0" marL="0">
+            <a:pPr marL="0" indent="0" algn="l">
               <a:lnSpc>
                 <a:spcPts val="3200"/>
               </a:lnSpc>
               <a:buNone/>
             </a:pPr>
             <a:r>
-              <a:rPr lang="en-US" sz="2436" b="1" spc="-1" kern="0" dirty="0">
+              <a:rPr lang="en-US" sz="2436" b="1" kern="0" spc="-1" dirty="0">
                 <a:solidFill>
                   <a:srgbClr val="1A1A1A"/>
                 </a:solidFill>
@@ -5265,14 +4461,14 @@
           </a:bodyPr>
           <a:lstStyle/>
           <a:p>
-            <a:pPr algn="l" indent="0" marL="0">
+            <a:pPr marL="0" indent="0" algn="l">
               <a:lnSpc>
                 <a:spcPts val="1200"/>
               </a:lnSpc>
               <a:buNone/>
             </a:pPr>
             <a:r>
-              <a:rPr lang="en-US" sz="885" b="1" spc="2" kern="0" dirty="0">
+              <a:rPr lang="en-US" sz="885" b="1" kern="0" spc="2" dirty="0">
                 <a:solidFill>
                   <a:srgbClr val="FF4500"/>
                 </a:solidFill>
@@ -5306,7 +4502,7 @@
           </a:bodyPr>
           <a:lstStyle/>
           <a:p>
-            <a:pPr algn="l" indent="0" marL="0">
+            <a:pPr marL="0" indent="0" algn="l">
               <a:lnSpc>
                 <a:spcPts val="3800"/>
               </a:lnSpc>
@@ -5347,14 +4543,14 @@
           </a:bodyPr>
           <a:lstStyle/>
           <a:p>
-            <a:pPr algn="l" indent="0" marL="0">
+            <a:pPr marL="0" indent="0" algn="l">
               <a:lnSpc>
                 <a:spcPts val="1200"/>
               </a:lnSpc>
               <a:buNone/>
             </a:pPr>
             <a:r>
-              <a:rPr lang="en-US" sz="885" b="1" spc="2" kern="0" dirty="0">
+              <a:rPr lang="en-US" sz="885" b="1" kern="0" spc="2" dirty="0">
                 <a:solidFill>
                   <a:srgbClr val="FF4500"/>
                 </a:solidFill>
@@ -5388,7 +4584,7 @@
           </a:bodyPr>
           <a:lstStyle/>
           <a:p>
-            <a:pPr algn="l" indent="0" marL="0">
+            <a:pPr marL="0" indent="0" algn="l">
               <a:lnSpc>
                 <a:spcPts val="3800"/>
               </a:lnSpc>
@@ -5429,14 +4625,14 @@
           </a:bodyPr>
           <a:lstStyle/>
           <a:p>
-            <a:pPr algn="l" indent="0" marL="0">
+            <a:pPr marL="0" indent="0" algn="l">
               <a:lnSpc>
                 <a:spcPts val="1200"/>
               </a:lnSpc>
               <a:buNone/>
             </a:pPr>
             <a:r>
-              <a:rPr lang="en-US" sz="885" b="1" spc="2" kern="0" dirty="0">
+              <a:rPr lang="en-US" sz="885" b="1" kern="0" spc="2" dirty="0">
                 <a:solidFill>
                   <a:srgbClr val="FF4500"/>
                 </a:solidFill>
@@ -5470,7 +4666,7 @@
           </a:bodyPr>
           <a:lstStyle/>
           <a:p>
-            <a:pPr algn="l" indent="0" marL="0">
+            <a:pPr marL="0" indent="0" algn="l">
               <a:lnSpc>
                 <a:spcPts val="3800"/>
               </a:lnSpc>
@@ -5511,7 +4707,7 @@
           </a:bodyPr>
           <a:lstStyle/>
           <a:p>
-            <a:pPr algn="l" indent="0" marL="0">
+            <a:pPr marL="0" indent="0" algn="l">
               <a:lnSpc>
                 <a:spcPts val="1500"/>
               </a:lnSpc>
@@ -5552,7 +4748,7 @@
           </a:bodyPr>
           <a:lstStyle/>
           <a:p>
-            <a:pPr algn="l" indent="0" marL="0">
+            <a:pPr marL="0" indent="0" algn="l">
               <a:lnSpc>
                 <a:spcPts val="1500"/>
               </a:lnSpc>
@@ -5593,7 +4789,7 @@
           </a:bodyPr>
           <a:lstStyle/>
           <a:p>
-            <a:pPr algn="l" indent="0" marL="0">
+            <a:pPr marL="0" indent="0" algn="l">
               <a:lnSpc>
                 <a:spcPts val="1500"/>
               </a:lnSpc>
@@ -5634,7 +4830,7 @@
           </a:bodyPr>
           <a:lstStyle/>
           <a:p>
-            <a:pPr algn="l" indent="0" marL="0">
+            <a:pPr marL="0" indent="0" algn="l">
               <a:lnSpc>
                 <a:spcPts val="1500"/>
               </a:lnSpc>
@@ -5675,7 +4871,7 @@
           </a:bodyPr>
           <a:lstStyle/>
           <a:p>
-            <a:pPr algn="l" indent="0" marL="0">
+            <a:pPr marL="0" indent="0" algn="l">
               <a:lnSpc>
                 <a:spcPts val="1200"/>
               </a:lnSpc>
@@ -5693,15 +4889,285 @@
           </a:p>
         </p:txBody>
       </p:sp>
+      <p:pic>
+        <p:nvPicPr>
+          <p:cNvPr id="18" name="图片 17" descr="文本&#10;&#10;AI 生成的内容可能不正确。">
+            <a:extLst>
+              <a:ext uri="{FF2B5EF4-FFF2-40B4-BE49-F238E27FC236}">
+                <a16:creationId xmlns:a16="http://schemas.microsoft.com/office/drawing/2014/main" id="{1FF7BB10-7D1D-B982-08B7-1A6813DB831C}"/>
+              </a:ext>
+            </a:extLst>
+          </p:cNvPr>
+          <p:cNvPicPr>
+            <a:picLocks noChangeAspect="1"/>
+          </p:cNvPicPr>
+          <p:nvPr/>
+        </p:nvPicPr>
+        <p:blipFill>
+          <a:blip r:embed="rId4"/>
+          <a:stretch>
+            <a:fillRect/>
+          </a:stretch>
+        </p:blipFill>
+        <p:spPr>
+          <a:xfrm>
+            <a:off x="454532" y="1121558"/>
+            <a:ext cx="6691361" cy="2900384"/>
+          </a:xfrm>
+          <a:prstGeom prst="rect">
+            <a:avLst/>
+          </a:prstGeom>
+        </p:spPr>
+      </p:pic>
+      <p:pic>
+        <p:nvPicPr>
+          <p:cNvPr id="20" name="图片 19" descr="文本&#10;&#10;AI 生成的内容可能不正确。">
+            <a:extLst>
+              <a:ext uri="{FF2B5EF4-FFF2-40B4-BE49-F238E27FC236}">
+                <a16:creationId xmlns:a16="http://schemas.microsoft.com/office/drawing/2014/main" id="{28977E2A-320C-97A7-11BC-09F1DC657026}"/>
+              </a:ext>
+            </a:extLst>
+          </p:cNvPr>
+          <p:cNvPicPr>
+            <a:picLocks noChangeAspect="1"/>
+          </p:cNvPicPr>
+          <p:nvPr/>
+        </p:nvPicPr>
+        <p:blipFill>
+          <a:blip r:embed="rId5"/>
+          <a:stretch>
+            <a:fillRect/>
+          </a:stretch>
+        </p:blipFill>
+        <p:spPr>
+          <a:xfrm>
+            <a:off x="497484" y="1397821"/>
+            <a:ext cx="5900781" cy="2533669"/>
+          </a:xfrm>
+          <a:prstGeom prst="rect">
+            <a:avLst/>
+          </a:prstGeom>
+        </p:spPr>
+      </p:pic>
     </p:spTree>
   </p:cSld>
   <p:clrMapOvr>
     <a:masterClrMapping/>
   </p:clrMapOvr>
+  <p:timing>
+    <p:tnLst>
+      <p:par>
+        <p:cTn id="1" dur="indefinite" restart="never" nodeType="tmRoot">
+          <p:childTnLst>
+            <p:seq concurrent="1" nextAc="seek">
+              <p:cTn id="2" dur="indefinite" nodeType="mainSeq">
+                <p:childTnLst>
+                  <p:par>
+                    <p:cTn id="3" fill="hold">
+                      <p:stCondLst>
+                        <p:cond delay="indefinite"/>
+                      </p:stCondLst>
+                      <p:childTnLst>
+                        <p:par>
+                          <p:cTn id="4" fill="hold">
+                            <p:stCondLst>
+                              <p:cond delay="0"/>
+                            </p:stCondLst>
+                            <p:childTnLst>
+                              <p:par>
+                                <p:cTn id="5" presetID="1" presetClass="entr" presetSubtype="0" fill="hold" nodeType="clickEffect">
+                                  <p:stCondLst>
+                                    <p:cond delay="0"/>
+                                  </p:stCondLst>
+                                  <p:childTnLst>
+                                    <p:set>
+                                      <p:cBhvr>
+                                        <p:cTn id="6" dur="1" fill="hold">
+                                          <p:stCondLst>
+                                            <p:cond delay="0"/>
+                                          </p:stCondLst>
+                                        </p:cTn>
+                                        <p:tgtEl>
+                                          <p:spTgt spid="18"/>
+                                        </p:tgtEl>
+                                        <p:attrNameLst>
+                                          <p:attrName>style.visibility</p:attrName>
+                                        </p:attrNameLst>
+                                      </p:cBhvr>
+                                      <p:to>
+                                        <p:strVal val="visible"/>
+                                      </p:to>
+                                    </p:set>
+                                  </p:childTnLst>
+                                </p:cTn>
+                              </p:par>
+                            </p:childTnLst>
+                          </p:cTn>
+                        </p:par>
+                      </p:childTnLst>
+                    </p:cTn>
+                  </p:par>
+                  <p:par>
+                    <p:cTn id="7" fill="hold">
+                      <p:stCondLst>
+                        <p:cond delay="indefinite"/>
+                      </p:stCondLst>
+                      <p:childTnLst>
+                        <p:par>
+                          <p:cTn id="8" fill="hold">
+                            <p:stCondLst>
+                              <p:cond delay="0"/>
+                            </p:stCondLst>
+                            <p:childTnLst>
+                              <p:par>
+                                <p:cTn id="9" presetID="1" presetClass="exit" presetSubtype="0" fill="hold" nodeType="clickEffect">
+                                  <p:stCondLst>
+                                    <p:cond delay="0"/>
+                                  </p:stCondLst>
+                                  <p:childTnLst>
+                                    <p:set>
+                                      <p:cBhvr>
+                                        <p:cTn id="10" dur="1" fill="hold">
+                                          <p:stCondLst>
+                                            <p:cond delay="0"/>
+                                          </p:stCondLst>
+                                        </p:cTn>
+                                        <p:tgtEl>
+                                          <p:spTgt spid="18"/>
+                                        </p:tgtEl>
+                                        <p:attrNameLst>
+                                          <p:attrName>style.visibility</p:attrName>
+                                        </p:attrNameLst>
+                                      </p:cBhvr>
+                                      <p:to>
+                                        <p:strVal val="hidden"/>
+                                      </p:to>
+                                    </p:set>
+                                  </p:childTnLst>
+                                </p:cTn>
+                              </p:par>
+                            </p:childTnLst>
+                          </p:cTn>
+                        </p:par>
+                      </p:childTnLst>
+                    </p:cTn>
+                  </p:par>
+                  <p:par>
+                    <p:cTn id="11" fill="hold">
+                      <p:stCondLst>
+                        <p:cond delay="indefinite"/>
+                      </p:stCondLst>
+                      <p:childTnLst>
+                        <p:par>
+                          <p:cTn id="12" fill="hold">
+                            <p:stCondLst>
+                              <p:cond delay="0"/>
+                            </p:stCondLst>
+                            <p:childTnLst>
+                              <p:par>
+                                <p:cTn id="13" presetID="1" presetClass="entr" presetSubtype="0" fill="hold" nodeType="clickEffect">
+                                  <p:stCondLst>
+                                    <p:cond delay="0"/>
+                                  </p:stCondLst>
+                                  <p:childTnLst>
+                                    <p:set>
+                                      <p:cBhvr>
+                                        <p:cTn id="14" dur="1" fill="hold">
+                                          <p:stCondLst>
+                                            <p:cond delay="0"/>
+                                          </p:stCondLst>
+                                        </p:cTn>
+                                        <p:tgtEl>
+                                          <p:spTgt spid="20"/>
+                                        </p:tgtEl>
+                                        <p:attrNameLst>
+                                          <p:attrName>style.visibility</p:attrName>
+                                        </p:attrNameLst>
+                                      </p:cBhvr>
+                                      <p:to>
+                                        <p:strVal val="visible"/>
+                                      </p:to>
+                                    </p:set>
+                                  </p:childTnLst>
+                                </p:cTn>
+                              </p:par>
+                            </p:childTnLst>
+                          </p:cTn>
+                        </p:par>
+                      </p:childTnLst>
+                    </p:cTn>
+                  </p:par>
+                  <p:par>
+                    <p:cTn id="15" fill="hold">
+                      <p:stCondLst>
+                        <p:cond delay="indefinite"/>
+                      </p:stCondLst>
+                      <p:childTnLst>
+                        <p:par>
+                          <p:cTn id="16" fill="hold">
+                            <p:stCondLst>
+                              <p:cond delay="0"/>
+                            </p:stCondLst>
+                            <p:childTnLst>
+                              <p:par>
+                                <p:cTn id="17" presetID="1" presetClass="exit" presetSubtype="0" fill="hold" nodeType="clickEffect">
+                                  <p:stCondLst>
+                                    <p:cond delay="0"/>
+                                  </p:stCondLst>
+                                  <p:childTnLst>
+                                    <p:set>
+                                      <p:cBhvr>
+                                        <p:cTn id="18" dur="1" fill="hold">
+                                          <p:stCondLst>
+                                            <p:cond delay="0"/>
+                                          </p:stCondLst>
+                                        </p:cTn>
+                                        <p:tgtEl>
+                                          <p:spTgt spid="20"/>
+                                        </p:tgtEl>
+                                        <p:attrNameLst>
+                                          <p:attrName>style.visibility</p:attrName>
+                                        </p:attrNameLst>
+                                      </p:cBhvr>
+                                      <p:to>
+                                        <p:strVal val="hidden"/>
+                                      </p:to>
+                                    </p:set>
+                                  </p:childTnLst>
+                                </p:cTn>
+                              </p:par>
+                            </p:childTnLst>
+                          </p:cTn>
+                        </p:par>
+                      </p:childTnLst>
+                    </p:cTn>
+                  </p:par>
+                </p:childTnLst>
+              </p:cTn>
+              <p:prevCondLst>
+                <p:cond evt="onPrev" delay="0">
+                  <p:tgtEl>
+                    <p:sldTgt/>
+                  </p:tgtEl>
+                </p:cond>
+              </p:prevCondLst>
+              <p:nextCondLst>
+                <p:cond evt="onNext" delay="0">
+                  <p:tgtEl>
+                    <p:sldTgt/>
+                  </p:tgtEl>
+                </p:cond>
+              </p:nextCondLst>
+            </p:seq>
+          </p:childTnLst>
+        </p:cTn>
+      </p:par>
+    </p:tnLst>
+  </p:timing>
 </p:sld>
 </file>
 
-<file path=ppt/slides/slide8.xml><?xml version="1.0" encoding="utf-8"?>
+<file path=ppt/slides/slide7.xml><?xml version="1.0" encoding="utf-8"?>
 <p:sld xmlns:a="http://schemas.openxmlformats.org/drawingml/2006/main" xmlns:r="http://schemas.openxmlformats.org/officeDocument/2006/relationships" xmlns:p="http://schemas.openxmlformats.org/presentationml/2006/main">
   <p:cSld name="Slide 8">
     <p:spTree>
@@ -5720,240 +5186,7 @@
       </p:grpSpPr>
       <p:pic>
         <p:nvPicPr>
-          <p:cNvPr id="2" name="Image 0" descr="preencoded.png">    </p:cNvPr>
-          <p:cNvPicPr>
-            <a:picLocks noChangeAspect="1"/>
-          </p:cNvPicPr>
-          <p:nvPr/>
-        </p:nvPicPr>
-        <p:blipFill>
-          <a:blip r:embed="rId1"/>
-          <a:stretch>
-            <a:fillRect/>
-          </a:stretch>
-        </p:blipFill>
-        <p:spPr>
-          <a:xfrm>
-            <a:off x="0" y="0"/>
-            <a:ext cx="9144000" cy="5143500"/>
-          </a:xfrm>
-          <a:prstGeom prst="rect">
-            <a:avLst/>
-          </a:prstGeom>
-        </p:spPr>
-      </p:pic>
-      <p:sp>
-        <p:nvSpPr>
-          <p:cNvPr id="3" name="Shape 0"/>
-          <p:cNvSpPr/>
-          <p:nvPr/>
-        </p:nvSpPr>
-        <p:spPr>
-          <a:xfrm>
-            <a:off x="0" y="0"/>
-            <a:ext cx="9144000" cy="1489611"/>
-          </a:xfrm>
-          <a:prstGeom prst="rect">
-            <a:avLst/>
-          </a:prstGeom>
-          <a:solidFill>
-            <a:srgbClr val="000000">
-              <a:alpha val="0"/>
-            </a:srgbClr>
-          </a:solidFill>
-          <a:ln/>
-        </p:spPr>
-      </p:sp>
-      <p:sp>
-        <p:nvSpPr>
-          <p:cNvPr id="4" name="Shape 1"/>
-          <p:cNvSpPr/>
-          <p:nvPr/>
-        </p:nvSpPr>
-        <p:spPr>
-          <a:xfrm>
-            <a:off x="0" y="0"/>
-            <a:ext cx="9144000" cy="57150"/>
-          </a:xfrm>
-          <a:prstGeom prst="rect">
-            <a:avLst/>
-          </a:prstGeom>
-          <a:solidFill>
-            <a:srgbClr val="FF4500"/>
-          </a:solidFill>
-          <a:ln/>
-        </p:spPr>
-      </p:sp>
-      <p:sp>
-        <p:nvSpPr>
-          <p:cNvPr id="5" name="Text 2"/>
-          <p:cNvSpPr/>
-          <p:nvPr/>
-        </p:nvSpPr>
-        <p:spPr>
-          <a:xfrm>
-            <a:off x="571500" y="689511"/>
-            <a:ext cx="8572500" cy="457200"/>
-          </a:xfrm>
-          <a:prstGeom prst="rect">
-            <a:avLst/>
-          </a:prstGeom>
-          <a:noFill/>
-          <a:ln/>
-        </p:spPr>
-        <p:txBody>
-          <a:bodyPr wrap="none" lIns="0" tIns="0" rIns="0" bIns="0" rtlCol="0" anchor="t">
-            <a:spAutoFit/>
-          </a:bodyPr>
-          <a:lstStyle/>
-          <a:p>
-            <a:pPr algn="l" indent="0" marL="0">
-              <a:lnSpc>
-                <a:spcPts val="3000"/>
-              </a:lnSpc>
-              <a:buNone/>
-            </a:pPr>
-            <a:r>
-              <a:rPr lang="en-US" sz="2226" b="1" spc="-1" kern="0" dirty="0">
-                <a:solidFill>
-                  <a:srgbClr val="FF4500"/>
-                </a:solidFill>
-              </a:rPr>
-              <a:t>理论前瞻：Vision Transformer (ViT) 的引入思考</a:t>
-            </a:r>
-            <a:endParaRPr lang="en-US" sz="2226" dirty="0"/>
-          </a:p>
-        </p:txBody>
-      </p:sp>
-      <p:sp>
-        <p:nvSpPr>
-          <p:cNvPr id="6" name="Shape 3"/>
-          <p:cNvSpPr/>
-          <p:nvPr/>
-        </p:nvSpPr>
-        <p:spPr>
-          <a:xfrm>
-            <a:off x="571500" y="1432461"/>
-            <a:ext cx="4286250" cy="3313221"/>
-          </a:xfrm>
-          <a:prstGeom prst="rect">
-            <a:avLst/>
-          </a:prstGeom>
-          <a:solidFill>
-            <a:srgbClr val="333333"/>
-          </a:solidFill>
-          <a:ln/>
-        </p:spPr>
-      </p:sp>
-      <p:pic>
-        <p:nvPicPr>
-          <p:cNvPr id="7" name="Image 1" descr="preencoded.png">    </p:cNvPr>
-          <p:cNvPicPr>
-            <a:picLocks noChangeAspect="1"/>
-          </p:cNvPicPr>
-          <p:nvPr/>
-        </p:nvPicPr>
-        <p:blipFill>
-          <a:blip r:embed="rId2"/>
-          <a:stretch>
-            <a:fillRect/>
-          </a:stretch>
-        </p:blipFill>
-        <p:spPr>
-          <a:xfrm>
-            <a:off x="571500" y="1503899"/>
-            <a:ext cx="4286250" cy="2286000"/>
-          </a:xfrm>
-          <a:prstGeom prst="rect">
-            <a:avLst/>
-          </a:prstGeom>
-        </p:spPr>
-      </p:pic>
-      <p:sp>
-        <p:nvSpPr>
-          <p:cNvPr id="8" name="Text 4"/>
-          <p:cNvSpPr/>
-          <p:nvPr/>
-        </p:nvSpPr>
-        <p:spPr>
-          <a:xfrm>
-            <a:off x="1524242" y="3875624"/>
-            <a:ext cx="2380766" cy="144661"/>
-          </a:xfrm>
-          <a:prstGeom prst="rect">
-            <a:avLst/>
-          </a:prstGeom>
-          <a:noFill/>
-          <a:ln/>
-        </p:spPr>
-        <p:txBody>
-          <a:bodyPr wrap="none" lIns="0" tIns="0" rIns="0" bIns="0" rtlCol="0" anchor="t">
-            <a:spAutoFit/>
-          </a:bodyPr>
-          <a:lstStyle/>
-          <a:p>
-            <a:pPr algn="l" indent="0" marL="0">
-              <a:lnSpc>
-                <a:spcPts val="900"/>
-              </a:lnSpc>
-              <a:buNone/>
-            </a:pPr>
-            <a:r>
-              <a:rPr lang="en-US" sz="727" spc="2" kern="0" dirty="0">
-                <a:solidFill>
-                  <a:srgbClr val="FF4500"/>
-                </a:solidFill>
-              </a:rPr>
-              <a:t>Vision Transformer (ViT) 核心架构示意</a:t>
-            </a:r>
-            <a:endParaRPr lang="en-US" sz="727" dirty="0"/>
-          </a:p>
-        </p:txBody>
-      </p:sp>
-      <p:sp>
-        <p:nvSpPr>
-          <p:cNvPr id="9" name="Text 5"/>
-          <p:cNvSpPr/>
-          <p:nvPr/>
-        </p:nvSpPr>
-        <p:spPr>
-          <a:xfrm>
-            <a:off x="5143500" y="1432461"/>
-            <a:ext cx="3429000" cy="207169"/>
-          </a:xfrm>
-          <a:prstGeom prst="rect">
-            <a:avLst/>
-          </a:prstGeom>
-          <a:noFill/>
-          <a:ln/>
-        </p:spPr>
-        <p:txBody>
-          <a:bodyPr wrap="none" lIns="127508" tIns="0" rIns="0" bIns="0" rtlCol="0" anchor="t">
-            <a:spAutoFit/>
-          </a:bodyPr>
-          <a:lstStyle/>
-          <a:p>
-            <a:pPr algn="l" indent="0" marL="0">
-              <a:lnSpc>
-                <a:spcPts val="1400"/>
-              </a:lnSpc>
-              <a:buNone/>
-            </a:pPr>
-            <a:r>
-              <a:rPr lang="en-US" sz="987" b="1" dirty="0">
-                <a:solidFill>
-                  <a:srgbClr val="FF4500"/>
-                </a:solidFill>
-              </a:rPr>
-              <a:t>核心机制与优势</a:t>
-            </a:r>
-            <a:endParaRPr lang="en-US" sz="987" dirty="0"/>
-          </a:p>
-        </p:txBody>
-      </p:sp>
-      <p:pic>
-        <p:nvPicPr>
-          <p:cNvPr id="10" name="Image 2" descr="preencoded.png">    </p:cNvPr>
+          <p:cNvPr id="2" name="Image 0" descr="preencoded.png"/>
           <p:cNvPicPr>
             <a:picLocks noChangeAspect="1"/>
           </p:cNvPicPr>
@@ -5967,8 +5200,8 @@
         </p:blipFill>
         <p:spPr>
           <a:xfrm>
-            <a:off x="5143500" y="1768218"/>
-            <a:ext cx="75009" cy="85725"/>
+            <a:off x="0" y="0"/>
+            <a:ext cx="9144000" cy="5143500"/>
           </a:xfrm>
           <a:prstGeom prst="rect">
             <a:avLst/>
@@ -5977,48 +5210,110 @@
       </p:pic>
       <p:sp>
         <p:nvSpPr>
-          <p:cNvPr id="11" name="Text 6"/>
-          <p:cNvSpPr/>
-          <p:nvPr/>
-        </p:nvSpPr>
-        <p:spPr>
-          <a:xfrm>
-            <a:off x="5304234" y="1725355"/>
-            <a:ext cx="3268266" cy="388609"/>
-          </a:xfrm>
-          <a:prstGeom prst="rect">
-            <a:avLst/>
-          </a:prstGeom>
-          <a:noFill/>
-          <a:ln/>
-        </p:spPr>
-        <p:txBody>
-          <a:bodyPr wrap="square" lIns="0" tIns="0" rIns="0" bIns="0" rtlCol="0" anchor="t">
-            <a:spAutoFit/>
-          </a:bodyPr>
-          <a:lstStyle/>
-          <a:p>
-            <a:pPr algn="l" indent="0" marL="0">
-              <a:lnSpc>
-                <a:spcPts val="1500"/>
-              </a:lnSpc>
-              <a:buNone/>
-            </a:pPr>
-            <a:r>
-              <a:rPr lang="en-US" sz="888" dirty="0">
-                <a:solidFill>
-                  <a:srgbClr val="E5E5E5"/>
-                </a:solidFill>
-              </a:rPr>
-              <a:t>将图像分割为 Patch 序列，利用 Self-Attention 机制捕捉全局长距离依赖。</a:t>
-            </a:r>
-            <a:endParaRPr lang="en-US" sz="888" dirty="0"/>
-          </a:p>
-        </p:txBody>
+          <p:cNvPr id="3" name="Shape 0"/>
+          <p:cNvSpPr/>
+          <p:nvPr/>
+        </p:nvSpPr>
+        <p:spPr>
+          <a:xfrm>
+            <a:off x="0" y="0"/>
+            <a:ext cx="9144000" cy="1489611"/>
+          </a:xfrm>
+          <a:prstGeom prst="rect">
+            <a:avLst/>
+          </a:prstGeom>
+          <a:solidFill>
+            <a:srgbClr val="000000">
+              <a:alpha val="0"/>
+            </a:srgbClr>
+          </a:solidFill>
+          <a:ln/>
+        </p:spPr>
+      </p:sp>
+      <p:sp>
+        <p:nvSpPr>
+          <p:cNvPr id="4" name="Shape 1"/>
+          <p:cNvSpPr/>
+          <p:nvPr/>
+        </p:nvSpPr>
+        <p:spPr>
+          <a:xfrm>
+            <a:off x="0" y="0"/>
+            <a:ext cx="9144000" cy="57150"/>
+          </a:xfrm>
+          <a:prstGeom prst="rect">
+            <a:avLst/>
+          </a:prstGeom>
+          <a:solidFill>
+            <a:srgbClr val="FF4500"/>
+          </a:solidFill>
+          <a:ln/>
+        </p:spPr>
+      </p:sp>
+      <p:sp>
+        <p:nvSpPr>
+          <p:cNvPr id="5" name="Text 2"/>
+          <p:cNvSpPr/>
+          <p:nvPr/>
+        </p:nvSpPr>
+        <p:spPr>
+          <a:xfrm>
+            <a:off x="571500" y="689511"/>
+            <a:ext cx="8572500" cy="457200"/>
+          </a:xfrm>
+          <a:prstGeom prst="rect">
+            <a:avLst/>
+          </a:prstGeom>
+          <a:noFill/>
+          <a:ln/>
+        </p:spPr>
+        <p:txBody>
+          <a:bodyPr wrap="none" lIns="0" tIns="0" rIns="0" bIns="0" rtlCol="0" anchor="t">
+            <a:spAutoFit/>
+          </a:bodyPr>
+          <a:lstStyle/>
+          <a:p>
+            <a:pPr marL="0" indent="0" algn="l">
+              <a:lnSpc>
+                <a:spcPts val="3000"/>
+              </a:lnSpc>
+              <a:buNone/>
+            </a:pPr>
+            <a:r>
+              <a:rPr lang="en-US" sz="2226" b="1" kern="0" spc="-1" dirty="0">
+                <a:solidFill>
+                  <a:srgbClr val="FF4500"/>
+                </a:solidFill>
+              </a:rPr>
+              <a:t>理论前瞻：Vision Transformer (ViT) 的引入思考</a:t>
+            </a:r>
+            <a:endParaRPr lang="en-US" sz="2226" dirty="0"/>
+          </a:p>
+        </p:txBody>
+      </p:sp>
+      <p:sp>
+        <p:nvSpPr>
+          <p:cNvPr id="6" name="Shape 3"/>
+          <p:cNvSpPr/>
+          <p:nvPr/>
+        </p:nvSpPr>
+        <p:spPr>
+          <a:xfrm>
+            <a:off x="559292" y="1348482"/>
+            <a:ext cx="4286250" cy="3313221"/>
+          </a:xfrm>
+          <a:prstGeom prst="rect">
+            <a:avLst/>
+          </a:prstGeom>
+          <a:solidFill>
+            <a:srgbClr val="333333"/>
+          </a:solidFill>
+          <a:ln/>
+        </p:spPr>
       </p:sp>
       <p:pic>
         <p:nvPicPr>
-          <p:cNvPr id="12" name="Image 3" descr="preencoded.png">    </p:cNvPr>
+          <p:cNvPr id="7" name="Image 1" descr="preencoded.png"/>
           <p:cNvPicPr>
             <a:picLocks noChangeAspect="1"/>
           </p:cNvPicPr>
@@ -6032,8 +5327,8 @@
         </p:blipFill>
         <p:spPr>
           <a:xfrm>
-            <a:off x="5143500" y="2213976"/>
-            <a:ext cx="75009" cy="85725"/>
+            <a:off x="571500" y="1503899"/>
+            <a:ext cx="4286250" cy="2286000"/>
           </a:xfrm>
           <a:prstGeom prst="rect">
             <a:avLst/>
@@ -6042,14 +5337,14 @@
       </p:pic>
       <p:sp>
         <p:nvSpPr>
-          <p:cNvPr id="13" name="Text 7"/>
-          <p:cNvSpPr/>
-          <p:nvPr/>
-        </p:nvSpPr>
-        <p:spPr>
-          <a:xfrm>
-            <a:off x="5304234" y="2171114"/>
-            <a:ext cx="3239160" cy="194304"/>
+          <p:cNvPr id="8" name="Text 4"/>
+          <p:cNvSpPr/>
+          <p:nvPr/>
+        </p:nvSpPr>
+        <p:spPr>
+          <a:xfrm>
+            <a:off x="1524242" y="3875624"/>
+            <a:ext cx="2380766" cy="144661"/>
           </a:xfrm>
           <a:prstGeom prst="rect">
             <a:avLst/>
@@ -6063,33 +5358,33 @@
           </a:bodyPr>
           <a:lstStyle/>
           <a:p>
-            <a:pPr algn="l" indent="0" marL="0">
-              <a:lnSpc>
-                <a:spcPts val="1500"/>
-              </a:lnSpc>
-              <a:buNone/>
-            </a:pPr>
-            <a:r>
-              <a:rPr lang="en-US" sz="888" dirty="0">
-                <a:solidFill>
-                  <a:srgbClr val="E5E5E5"/>
-                </a:solidFill>
-              </a:rPr>
-              <a:t>打破 CNN 的局部感受野限制，实现对整幅图像的宏观建模。</a:t>
-            </a:r>
-            <a:endParaRPr lang="en-US" sz="888" dirty="0"/>
-          </a:p>
-        </p:txBody>
-      </p:sp>
-      <p:sp>
-        <p:nvSpPr>
-          <p:cNvPr id="14" name="Text 8"/>
-          <p:cNvSpPr/>
-          <p:nvPr/>
-        </p:nvSpPr>
-        <p:spPr>
-          <a:xfrm>
-            <a:off x="5143500" y="2536868"/>
+            <a:pPr marL="0" indent="0" algn="l">
+              <a:lnSpc>
+                <a:spcPts val="900"/>
+              </a:lnSpc>
+              <a:buNone/>
+            </a:pPr>
+            <a:r>
+              <a:rPr lang="en-US" sz="727" kern="0" spc="2" dirty="0">
+                <a:solidFill>
+                  <a:srgbClr val="FF4500"/>
+                </a:solidFill>
+              </a:rPr>
+              <a:t>Vision Transformer (ViT) 核心架构示意</a:t>
+            </a:r>
+            <a:endParaRPr lang="en-US" sz="727" dirty="0"/>
+          </a:p>
+        </p:txBody>
+      </p:sp>
+      <p:sp>
+        <p:nvSpPr>
+          <p:cNvPr id="9" name="Text 5"/>
+          <p:cNvSpPr/>
+          <p:nvPr/>
+        </p:nvSpPr>
+        <p:spPr>
+          <a:xfrm>
+            <a:off x="5143500" y="1432461"/>
             <a:ext cx="3429000" cy="207169"/>
           </a:xfrm>
           <a:prstGeom prst="rect">
@@ -6104,7 +5399,7 @@
           </a:bodyPr>
           <a:lstStyle/>
           <a:p>
-            <a:pPr algn="l" indent="0" marL="0">
+            <a:pPr marL="0" indent="0" algn="l">
               <a:lnSpc>
                 <a:spcPts val="1400"/>
               </a:lnSpc>
@@ -6116,252 +5411,7 @@
                   <a:srgbClr val="FF4500"/>
                 </a:solidFill>
               </a:rPr>
-              <a:t>CNN vs. ViT 对比</a:t>
-            </a:r>
-            <a:endParaRPr lang="en-US" sz="987" dirty="0"/>
-          </a:p>
-        </p:txBody>
-      </p:sp>
-      <p:sp>
-        <p:nvSpPr>
-          <p:cNvPr id="15" name="Shape 9"/>
-          <p:cNvSpPr/>
-          <p:nvPr/>
-        </p:nvSpPr>
-        <p:spPr>
-          <a:xfrm>
-            <a:off x="5143500" y="2829762"/>
-            <a:ext cx="308297" cy="165729"/>
-          </a:xfrm>
-          <a:prstGeom prst="rect">
-            <a:avLst/>
-          </a:prstGeom>
-          <a:solidFill>
-            <a:srgbClr val="FF4500"/>
-          </a:solidFill>
-          <a:ln/>
-        </p:spPr>
-      </p:sp>
-      <p:sp>
-        <p:nvSpPr>
-          <p:cNvPr id="16" name="Text 10"/>
-          <p:cNvSpPr/>
-          <p:nvPr/>
-        </p:nvSpPr>
-        <p:spPr>
-          <a:xfrm>
-            <a:off x="5143500" y="2829762"/>
-            <a:ext cx="308297" cy="165729"/>
-          </a:xfrm>
-          <a:prstGeom prst="rect">
-            <a:avLst/>
-          </a:prstGeom>
-          <a:noFill/>
-          <a:ln/>
-        </p:spPr>
-        <p:txBody>
-          <a:bodyPr wrap="none" lIns="68072" tIns="17018" rIns="68072" bIns="17018" rtlCol="0" anchor="t">
-            <a:spAutoFit/>
-          </a:bodyPr>
-          <a:lstStyle/>
-          <a:p>
-            <a:pPr algn="l" indent="0" marL="0">
-              <a:lnSpc>
-                <a:spcPts val="1100"/>
-              </a:lnSpc>
-              <a:buNone/>
-            </a:pPr>
-            <a:r>
-              <a:rPr lang="en-US" sz="584" b="1" dirty="0">
-                <a:solidFill>
-                  <a:srgbClr val="1A1A1A"/>
-                </a:solidFill>
-              </a:rPr>
-              <a:t>CNN</a:t>
-            </a:r>
-            <a:endParaRPr lang="en-US" sz="584" dirty="0"/>
-          </a:p>
-        </p:txBody>
-      </p:sp>
-      <p:sp>
-        <p:nvSpPr>
-          <p:cNvPr id="17" name="Text 11"/>
-          <p:cNvSpPr/>
-          <p:nvPr/>
-        </p:nvSpPr>
-        <p:spPr>
-          <a:xfrm>
-            <a:off x="5508947" y="2829762"/>
-            <a:ext cx="3063553" cy="388609"/>
-          </a:xfrm>
-          <a:prstGeom prst="rect">
-            <a:avLst/>
-          </a:prstGeom>
-          <a:noFill/>
-          <a:ln/>
-        </p:spPr>
-        <p:txBody>
-          <a:bodyPr wrap="square" lIns="0" tIns="0" rIns="0" bIns="0" rtlCol="0" anchor="t">
-            <a:spAutoFit/>
-          </a:bodyPr>
-          <a:lstStyle/>
-          <a:p>
-            <a:pPr algn="l" indent="0" marL="0">
-              <a:lnSpc>
-                <a:spcPts val="1500"/>
-              </a:lnSpc>
-              <a:buNone/>
-            </a:pPr>
-            <a:r>
-              <a:rPr lang="en-US" sz="888" dirty="0">
-                <a:solidFill>
-                  <a:srgbClr val="E5E5E5"/>
-                </a:solidFill>
-              </a:rPr>
-              <a:t>归纳偏置强，擅长提取局部纹理，适合目前的细微裂缝检测。</a:t>
-            </a:r>
-            <a:endParaRPr lang="en-US" sz="888" dirty="0"/>
-          </a:p>
-        </p:txBody>
-      </p:sp>
-      <p:sp>
-        <p:nvSpPr>
-          <p:cNvPr id="18" name="Shape 12"/>
-          <p:cNvSpPr/>
-          <p:nvPr/>
-        </p:nvSpPr>
-        <p:spPr>
-          <a:xfrm>
-            <a:off x="5143500" y="3275521"/>
-            <a:ext cx="253017" cy="165729"/>
-          </a:xfrm>
-          <a:prstGeom prst="rect">
-            <a:avLst/>
-          </a:prstGeom>
-          <a:solidFill>
-            <a:srgbClr val="FF4500"/>
-          </a:solidFill>
-          <a:ln/>
-        </p:spPr>
-      </p:sp>
-      <p:sp>
-        <p:nvSpPr>
-          <p:cNvPr id="19" name="Text 13"/>
-          <p:cNvSpPr/>
-          <p:nvPr/>
-        </p:nvSpPr>
-        <p:spPr>
-          <a:xfrm>
-            <a:off x="5143500" y="3275521"/>
-            <a:ext cx="253017" cy="165729"/>
-          </a:xfrm>
-          <a:prstGeom prst="rect">
-            <a:avLst/>
-          </a:prstGeom>
-          <a:noFill/>
-          <a:ln/>
-        </p:spPr>
-        <p:txBody>
-          <a:bodyPr wrap="none" lIns="68072" tIns="17018" rIns="68072" bIns="17018" rtlCol="0" anchor="t">
-            <a:spAutoFit/>
-          </a:bodyPr>
-          <a:lstStyle/>
-          <a:p>
-            <a:pPr algn="l" indent="0" marL="0">
-              <a:lnSpc>
-                <a:spcPts val="1100"/>
-              </a:lnSpc>
-              <a:buNone/>
-            </a:pPr>
-            <a:r>
-              <a:rPr lang="en-US" sz="584" b="1" dirty="0">
-                <a:solidFill>
-                  <a:srgbClr val="1A1A1A"/>
-                </a:solidFill>
-              </a:rPr>
-              <a:t>ViT</a:t>
-            </a:r>
-            <a:endParaRPr lang="en-US" sz="584" dirty="0"/>
-          </a:p>
-        </p:txBody>
-      </p:sp>
-      <p:sp>
-        <p:nvSpPr>
-          <p:cNvPr id="20" name="Text 14"/>
-          <p:cNvSpPr/>
-          <p:nvPr/>
-        </p:nvSpPr>
-        <p:spPr>
-          <a:xfrm>
-            <a:off x="5453667" y="3275521"/>
-            <a:ext cx="3118833" cy="388609"/>
-          </a:xfrm>
-          <a:prstGeom prst="rect">
-            <a:avLst/>
-          </a:prstGeom>
-          <a:noFill/>
-          <a:ln/>
-        </p:spPr>
-        <p:txBody>
-          <a:bodyPr wrap="square" lIns="0" tIns="0" rIns="0" bIns="0" rtlCol="0" anchor="t">
-            <a:spAutoFit/>
-          </a:bodyPr>
-          <a:lstStyle/>
-          <a:p>
-            <a:pPr algn="l" indent="0" marL="0">
-              <a:lnSpc>
-                <a:spcPts val="1500"/>
-              </a:lnSpc>
-              <a:buNone/>
-            </a:pPr>
-            <a:r>
-              <a:rPr lang="en-US" sz="888" dirty="0">
-                <a:solidFill>
-                  <a:srgbClr val="E5E5E5"/>
-                </a:solidFill>
-              </a:rPr>
-              <a:t>感受野全局化，适合捕捉贯穿整张长条形钢板的宏观缺陷特征。</a:t>
-            </a:r>
-            <a:endParaRPr lang="en-US" sz="888" dirty="0"/>
-          </a:p>
-        </p:txBody>
-      </p:sp>
-      <p:sp>
-        <p:nvSpPr>
-          <p:cNvPr id="21" name="Text 15"/>
-          <p:cNvSpPr/>
-          <p:nvPr/>
-        </p:nvSpPr>
-        <p:spPr>
-          <a:xfrm>
-            <a:off x="5143500" y="3835580"/>
-            <a:ext cx="3429000" cy="207169"/>
-          </a:xfrm>
-          <a:prstGeom prst="rect">
-            <a:avLst/>
-          </a:prstGeom>
-          <a:noFill/>
-          <a:ln/>
-        </p:spPr>
-        <p:txBody>
-          <a:bodyPr wrap="none" lIns="127508" tIns="0" rIns="0" bIns="0" rtlCol="0" anchor="t">
-            <a:spAutoFit/>
-          </a:bodyPr>
-          <a:lstStyle/>
-          <a:p>
-            <a:pPr algn="l" indent="0" marL="0">
-              <a:lnSpc>
-                <a:spcPts val="1400"/>
-              </a:lnSpc>
-              <a:buNone/>
-            </a:pPr>
-            <a:r>
-              <a:rPr lang="en-US" sz="987" b="1" dirty="0">
-                <a:solidFill>
-                  <a:srgbClr val="FF4500"/>
-                </a:solidFill>
-              </a:rPr>
-              <a:t>未来应用探索</a:t>
+              <a:t>核心机制与优势</a:t>
             </a:r>
             <a:endParaRPr lang="en-US" sz="987" dirty="0"/>
           </a:p>
@@ -6369,7 +5419,7 @@
       </p:sp>
       <p:pic>
         <p:nvPicPr>
-          <p:cNvPr id="22" name="Image 4" descr="preencoded.png">    </p:cNvPr>
+          <p:cNvPr id="10" name="Image 2" descr="preencoded.png"/>
           <p:cNvPicPr>
             <a:picLocks noChangeAspect="1"/>
           </p:cNvPicPr>
@@ -6383,7 +5433,7 @@
         </p:blipFill>
         <p:spPr>
           <a:xfrm>
-            <a:off x="5143500" y="4171336"/>
+            <a:off x="5143500" y="1768218"/>
             <a:ext cx="75009" cy="85725"/>
           </a:xfrm>
           <a:prstGeom prst="rect">
@@ -6393,28 +5443,28 @@
       </p:pic>
       <p:sp>
         <p:nvSpPr>
-          <p:cNvPr id="23" name="Text 16"/>
-          <p:cNvSpPr/>
-          <p:nvPr/>
-        </p:nvSpPr>
-        <p:spPr>
-          <a:xfrm>
-            <a:off x="5304234" y="4128474"/>
-            <a:ext cx="3231152" cy="194304"/>
-          </a:xfrm>
-          <a:prstGeom prst="rect">
-            <a:avLst/>
-          </a:prstGeom>
-          <a:noFill/>
-          <a:ln/>
-        </p:spPr>
-        <p:txBody>
-          <a:bodyPr wrap="none" lIns="0" tIns="0" rIns="0" bIns="0" rtlCol="0" anchor="t">
-            <a:spAutoFit/>
-          </a:bodyPr>
-          <a:lstStyle/>
-          <a:p>
-            <a:pPr algn="l" indent="0" marL="0">
+          <p:cNvPr id="11" name="Text 6"/>
+          <p:cNvSpPr/>
+          <p:nvPr/>
+        </p:nvSpPr>
+        <p:spPr>
+          <a:xfrm>
+            <a:off x="5304234" y="1725355"/>
+            <a:ext cx="3268266" cy="388609"/>
+          </a:xfrm>
+          <a:prstGeom prst="rect">
+            <a:avLst/>
+          </a:prstGeom>
+          <a:noFill/>
+          <a:ln/>
+        </p:spPr>
+        <p:txBody>
+          <a:bodyPr wrap="square" lIns="0" tIns="0" rIns="0" bIns="0" rtlCol="0" anchor="t">
+            <a:spAutoFit/>
+          </a:bodyPr>
+          <a:lstStyle/>
+          <a:p>
+            <a:pPr marL="0" indent="0" algn="l">
               <a:lnSpc>
                 <a:spcPts val="1500"/>
               </a:lnSpc>
@@ -6426,7 +5476,7 @@
                   <a:srgbClr val="E5E5E5"/>
                 </a:solidFill>
               </a:rPr>
-              <a:t>探索 CNN 与 ViT 的混合架构，兼顾局部细节与全局上下文。</a:t>
+              <a:t>将图像分割为 Patch 序列，利用 Self-Attention 机制捕捉全局长距离依赖。</a:t>
             </a:r>
             <a:endParaRPr lang="en-US" sz="888" dirty="0"/>
           </a:p>
@@ -6434,7 +5484,7 @@
       </p:sp>
       <p:pic>
         <p:nvPicPr>
-          <p:cNvPr id="24" name="Image 5" descr="preencoded.png">    </p:cNvPr>
+          <p:cNvPr id="12" name="Image 3" descr="preencoded.png"/>
           <p:cNvPicPr>
             <a:picLocks noChangeAspect="1"/>
           </p:cNvPicPr>
@@ -6448,6 +5498,422 @@
         </p:blipFill>
         <p:spPr>
           <a:xfrm>
+            <a:off x="5143500" y="2213976"/>
+            <a:ext cx="75009" cy="85725"/>
+          </a:xfrm>
+          <a:prstGeom prst="rect">
+            <a:avLst/>
+          </a:prstGeom>
+        </p:spPr>
+      </p:pic>
+      <p:sp>
+        <p:nvSpPr>
+          <p:cNvPr id="13" name="Text 7"/>
+          <p:cNvSpPr/>
+          <p:nvPr/>
+        </p:nvSpPr>
+        <p:spPr>
+          <a:xfrm>
+            <a:off x="5304234" y="2171114"/>
+            <a:ext cx="3239160" cy="194304"/>
+          </a:xfrm>
+          <a:prstGeom prst="rect">
+            <a:avLst/>
+          </a:prstGeom>
+          <a:noFill/>
+          <a:ln/>
+        </p:spPr>
+        <p:txBody>
+          <a:bodyPr wrap="none" lIns="0" tIns="0" rIns="0" bIns="0" rtlCol="0" anchor="t">
+            <a:spAutoFit/>
+          </a:bodyPr>
+          <a:lstStyle/>
+          <a:p>
+            <a:pPr marL="0" indent="0" algn="l">
+              <a:lnSpc>
+                <a:spcPts val="1500"/>
+              </a:lnSpc>
+              <a:buNone/>
+            </a:pPr>
+            <a:r>
+              <a:rPr lang="en-US" sz="888" dirty="0">
+                <a:solidFill>
+                  <a:srgbClr val="E5E5E5"/>
+                </a:solidFill>
+              </a:rPr>
+              <a:t>打破 CNN 的局部感受野限制，实现对整幅图像的宏观建模。</a:t>
+            </a:r>
+            <a:endParaRPr lang="en-US" sz="888" dirty="0"/>
+          </a:p>
+        </p:txBody>
+      </p:sp>
+      <p:sp>
+        <p:nvSpPr>
+          <p:cNvPr id="14" name="Text 8"/>
+          <p:cNvSpPr/>
+          <p:nvPr/>
+        </p:nvSpPr>
+        <p:spPr>
+          <a:xfrm>
+            <a:off x="5143500" y="2536868"/>
+            <a:ext cx="3429000" cy="207169"/>
+          </a:xfrm>
+          <a:prstGeom prst="rect">
+            <a:avLst/>
+          </a:prstGeom>
+          <a:noFill/>
+          <a:ln/>
+        </p:spPr>
+        <p:txBody>
+          <a:bodyPr wrap="none" lIns="127508" tIns="0" rIns="0" bIns="0" rtlCol="0" anchor="t">
+            <a:spAutoFit/>
+          </a:bodyPr>
+          <a:lstStyle/>
+          <a:p>
+            <a:pPr marL="0" indent="0" algn="l">
+              <a:lnSpc>
+                <a:spcPts val="1400"/>
+              </a:lnSpc>
+              <a:buNone/>
+            </a:pPr>
+            <a:r>
+              <a:rPr lang="en-US" sz="987" b="1" dirty="0">
+                <a:solidFill>
+                  <a:srgbClr val="FF4500"/>
+                </a:solidFill>
+              </a:rPr>
+              <a:t>CNN vs. ViT 对比</a:t>
+            </a:r>
+            <a:endParaRPr lang="en-US" sz="987" dirty="0"/>
+          </a:p>
+        </p:txBody>
+      </p:sp>
+      <p:sp>
+        <p:nvSpPr>
+          <p:cNvPr id="15" name="Shape 9"/>
+          <p:cNvSpPr/>
+          <p:nvPr/>
+        </p:nvSpPr>
+        <p:spPr>
+          <a:xfrm>
+            <a:off x="5143500" y="2829762"/>
+            <a:ext cx="308297" cy="165729"/>
+          </a:xfrm>
+          <a:prstGeom prst="rect">
+            <a:avLst/>
+          </a:prstGeom>
+          <a:solidFill>
+            <a:srgbClr val="FF4500"/>
+          </a:solidFill>
+          <a:ln/>
+        </p:spPr>
+      </p:sp>
+      <p:sp>
+        <p:nvSpPr>
+          <p:cNvPr id="16" name="Text 10"/>
+          <p:cNvSpPr/>
+          <p:nvPr/>
+        </p:nvSpPr>
+        <p:spPr>
+          <a:xfrm>
+            <a:off x="5143500" y="2829762"/>
+            <a:ext cx="308297" cy="165729"/>
+          </a:xfrm>
+          <a:prstGeom prst="rect">
+            <a:avLst/>
+          </a:prstGeom>
+          <a:noFill/>
+          <a:ln/>
+        </p:spPr>
+        <p:txBody>
+          <a:bodyPr wrap="none" lIns="68072" tIns="17018" rIns="68072" bIns="17018" rtlCol="0" anchor="t">
+            <a:spAutoFit/>
+          </a:bodyPr>
+          <a:lstStyle/>
+          <a:p>
+            <a:pPr marL="0" indent="0" algn="l">
+              <a:lnSpc>
+                <a:spcPts val="1100"/>
+              </a:lnSpc>
+              <a:buNone/>
+            </a:pPr>
+            <a:r>
+              <a:rPr lang="en-US" sz="584" b="1" dirty="0">
+                <a:solidFill>
+                  <a:srgbClr val="1A1A1A"/>
+                </a:solidFill>
+              </a:rPr>
+              <a:t>CNN</a:t>
+            </a:r>
+            <a:endParaRPr lang="en-US" sz="584" dirty="0"/>
+          </a:p>
+        </p:txBody>
+      </p:sp>
+      <p:sp>
+        <p:nvSpPr>
+          <p:cNvPr id="17" name="Text 11"/>
+          <p:cNvSpPr/>
+          <p:nvPr/>
+        </p:nvSpPr>
+        <p:spPr>
+          <a:xfrm>
+            <a:off x="5508947" y="2829762"/>
+            <a:ext cx="3063553" cy="388609"/>
+          </a:xfrm>
+          <a:prstGeom prst="rect">
+            <a:avLst/>
+          </a:prstGeom>
+          <a:noFill/>
+          <a:ln/>
+        </p:spPr>
+        <p:txBody>
+          <a:bodyPr wrap="square" lIns="0" tIns="0" rIns="0" bIns="0" rtlCol="0" anchor="t">
+            <a:spAutoFit/>
+          </a:bodyPr>
+          <a:lstStyle/>
+          <a:p>
+            <a:pPr marL="0" indent="0" algn="l">
+              <a:lnSpc>
+                <a:spcPts val="1500"/>
+              </a:lnSpc>
+              <a:buNone/>
+            </a:pPr>
+            <a:r>
+              <a:rPr lang="en-US" sz="888" dirty="0">
+                <a:solidFill>
+                  <a:srgbClr val="E5E5E5"/>
+                </a:solidFill>
+              </a:rPr>
+              <a:t>归纳偏置强，擅长提取局部纹理，适合目前的细微裂缝检测。</a:t>
+            </a:r>
+            <a:endParaRPr lang="en-US" sz="888" dirty="0"/>
+          </a:p>
+        </p:txBody>
+      </p:sp>
+      <p:sp>
+        <p:nvSpPr>
+          <p:cNvPr id="18" name="Shape 12"/>
+          <p:cNvSpPr/>
+          <p:nvPr/>
+        </p:nvSpPr>
+        <p:spPr>
+          <a:xfrm>
+            <a:off x="5143500" y="3275521"/>
+            <a:ext cx="253017" cy="165729"/>
+          </a:xfrm>
+          <a:prstGeom prst="rect">
+            <a:avLst/>
+          </a:prstGeom>
+          <a:solidFill>
+            <a:srgbClr val="FF4500"/>
+          </a:solidFill>
+          <a:ln/>
+        </p:spPr>
+      </p:sp>
+      <p:sp>
+        <p:nvSpPr>
+          <p:cNvPr id="19" name="Text 13"/>
+          <p:cNvSpPr/>
+          <p:nvPr/>
+        </p:nvSpPr>
+        <p:spPr>
+          <a:xfrm>
+            <a:off x="5143500" y="3275521"/>
+            <a:ext cx="253017" cy="165729"/>
+          </a:xfrm>
+          <a:prstGeom prst="rect">
+            <a:avLst/>
+          </a:prstGeom>
+          <a:noFill/>
+          <a:ln/>
+        </p:spPr>
+        <p:txBody>
+          <a:bodyPr wrap="none" lIns="68072" tIns="17018" rIns="68072" bIns="17018" rtlCol="0" anchor="t">
+            <a:spAutoFit/>
+          </a:bodyPr>
+          <a:lstStyle/>
+          <a:p>
+            <a:pPr marL="0" indent="0" algn="l">
+              <a:lnSpc>
+                <a:spcPts val="1100"/>
+              </a:lnSpc>
+              <a:buNone/>
+            </a:pPr>
+            <a:r>
+              <a:rPr lang="en-US" sz="584" b="1" dirty="0">
+                <a:solidFill>
+                  <a:srgbClr val="1A1A1A"/>
+                </a:solidFill>
+              </a:rPr>
+              <a:t>ViT</a:t>
+            </a:r>
+            <a:endParaRPr lang="en-US" sz="584" dirty="0"/>
+          </a:p>
+        </p:txBody>
+      </p:sp>
+      <p:sp>
+        <p:nvSpPr>
+          <p:cNvPr id="20" name="Text 14"/>
+          <p:cNvSpPr/>
+          <p:nvPr/>
+        </p:nvSpPr>
+        <p:spPr>
+          <a:xfrm>
+            <a:off x="5453667" y="3275521"/>
+            <a:ext cx="3118833" cy="388609"/>
+          </a:xfrm>
+          <a:prstGeom prst="rect">
+            <a:avLst/>
+          </a:prstGeom>
+          <a:noFill/>
+          <a:ln/>
+        </p:spPr>
+        <p:txBody>
+          <a:bodyPr wrap="square" lIns="0" tIns="0" rIns="0" bIns="0" rtlCol="0" anchor="t">
+            <a:spAutoFit/>
+          </a:bodyPr>
+          <a:lstStyle/>
+          <a:p>
+            <a:pPr marL="0" indent="0" algn="l">
+              <a:lnSpc>
+                <a:spcPts val="1500"/>
+              </a:lnSpc>
+              <a:buNone/>
+            </a:pPr>
+            <a:r>
+              <a:rPr lang="en-US" sz="888" dirty="0">
+                <a:solidFill>
+                  <a:srgbClr val="E5E5E5"/>
+                </a:solidFill>
+              </a:rPr>
+              <a:t>感受野全局化，适合捕捉贯穿整张长条形钢板的宏观缺陷特征。</a:t>
+            </a:r>
+            <a:endParaRPr lang="en-US" sz="888" dirty="0"/>
+          </a:p>
+        </p:txBody>
+      </p:sp>
+      <p:sp>
+        <p:nvSpPr>
+          <p:cNvPr id="21" name="Text 15"/>
+          <p:cNvSpPr/>
+          <p:nvPr/>
+        </p:nvSpPr>
+        <p:spPr>
+          <a:xfrm>
+            <a:off x="5143500" y="3835580"/>
+            <a:ext cx="3429000" cy="207169"/>
+          </a:xfrm>
+          <a:prstGeom prst="rect">
+            <a:avLst/>
+          </a:prstGeom>
+          <a:noFill/>
+          <a:ln/>
+        </p:spPr>
+        <p:txBody>
+          <a:bodyPr wrap="none" lIns="127508" tIns="0" rIns="0" bIns="0" rtlCol="0" anchor="t">
+            <a:spAutoFit/>
+          </a:bodyPr>
+          <a:lstStyle/>
+          <a:p>
+            <a:pPr marL="0" indent="0" algn="l">
+              <a:lnSpc>
+                <a:spcPts val="1400"/>
+              </a:lnSpc>
+              <a:buNone/>
+            </a:pPr>
+            <a:r>
+              <a:rPr lang="en-US" sz="987" b="1" dirty="0">
+                <a:solidFill>
+                  <a:srgbClr val="FF4500"/>
+                </a:solidFill>
+              </a:rPr>
+              <a:t>未来应用探索</a:t>
+            </a:r>
+            <a:endParaRPr lang="en-US" sz="987" dirty="0"/>
+          </a:p>
+        </p:txBody>
+      </p:sp>
+      <p:pic>
+        <p:nvPicPr>
+          <p:cNvPr id="22" name="Image 4" descr="preencoded.png"/>
+          <p:cNvPicPr>
+            <a:picLocks noChangeAspect="1"/>
+          </p:cNvPicPr>
+          <p:nvPr/>
+        </p:nvPicPr>
+        <p:blipFill>
+          <a:blip r:embed="rId7"/>
+          <a:stretch>
+            <a:fillRect/>
+          </a:stretch>
+        </p:blipFill>
+        <p:spPr>
+          <a:xfrm>
+            <a:off x="5143500" y="4171336"/>
+            <a:ext cx="75009" cy="85725"/>
+          </a:xfrm>
+          <a:prstGeom prst="rect">
+            <a:avLst/>
+          </a:prstGeom>
+        </p:spPr>
+      </p:pic>
+      <p:sp>
+        <p:nvSpPr>
+          <p:cNvPr id="23" name="Text 16"/>
+          <p:cNvSpPr/>
+          <p:nvPr/>
+        </p:nvSpPr>
+        <p:spPr>
+          <a:xfrm>
+            <a:off x="5304234" y="4128474"/>
+            <a:ext cx="3231152" cy="194304"/>
+          </a:xfrm>
+          <a:prstGeom prst="rect">
+            <a:avLst/>
+          </a:prstGeom>
+          <a:noFill/>
+          <a:ln/>
+        </p:spPr>
+        <p:txBody>
+          <a:bodyPr wrap="none" lIns="0" tIns="0" rIns="0" bIns="0" rtlCol="0" anchor="t">
+            <a:spAutoFit/>
+          </a:bodyPr>
+          <a:lstStyle/>
+          <a:p>
+            <a:pPr marL="0" indent="0" algn="l">
+              <a:lnSpc>
+                <a:spcPts val="1500"/>
+              </a:lnSpc>
+              <a:buNone/>
+            </a:pPr>
+            <a:r>
+              <a:rPr lang="en-US" sz="888" dirty="0">
+                <a:solidFill>
+                  <a:srgbClr val="E5E5E5"/>
+                </a:solidFill>
+              </a:rPr>
+              <a:t>探索 CNN 与 ViT 的混合架构，兼顾局部细节与全局上下文。</a:t>
+            </a:r>
+            <a:endParaRPr lang="en-US" sz="888" dirty="0"/>
+          </a:p>
+        </p:txBody>
+      </p:sp>
+      <p:pic>
+        <p:nvPicPr>
+          <p:cNvPr id="24" name="Image 5" descr="preencoded.png"/>
+          <p:cNvPicPr>
+            <a:picLocks noChangeAspect="1"/>
+          </p:cNvPicPr>
+          <p:nvPr/>
+        </p:nvPicPr>
+        <p:blipFill>
+          <a:blip r:embed="rId8"/>
+          <a:stretch>
+            <a:fillRect/>
+          </a:stretch>
+        </p:blipFill>
+        <p:spPr>
+          <a:xfrm>
             <a:off x="5143500" y="4422791"/>
             <a:ext cx="75009" cy="85725"/>
           </a:xfrm>
@@ -6479,7 +5945,7 @@
           </a:bodyPr>
           <a:lstStyle/>
           <a:p>
-            <a:pPr algn="l" indent="0" marL="0">
+            <a:pPr marL="0" indent="0" algn="l">
               <a:lnSpc>
                 <a:spcPts val="1500"/>
               </a:lnSpc>
@@ -6520,7 +5986,7 @@
           </a:bodyPr>
           <a:lstStyle/>
           <a:p>
-            <a:pPr algn="l" indent="0" marL="0">
+            <a:pPr marL="0" indent="0" algn="l">
               <a:lnSpc>
                 <a:spcPts val="1200"/>
               </a:lnSpc>
@@ -6546,7 +6012,7 @@
 </p:sld>
 </file>
 
-<file path=ppt/slides/slide9.xml><?xml version="1.0" encoding="utf-8"?>
+<file path=ppt/slides/slide8.xml><?xml version="1.0" encoding="utf-8"?>
 <p:sld xmlns:a="http://schemas.openxmlformats.org/drawingml/2006/main" xmlns:r="http://schemas.openxmlformats.org/officeDocument/2006/relationships" xmlns:p="http://schemas.openxmlformats.org/presentationml/2006/main">
   <p:cSld name="Slide 9">
     <p:spTree>
@@ -6565,14 +6031,14 @@
       </p:grpSpPr>
       <p:pic>
         <p:nvPicPr>
-          <p:cNvPr id="2" name="Image 0" descr="preencoded.png">    </p:cNvPr>
+          <p:cNvPr id="2" name="Image 0" descr="preencoded.png"/>
           <p:cNvPicPr>
             <a:picLocks noChangeAspect="1"/>
           </p:cNvPicPr>
           <p:nvPr/>
         </p:nvPicPr>
         <p:blipFill>
-          <a:blip r:embed="rId1"/>
+          <a:blip r:embed="rId3"/>
           <a:stretch>
             <a:fillRect/>
           </a:stretch>
@@ -6638,7 +6104,7 @@
         <p:spPr>
           <a:xfrm>
             <a:off x="571500" y="713231"/>
-            <a:ext cx="8572500" cy="498277"/>
+            <a:ext cx="1562287" cy="388504"/>
           </a:xfrm>
           <a:prstGeom prst="rect">
             <a:avLst/>
@@ -6652,19 +6118,19 @@
           </a:bodyPr>
           <a:lstStyle/>
           <a:p>
-            <a:pPr algn="l" indent="0" marL="0">
+            <a:pPr marL="0" indent="0" algn="l">
               <a:lnSpc>
                 <a:spcPts val="3200"/>
               </a:lnSpc>
               <a:buNone/>
             </a:pPr>
             <a:r>
-              <a:rPr lang="en-US" sz="2436" b="1" spc="-1" kern="0" dirty="0">
+              <a:rPr lang="en-US" sz="2436" b="1" kern="0" spc="-1" dirty="0" err="1">
                 <a:solidFill>
                   <a:srgbClr val="E5E5E5"/>
                 </a:solidFill>
               </a:rPr>
-              <a:t>总结与展望：从 Baseline 到深度优化</a:t>
+              <a:t>总结与展望</a:t>
             </a:r>
             <a:endParaRPr lang="en-US" sz="2436" dirty="0"/>
           </a:p>
@@ -6693,14 +6159,14 @@
           </a:bodyPr>
           <a:lstStyle/>
           <a:p>
-            <a:pPr algn="l" indent="0" marL="0">
+            <a:pPr marL="0" indent="0" algn="l">
               <a:lnSpc>
                 <a:spcPts val="900"/>
               </a:lnSpc>
               <a:buNone/>
             </a:pPr>
             <a:r>
-              <a:rPr lang="en-US" sz="727" spc="2" kern="0" dirty="0">
+              <a:rPr lang="en-US" sz="727" kern="0" spc="2" dirty="0">
                 <a:solidFill>
                   <a:srgbClr val="FF4500"/>
                 </a:solidFill>
@@ -6734,7 +6200,7 @@
           </a:bodyPr>
           <a:lstStyle/>
           <a:p>
-            <a:pPr algn="l" indent="0" marL="0">
+            <a:pPr marL="0" indent="0" algn="l">
               <a:lnSpc>
                 <a:spcPts val="1500"/>
               </a:lnSpc>
@@ -6761,7 +6227,7 @@
         <p:spPr>
           <a:xfrm>
             <a:off x="571500" y="2174128"/>
-            <a:ext cx="3714750" cy="364331"/>
+            <a:ext cx="3714750" cy="343620"/>
           </a:xfrm>
           <a:prstGeom prst="rect">
             <a:avLst/>
@@ -6775,7 +6241,7 @@
           </a:bodyPr>
           <a:lstStyle/>
           <a:p>
-            <a:pPr algn="l" indent="0" marL="0">
+            <a:pPr marL="0" indent="0" algn="l">
               <a:lnSpc>
                 <a:spcPts val="1400"/>
               </a:lnSpc>
@@ -6787,7 +6253,55 @@
                   <a:srgbClr val="CCCCCC"/>
                 </a:solidFill>
               </a:rPr>
-              <a:t>成功验证了 dlordinal 库在工业缺陷分级任务中的有效性，建立了完整的有序回归 Baseline。</a:t>
+              <a:t>成功验证了 </a:t>
+            </a:r>
+            <a:r>
+              <a:rPr lang="en-US" sz="888" dirty="0" err="1">
+                <a:solidFill>
+                  <a:srgbClr val="CCCCCC"/>
+                </a:solidFill>
+              </a:rPr>
+              <a:t>dlordinal</a:t>
+            </a:r>
+            <a:r>
+              <a:rPr lang="en-US" sz="888" dirty="0">
+                <a:solidFill>
+                  <a:srgbClr val="CCCCCC"/>
+                </a:solidFill>
+              </a:rPr>
+              <a:t> </a:t>
+            </a:r>
+            <a:r>
+              <a:rPr lang="en-US" sz="888" dirty="0" err="1">
+                <a:solidFill>
+                  <a:srgbClr val="CCCCCC"/>
+                </a:solidFill>
+              </a:rPr>
+              <a:t>库在工业缺陷分级任务中的有效性，建立了完整的有序回归</a:t>
+            </a:r>
+            <a:r>
+              <a:rPr lang="en-US" sz="888" dirty="0">
+                <a:solidFill>
+                  <a:srgbClr val="CCCCCC"/>
+                </a:solidFill>
+              </a:rPr>
+              <a:t> </a:t>
+            </a:r>
+            <a:r>
+              <a:rPr lang="zh-CN" altLang="en-US" sz="888" dirty="0">
+                <a:solidFill>
+                  <a:srgbClr val="CCCCCC"/>
+                </a:solidFill>
+              </a:rPr>
+              <a:t>方法</a:t>
+            </a:r>
+            <a:r>
+              <a:rPr lang="en-US" sz="888" dirty="0">
+                <a:solidFill>
+                  <a:srgbClr val="CCCCCC"/>
+                </a:solidFill>
+              </a:rPr>
+              <a:t>。</a:t>
             </a:r>
             <a:endParaRPr lang="en-US" sz="888" dirty="0"/>
           </a:p>
@@ -6795,14 +6309,14 @@
       </p:sp>
       <p:sp>
         <p:nvSpPr>
-          <p:cNvPr id="9" name="Text 6"/>
-          <p:cNvSpPr/>
-          <p:nvPr/>
-        </p:nvSpPr>
-        <p:spPr>
-          <a:xfrm>
-            <a:off x="571500" y="2831353"/>
-            <a:ext cx="3714750" cy="226814"/>
+          <p:cNvPr id="11" name="Text 8"/>
+          <p:cNvSpPr/>
+          <p:nvPr/>
+        </p:nvSpPr>
+        <p:spPr>
+          <a:xfrm>
+            <a:off x="4857750" y="1497257"/>
+            <a:ext cx="65" cy="111184"/>
           </a:xfrm>
           <a:prstGeom prst="rect">
             <a:avLst/>
@@ -6816,34 +6330,147 @@
           </a:bodyPr>
           <a:lstStyle/>
           <a:p>
-            <a:pPr algn="l" indent="0" marL="0">
+            <a:pPr marL="0" indent="0" algn="l">
+              <a:lnSpc>
+                <a:spcPts val="900"/>
+              </a:lnSpc>
+              <a:buNone/>
+            </a:pPr>
+            <a:endParaRPr lang="en-US" sz="727" dirty="0"/>
+          </a:p>
+        </p:txBody>
+      </p:sp>
+      <p:sp>
+        <p:nvSpPr>
+          <p:cNvPr id="12" name="Text 9"/>
+          <p:cNvSpPr/>
+          <p:nvPr/>
+        </p:nvSpPr>
+        <p:spPr>
+          <a:xfrm>
+            <a:off x="4857750" y="1890164"/>
+            <a:ext cx="836768" cy="181525"/>
+          </a:xfrm>
+          <a:prstGeom prst="rect">
+            <a:avLst/>
+          </a:prstGeom>
+          <a:noFill/>
+          <a:ln/>
+        </p:spPr>
+        <p:txBody>
+          <a:bodyPr wrap="none" lIns="0" tIns="0" rIns="0" bIns="0" rtlCol="0" anchor="t">
+            <a:spAutoFit/>
+          </a:bodyPr>
+          <a:lstStyle/>
+          <a:p>
+            <a:pPr>
               <a:lnSpc>
                 <a:spcPts val="1500"/>
               </a:lnSpc>
-              <a:buNone/>
-            </a:pPr>
-            <a:r>
-              <a:rPr lang="en-US" sz="1090" b="1" dirty="0">
+            </a:pPr>
+            <a:r>
+              <a:rPr lang="en-US" altLang="zh-CN" sz="1090" b="1" dirty="0" err="1">
                 <a:solidFill>
                   <a:srgbClr val="FF4500"/>
                 </a:solidFill>
               </a:rPr>
-              <a:t>性能突破</a:t>
-            </a:r>
+              <a:t>模型对比实验</a:t>
+            </a:r>
+            <a:endParaRPr lang="en-US" altLang="zh-CN" sz="1090" dirty="0"/>
+          </a:p>
+        </p:txBody>
+      </p:sp>
+      <p:sp>
+        <p:nvSpPr>
+          <p:cNvPr id="13" name="Text 10"/>
+          <p:cNvSpPr/>
+          <p:nvPr/>
+        </p:nvSpPr>
+        <p:spPr>
+          <a:xfrm>
+            <a:off x="4857750" y="2174128"/>
+            <a:ext cx="3714750" cy="164982"/>
+          </a:xfrm>
+          <a:prstGeom prst="rect">
+            <a:avLst/>
+          </a:prstGeom>
+          <a:noFill/>
+          <a:ln/>
+        </p:spPr>
+        <p:txBody>
+          <a:bodyPr wrap="square" lIns="0" tIns="0" rIns="0" bIns="0" rtlCol="0" anchor="t">
+            <a:spAutoFit/>
+          </a:bodyPr>
+          <a:lstStyle/>
+          <a:p>
+            <a:pPr>
+              <a:lnSpc>
+                <a:spcPts val="1400"/>
+              </a:lnSpc>
+            </a:pPr>
+            <a:r>
+              <a:rPr lang="en-US" altLang="zh-CN" sz="888" dirty="0" err="1">
+                <a:solidFill>
+                  <a:srgbClr val="CCCCCC"/>
+                </a:solidFill>
+              </a:rPr>
+              <a:t>测试从零训练与迁移学习的效果差异</a:t>
+            </a:r>
+            <a:r>
+              <a:rPr lang="en-US" altLang="zh-CN" sz="888" dirty="0">
+                <a:solidFill>
+                  <a:srgbClr val="CCCCCC"/>
+                </a:solidFill>
+              </a:rPr>
+              <a:t>，</a:t>
+            </a:r>
+            <a:endParaRPr lang="en-US" altLang="zh-CN" sz="888" dirty="0"/>
+          </a:p>
+        </p:txBody>
+      </p:sp>
+      <p:sp>
+        <p:nvSpPr>
+          <p:cNvPr id="14" name="Text 11"/>
+          <p:cNvSpPr/>
+          <p:nvPr/>
+        </p:nvSpPr>
+        <p:spPr>
+          <a:xfrm>
+            <a:off x="4857750" y="2831353"/>
+            <a:ext cx="65" cy="181140"/>
+          </a:xfrm>
+          <a:prstGeom prst="rect">
+            <a:avLst/>
+          </a:prstGeom>
+          <a:noFill/>
+          <a:ln/>
+        </p:spPr>
+        <p:txBody>
+          <a:bodyPr wrap="none" lIns="0" tIns="0" rIns="0" bIns="0" rtlCol="0" anchor="t">
+            <a:spAutoFit/>
+          </a:bodyPr>
+          <a:lstStyle/>
+          <a:p>
+            <a:pPr marL="0" indent="0" algn="l">
+              <a:lnSpc>
+                <a:spcPts val="1500"/>
+              </a:lnSpc>
+              <a:buNone/>
+            </a:pPr>
             <a:endParaRPr lang="en-US" sz="1090" dirty="0"/>
           </a:p>
         </p:txBody>
       </p:sp>
       <p:sp>
         <p:nvSpPr>
-          <p:cNvPr id="10" name="Text 7"/>
-          <p:cNvSpPr/>
-          <p:nvPr/>
-        </p:nvSpPr>
-        <p:spPr>
-          <a:xfrm>
-            <a:off x="571500" y="3115317"/>
-            <a:ext cx="3714750" cy="364331"/>
+          <p:cNvPr id="15" name="Text 12"/>
+          <p:cNvSpPr/>
+          <p:nvPr/>
+        </p:nvSpPr>
+        <p:spPr>
+          <a:xfrm>
+            <a:off x="4857750" y="3115317"/>
+            <a:ext cx="3714750" cy="164725"/>
           </a:xfrm>
           <a:prstGeom prst="rect">
             <a:avLst/>
@@ -6857,225 +6484,12 @@
           </a:bodyPr>
           <a:lstStyle/>
           <a:p>
-            <a:pPr algn="l" indent="0" marL="0">
+            <a:pPr marL="0" indent="0" algn="l">
               <a:lnSpc>
                 <a:spcPts val="1400"/>
               </a:lnSpc>
               <a:buNone/>
             </a:pPr>
-            <a:r>
-              <a:rPr lang="en-US" sz="888" dirty="0">
-                <a:solidFill>
-                  <a:srgbClr val="CCCCCC"/>
-                </a:solidFill>
-              </a:rPr>
-              <a:t>通过软标签策略与 TriangularCE 损失函数，实现了 MAE &lt; 0.01 的高精度等级预测。</a:t>
-            </a:r>
-            <a:endParaRPr lang="en-US" sz="888" dirty="0"/>
-          </a:p>
-        </p:txBody>
-      </p:sp>
-      <p:sp>
-        <p:nvSpPr>
-          <p:cNvPr id="11" name="Text 8"/>
-          <p:cNvSpPr/>
-          <p:nvPr/>
-        </p:nvSpPr>
-        <p:spPr>
-          <a:xfrm>
-            <a:off x="4857750" y="1497257"/>
-            <a:ext cx="3714750" cy="135731"/>
-          </a:xfrm>
-          <a:prstGeom prst="rect">
-            <a:avLst/>
-          </a:prstGeom>
-          <a:noFill/>
-          <a:ln/>
-        </p:spPr>
-        <p:txBody>
-          <a:bodyPr wrap="none" lIns="0" tIns="0" rIns="0" bIns="0" rtlCol="0" anchor="t">
-            <a:spAutoFit/>
-          </a:bodyPr>
-          <a:lstStyle/>
-          <a:p>
-            <a:pPr algn="l" indent="0" marL="0">
-              <a:lnSpc>
-                <a:spcPts val="900"/>
-              </a:lnSpc>
-              <a:buNone/>
-            </a:pPr>
-            <a:r>
-              <a:rPr lang="en-US" sz="727" spc="2" kern="0" dirty="0">
-                <a:solidFill>
-                  <a:srgbClr val="FF4500"/>
-                </a:solidFill>
-              </a:rPr>
-              <a:t>Next Week Plan</a:t>
-            </a:r>
-            <a:endParaRPr lang="en-US" sz="727" dirty="0"/>
-          </a:p>
-        </p:txBody>
-      </p:sp>
-      <p:sp>
-        <p:nvSpPr>
-          <p:cNvPr id="12" name="Text 9"/>
-          <p:cNvSpPr/>
-          <p:nvPr/>
-        </p:nvSpPr>
-        <p:spPr>
-          <a:xfrm>
-            <a:off x="4857750" y="1890164"/>
-            <a:ext cx="3714750" cy="226814"/>
-          </a:xfrm>
-          <a:prstGeom prst="rect">
-            <a:avLst/>
-          </a:prstGeom>
-          <a:noFill/>
-          <a:ln/>
-        </p:spPr>
-        <p:txBody>
-          <a:bodyPr wrap="none" lIns="0" tIns="0" rIns="0" bIns="0" rtlCol="0" anchor="t">
-            <a:spAutoFit/>
-          </a:bodyPr>
-          <a:lstStyle/>
-          <a:p>
-            <a:pPr algn="l" indent="0" marL="0">
-              <a:lnSpc>
-                <a:spcPts val="1500"/>
-              </a:lnSpc>
-              <a:buNone/>
-            </a:pPr>
-            <a:r>
-              <a:rPr lang="en-US" sz="1090" b="1" dirty="0">
-                <a:solidFill>
-                  <a:srgbClr val="FF4500"/>
-                </a:solidFill>
-              </a:rPr>
-              <a:t>Bad Case 分析</a:t>
-            </a:r>
-            <a:endParaRPr lang="en-US" sz="1090" dirty="0"/>
-          </a:p>
-        </p:txBody>
-      </p:sp>
-      <p:sp>
-        <p:nvSpPr>
-          <p:cNvPr id="13" name="Text 10"/>
-          <p:cNvSpPr/>
-          <p:nvPr/>
-        </p:nvSpPr>
-        <p:spPr>
-          <a:xfrm>
-            <a:off x="4857750" y="2174128"/>
-            <a:ext cx="3714750" cy="364331"/>
-          </a:xfrm>
-          <a:prstGeom prst="rect">
-            <a:avLst/>
-          </a:prstGeom>
-          <a:noFill/>
-          <a:ln/>
-        </p:spPr>
-        <p:txBody>
-          <a:bodyPr wrap="square" lIns="0" tIns="0" rIns="0" bIns="0" rtlCol="0" anchor="t">
-            <a:spAutoFit/>
-          </a:bodyPr>
-          <a:lstStyle/>
-          <a:p>
-            <a:pPr algn="l" indent="0" marL="0">
-              <a:lnSpc>
-                <a:spcPts val="1400"/>
-              </a:lnSpc>
-              <a:buNone/>
-            </a:pPr>
-            <a:r>
-              <a:rPr lang="en-US" sz="888" dirty="0">
-                <a:solidFill>
-                  <a:srgbClr val="CCCCCC"/>
-                </a:solidFill>
-              </a:rPr>
-              <a:t>深入检查 0.2% 的错误样本，分析标注模糊或图像伪影对模型判定的影响。</a:t>
-            </a:r>
-            <a:endParaRPr lang="en-US" sz="888" dirty="0"/>
-          </a:p>
-        </p:txBody>
-      </p:sp>
-      <p:sp>
-        <p:nvSpPr>
-          <p:cNvPr id="14" name="Text 11"/>
-          <p:cNvSpPr/>
-          <p:nvPr/>
-        </p:nvSpPr>
-        <p:spPr>
-          <a:xfrm>
-            <a:off x="4857750" y="2831353"/>
-            <a:ext cx="3714750" cy="226814"/>
-          </a:xfrm>
-          <a:prstGeom prst="rect">
-            <a:avLst/>
-          </a:prstGeom>
-          <a:noFill/>
-          <a:ln/>
-        </p:spPr>
-        <p:txBody>
-          <a:bodyPr wrap="none" lIns="0" tIns="0" rIns="0" bIns="0" rtlCol="0" anchor="t">
-            <a:spAutoFit/>
-          </a:bodyPr>
-          <a:lstStyle/>
-          <a:p>
-            <a:pPr algn="l" indent="0" marL="0">
-              <a:lnSpc>
-                <a:spcPts val="1500"/>
-              </a:lnSpc>
-              <a:buNone/>
-            </a:pPr>
-            <a:r>
-              <a:rPr lang="en-US" sz="1090" b="1" dirty="0">
-                <a:solidFill>
-                  <a:srgbClr val="FF4500"/>
-                </a:solidFill>
-              </a:rPr>
-              <a:t>模型对比实验</a:t>
-            </a:r>
-            <a:endParaRPr lang="en-US" sz="1090" dirty="0"/>
-          </a:p>
-        </p:txBody>
-      </p:sp>
-      <p:sp>
-        <p:nvSpPr>
-          <p:cNvPr id="15" name="Text 12"/>
-          <p:cNvSpPr/>
-          <p:nvPr/>
-        </p:nvSpPr>
-        <p:spPr>
-          <a:xfrm>
-            <a:off x="4857750" y="3115317"/>
-            <a:ext cx="3714750" cy="364331"/>
-          </a:xfrm>
-          <a:prstGeom prst="rect">
-            <a:avLst/>
-          </a:prstGeom>
-          <a:noFill/>
-          <a:ln/>
-        </p:spPr>
-        <p:txBody>
-          <a:bodyPr wrap="square" lIns="0" tIns="0" rIns="0" bIns="0" rtlCol="0" anchor="t">
-            <a:spAutoFit/>
-          </a:bodyPr>
-          <a:lstStyle/>
-          <a:p>
-            <a:pPr algn="l" indent="0" marL="0">
-              <a:lnSpc>
-                <a:spcPts val="1400"/>
-              </a:lnSpc>
-              <a:buNone/>
-            </a:pPr>
-            <a:r>
-              <a:rPr lang="en-US" sz="888" dirty="0">
-                <a:solidFill>
-                  <a:srgbClr val="CCCCCC"/>
-                </a:solidFill>
-              </a:rPr>
-              <a:t>测试从零训练与迁移学习的效果差异，并尝试跑通 ViT Demo 进行性能对比。</a:t>
-            </a:r>
             <a:endParaRPr lang="en-US" sz="888" dirty="0"/>
           </a:p>
         </p:txBody>
@@ -7103,14 +6517,14 @@
           </a:bodyPr>
           <a:lstStyle/>
           <a:p>
-            <a:pPr algn="l" indent="0" marL="0">
+            <a:pPr marL="0" indent="0" algn="l">
               <a:lnSpc>
                 <a:spcPts val="900"/>
               </a:lnSpc>
               <a:buNone/>
             </a:pPr>
             <a:r>
-              <a:rPr lang="en-US" sz="683" b="1" spc="4" kern="0" dirty="0">
+              <a:rPr lang="en-US" sz="683" b="1" kern="0" spc="4" dirty="0">
                 <a:solidFill>
                   <a:srgbClr val="333333"/>
                 </a:solidFill>
@@ -7144,7 +6558,7 @@
           </a:bodyPr>
           <a:lstStyle/>
           <a:p>
-            <a:pPr algn="l" indent="0" marL="0">
+            <a:pPr marL="0" indent="0" algn="l">
               <a:lnSpc>
                 <a:spcPts val="1200"/>
               </a:lnSpc>
@@ -7463,4 +6877,299 @@
     </a:ext>
   </a:extLst>
 </a:theme>
+</file>
+
+<file path=ppt/theme/theme2.xml><?xml version="1.0" encoding="utf-8"?>
+<a:theme xmlns:a="http://schemas.openxmlformats.org/drawingml/2006/main" name="Office 主题​​">
+  <a:themeElements>
+    <a:clrScheme name="Office">
+      <a:dk1>
+        <a:sysClr val="windowText" lastClr="000000"/>
+      </a:dk1>
+      <a:lt1>
+        <a:sysClr val="window" lastClr="FFFFFF"/>
+      </a:lt1>
+      <a:dk2>
+        <a:srgbClr val="44546A"/>
+      </a:dk2>
+      <a:lt2>
+        <a:srgbClr val="E7E6E6"/>
+      </a:lt2>
+      <a:accent1>
+        <a:srgbClr val="4472C4"/>
+      </a:accent1>
+      <a:accent2>
+        <a:srgbClr val="ED7D31"/>
+      </a:accent2>
+      <a:accent3>
+        <a:srgbClr val="A5A5A5"/>
+      </a:accent3>
+      <a:accent4>
+        <a:srgbClr val="FFC000"/>
+      </a:accent4>
+      <a:accent5>
+        <a:srgbClr val="5B9BD5"/>
+      </a:accent5>
+      <a:accent6>
+        <a:srgbClr val="70AD47"/>
+      </a:accent6>
+      <a:hlink>
+        <a:srgbClr val="0563C1"/>
+      </a:hlink>
+      <a:folHlink>
+        <a:srgbClr val="954F72"/>
+      </a:folHlink>
+    </a:clrScheme>
+    <a:fontScheme name="Office">
+      <a:majorFont>
+        <a:latin typeface="等线 Light" panose="020F0302020204030204"/>
+        <a:ea typeface=""/>
+        <a:cs typeface=""/>
+        <a:font script="Jpan" typeface="游ゴシック Light"/>
+        <a:font script="Hang" typeface="맑은 고딕"/>
+        <a:font script="Hans" typeface="等线 Light"/>
+        <a:font script="Hant" typeface="新細明體"/>
+        <a:font script="Arab" typeface="Times New Roman"/>
+        <a:font script="Hebr" typeface="Times New Roman"/>
+        <a:font script="Thai" typeface="Angsana New"/>
+        <a:font script="Ethi" typeface="Nyala"/>
+        <a:font script="Beng" typeface="Vrinda"/>
+        <a:font script="Gujr" typeface="Shruti"/>
+        <a:font script="Khmr" typeface="MoolBoran"/>
+        <a:font script="Knda" typeface="Tunga"/>
+        <a:font script="Guru" typeface="Raavi"/>
+        <a:font script="Cans" typeface="Euphemia"/>
+        <a:font script="Cher" typeface="Plantagenet Cherokee"/>
+        <a:font script="Yiii" typeface="Microsoft Yi Baiti"/>
+        <a:font script="Tibt" typeface="Microsoft Himalaya"/>
+        <a:font script="Thaa" typeface="MV Boli"/>
+        <a:font script="Deva" typeface="Mangal"/>
+        <a:font script="Telu" typeface="Gautami"/>
+        <a:font script="Taml" typeface="Latha"/>
+        <a:font script="Syrc" typeface="Estrangelo Edessa"/>
+        <a:font script="Orya" typeface="Kalinga"/>
+        <a:font script="Mlym" typeface="Kartika"/>
+        <a:font script="Laoo" typeface="DokChampa"/>
+        <a:font script="Sinh" typeface="Iskoola Pota"/>
+        <a:font script="Mong" typeface="Mongolian Baiti"/>
+        <a:font script="Viet" typeface="Times New Roman"/>
+        <a:font script="Uigh" typeface="Microsoft Uighur"/>
+        <a:font script="Geor" typeface="Sylfaen"/>
+        <a:font script="Armn" typeface="Arial"/>
+        <a:font script="Bugi" typeface="Leelawadee UI"/>
+        <a:font script="Bopo" typeface="Microsoft JhengHei"/>
+        <a:font script="Java" typeface="Javanese Text"/>
+        <a:font script="Lisu" typeface="Segoe UI"/>
+        <a:font script="Mymr" typeface="Myanmar Text"/>
+        <a:font script="Nkoo" typeface="Ebrima"/>
+        <a:font script="Olck" typeface="Nirmala UI"/>
+        <a:font script="Osma" typeface="Ebrima"/>
+        <a:font script="Phag" typeface="Phagspa"/>
+        <a:font script="Syrn" typeface="Estrangelo Edessa"/>
+        <a:font script="Syrj" typeface="Estrangelo Edessa"/>
+        <a:font script="Syre" typeface="Estrangelo Edessa"/>
+        <a:font script="Sora" typeface="Nirmala UI"/>
+        <a:font script="Tale" typeface="Microsoft Tai Le"/>
+        <a:font script="Talu" typeface="Microsoft New Tai Lue"/>
+        <a:font script="Tfng" typeface="Ebrima"/>
+      </a:majorFont>
+      <a:minorFont>
+        <a:latin typeface="等线" panose="020F0502020204030204"/>
+        <a:ea typeface=""/>
+        <a:cs typeface=""/>
+        <a:font script="Jpan" typeface="游ゴシック"/>
+        <a:font script="Hang" typeface="맑은 고딕"/>
+        <a:font script="Hans" typeface="等线"/>
+        <a:font script="Hant" typeface="新細明體"/>
+        <a:font script="Arab" typeface="Arial"/>
+        <a:font script="Hebr" typeface="Arial"/>
+        <a:font script="Thai" typeface="Cordia New"/>
+        <a:font script="Ethi" typeface="Nyala"/>
+        <a:font script="Beng" typeface="Vrinda"/>
+        <a:font script="Gujr" typeface="Shruti"/>
+        <a:font script="Khmr" typeface="DaunPenh"/>
+        <a:font script="Knda" typeface="Tunga"/>
+        <a:font script="Guru" typeface="Raavi"/>
+        <a:font script="Cans" typeface="Euphemia"/>
+        <a:font script="Cher" typeface="Plantagenet Cherokee"/>
+        <a:font script="Yiii" typeface="Microsoft Yi Baiti"/>
+        <a:font script="Tibt" typeface="Microsoft Himalaya"/>
+        <a:font script="Thaa" typeface="MV Boli"/>
+        <a:font script="Deva" typeface="Mangal"/>
+        <a:font script="Telu" typeface="Gautami"/>
+        <a:font script="Taml" typeface="Latha"/>
+        <a:font script="Syrc" typeface="Estrangelo Edessa"/>
+        <a:font script="Orya" typeface="Kalinga"/>
+        <a:font script="Mlym" typeface="Kartika"/>
+        <a:font script="Laoo" typeface="DokChampa"/>
+        <a:font script="Sinh" typeface="Iskoola Pota"/>
+        <a:font script="Mong" typeface="Mongolian Baiti"/>
+        <a:font script="Viet" typeface="Arial"/>
+        <a:font script="Uigh" typeface="Microsoft Uighur"/>
+        <a:font script="Geor" typeface="Sylfaen"/>
+        <a:font script="Armn" typeface="Arial"/>
+        <a:font script="Bugi" typeface="Leelawadee UI"/>
+        <a:font script="Bopo" typeface="Microsoft JhengHei"/>
+        <a:font script="Java" typeface="Javanese Text"/>
+        <a:font script="Lisu" typeface="Segoe UI"/>
+        <a:font script="Mymr" typeface="Myanmar Text"/>
+        <a:font script="Nkoo" typeface="Ebrima"/>
+        <a:font script="Olck" typeface="Nirmala UI"/>
+        <a:font script="Osma" typeface="Ebrima"/>
+        <a:font script="Phag" typeface="Phagspa"/>
+        <a:font script="Syrn" typeface="Estrangelo Edessa"/>
+        <a:font script="Syrj" typeface="Estrangelo Edessa"/>
+        <a:font script="Syre" typeface="Estrangelo Edessa"/>
+        <a:font script="Sora" typeface="Nirmala UI"/>
+        <a:font script="Tale" typeface="Microsoft Tai Le"/>
+        <a:font script="Talu" typeface="Microsoft New Tai Lue"/>
+        <a:font script="Tfng" typeface="Ebrima"/>
+      </a:minorFont>
+    </a:fontScheme>
+    <a:fmtScheme name="Office">
+      <a:fillStyleLst>
+        <a:solidFill>
+          <a:schemeClr val="phClr"/>
+        </a:solidFill>
+        <a:gradFill rotWithShape="1">
+          <a:gsLst>
+            <a:gs pos="0">
+              <a:schemeClr val="phClr">
+                <a:lumMod val="110000"/>
+                <a:satMod val="105000"/>
+                <a:tint val="67000"/>
+              </a:schemeClr>
+            </a:gs>
+            <a:gs pos="50000">
+              <a:schemeClr val="phClr">
+                <a:lumMod val="105000"/>
+                <a:satMod val="103000"/>
+                <a:tint val="73000"/>
+              </a:schemeClr>
+            </a:gs>
+            <a:gs pos="100000">
+              <a:schemeClr val="phClr">
+                <a:lumMod val="105000"/>
+                <a:satMod val="109000"/>
+                <a:tint val="81000"/>
+              </a:schemeClr>
+            </a:gs>
+          </a:gsLst>
+          <a:lin ang="5400000" scaled="0"/>
+        </a:gradFill>
+        <a:gradFill rotWithShape="1">
+          <a:gsLst>
+            <a:gs pos="0">
+              <a:schemeClr val="phClr">
+                <a:satMod val="103000"/>
+                <a:lumMod val="102000"/>
+                <a:tint val="94000"/>
+              </a:schemeClr>
+            </a:gs>
+            <a:gs pos="50000">
+              <a:schemeClr val="phClr">
+                <a:satMod val="110000"/>
+                <a:lumMod val="100000"/>
+                <a:shade val="100000"/>
+              </a:schemeClr>
+            </a:gs>
+            <a:gs pos="100000">
+              <a:schemeClr val="phClr">
+                <a:lumMod val="99000"/>
+                <a:satMod val="120000"/>
+                <a:shade val="78000"/>
+              </a:schemeClr>
+            </a:gs>
+          </a:gsLst>
+          <a:lin ang="5400000" scaled="0"/>
+        </a:gradFill>
+      </a:fillStyleLst>
+      <a:lnStyleLst>
+        <a:ln w="6350" cap="flat" cmpd="sng" algn="ctr">
+          <a:solidFill>
+            <a:schemeClr val="phClr"/>
+          </a:solidFill>
+          <a:prstDash val="solid"/>
+          <a:miter lim="800000"/>
+        </a:ln>
+        <a:ln w="12700" cap="flat" cmpd="sng" algn="ctr">
+          <a:solidFill>
+            <a:schemeClr val="phClr"/>
+          </a:solidFill>
+          <a:prstDash val="solid"/>
+          <a:miter lim="800000"/>
+        </a:ln>
+        <a:ln w="19050" cap="flat" cmpd="sng" algn="ctr">
+          <a:solidFill>
+            <a:schemeClr val="phClr"/>
+          </a:solidFill>
+          <a:prstDash val="solid"/>
+          <a:miter lim="800000"/>
+        </a:ln>
+      </a:lnStyleLst>
+      <a:effectStyleLst>
+        <a:effectStyle>
+          <a:effectLst/>
+        </a:effectStyle>
+        <a:effectStyle>
+          <a:effectLst/>
+        </a:effectStyle>
+        <a:effectStyle>
+          <a:effectLst>
+            <a:outerShdw blurRad="57150" dist="19050" dir="5400000" algn="ctr" rotWithShape="0">
+              <a:srgbClr val="000000">
+                <a:alpha val="63000"/>
+              </a:srgbClr>
+            </a:outerShdw>
+          </a:effectLst>
+        </a:effectStyle>
+      </a:effectStyleLst>
+      <a:bgFillStyleLst>
+        <a:solidFill>
+          <a:schemeClr val="phClr"/>
+        </a:solidFill>
+        <a:solidFill>
+          <a:schemeClr val="phClr">
+            <a:tint val="95000"/>
+            <a:satMod val="170000"/>
+          </a:schemeClr>
+        </a:solidFill>
+        <a:gradFill rotWithShape="1">
+          <a:gsLst>
+            <a:gs pos="0">
+              <a:schemeClr val="phClr">
+                <a:tint val="93000"/>
+                <a:satMod val="150000"/>
+                <a:shade val="98000"/>
+                <a:lumMod val="102000"/>
+              </a:schemeClr>
+            </a:gs>
+            <a:gs pos="50000">
+              <a:schemeClr val="phClr">
+                <a:tint val="98000"/>
+                <a:satMod val="130000"/>
+                <a:shade val="90000"/>
+                <a:lumMod val="103000"/>
+              </a:schemeClr>
+            </a:gs>
+            <a:gs pos="100000">
+              <a:schemeClr val="phClr">
+                <a:shade val="63000"/>
+                <a:satMod val="120000"/>
+              </a:schemeClr>
+            </a:gs>
+          </a:gsLst>
+          <a:lin ang="5400000" scaled="0"/>
+        </a:gradFill>
+      </a:bgFillStyleLst>
+    </a:fmtScheme>
+  </a:themeElements>
+  <a:objectDefaults/>
+  <a:extraClrSchemeLst/>
+  <a:extLst>
+    <a:ext uri="{05A4C25C-085E-4340-85A3-A5531E510DB2}">
+      <thm15:themeFamily xmlns:thm15="http://schemas.microsoft.com/office/thememl/2012/main" name="Office Theme" id="{62F939B6-93AF-4DB8-9C6B-D6C7DFDC589F}" vid="{4A3C46E8-61CC-4603-A589-7422A47A8E4A}"/>
+    </a:ext>
+  </a:extLst>
+</a:theme>
 </file>